--- a/Parte5.pptx
+++ b/Parte5.pptx
@@ -9,16 +9,12 @@
     <p:sldId id="257" r:id="rId3"/>
     <p:sldId id="263" r:id="rId4"/>
     <p:sldId id="260" r:id="rId5"/>
-    <p:sldId id="269" r:id="rId6"/>
-    <p:sldId id="258" r:id="rId7"/>
-    <p:sldId id="259" r:id="rId8"/>
-    <p:sldId id="261" r:id="rId9"/>
-    <p:sldId id="262" r:id="rId10"/>
-    <p:sldId id="264" r:id="rId11"/>
-    <p:sldId id="266" r:id="rId12"/>
-    <p:sldId id="265" r:id="rId13"/>
-    <p:sldId id="267" r:id="rId14"/>
-    <p:sldId id="268" r:id="rId15"/>
+    <p:sldId id="264" r:id="rId6"/>
+    <p:sldId id="269" r:id="rId7"/>
+    <p:sldId id="270" r:id="rId8"/>
+    <p:sldId id="266" r:id="rId9"/>
+    <p:sldId id="271" r:id="rId10"/>
+    <p:sldId id="272" r:id="rId11"/>
   </p:sldIdLst>
   <p:sldSz cx="12192000" cy="6858000"/>
   <p:notesSz cx="6858000" cy="9144000"/>
@@ -3178,178 +3174,7 @@
               <a:rPr lang="es-EC" sz="3200" b="1" dirty="0" smtClean="0">
                 <a:latin typeface="Century Gothic" panose="020B0502020202020204" pitchFamily="34" charset="0"/>
               </a:rPr>
-              <a:t>Visualizaciones</a:t>
-            </a:r>
-            <a:endParaRPr lang="es-EC" sz="3200" b="1" dirty="0">
-              <a:latin typeface="Century Gothic" panose="020B0502020202020204" pitchFamily="34" charset="0"/>
-            </a:endParaRPr>
-          </a:p>
-        </p:txBody>
-      </p:sp>
-      <p:pic>
-        <p:nvPicPr>
-          <p:cNvPr id="3" name="Imagen 2"/>
-          <p:cNvPicPr>
-            <a:picLocks noChangeAspect="1"/>
-          </p:cNvPicPr>
-          <p:nvPr/>
-        </p:nvPicPr>
-        <p:blipFill>
-          <a:blip r:embed="rId2"/>
-          <a:stretch>
-            <a:fillRect/>
-          </a:stretch>
-        </p:blipFill>
-        <p:spPr>
-          <a:xfrm>
-            <a:off x="0" y="1262648"/>
-            <a:ext cx="12192000" cy="4949391"/>
-          </a:xfrm>
-          <a:prstGeom prst="rect">
-            <a:avLst/>
-          </a:prstGeom>
-        </p:spPr>
-      </p:pic>
-    </p:spTree>
-    <p:extLst>
-      <p:ext uri="{BB962C8B-B14F-4D97-AF65-F5344CB8AC3E}">
-        <p14:creationId xmlns:p14="http://schemas.microsoft.com/office/powerpoint/2010/main" val="129814445"/>
-      </p:ext>
-    </p:extLst>
-  </p:cSld>
-  <p:clrMapOvr>
-    <a:masterClrMapping/>
-  </p:clrMapOvr>
-  <p:timing>
-    <p:tnLst>
-      <p:par>
-        <p:cTn id="1" dur="indefinite" restart="never" nodeType="tmRoot">
-          <p:childTnLst>
-            <p:seq concurrent="1" nextAc="seek">
-              <p:cTn id="2" dur="indefinite" nodeType="mainSeq">
-                <p:childTnLst>
-                  <p:par>
-                    <p:cTn id="3" fill="hold">
-                      <p:stCondLst>
-                        <p:cond delay="indefinite"/>
-                      </p:stCondLst>
-                      <p:childTnLst>
-                        <p:par>
-                          <p:cTn id="4" fill="hold">
-                            <p:stCondLst>
-                              <p:cond delay="0"/>
-                            </p:stCondLst>
-                            <p:childTnLst>
-                              <p:par>
-                                <p:cTn id="5" presetID="10" presetClass="entr" presetSubtype="0" fill="hold" nodeType="clickEffect">
-                                  <p:stCondLst>
-                                    <p:cond delay="0"/>
-                                  </p:stCondLst>
-                                  <p:childTnLst>
-                                    <p:set>
-                                      <p:cBhvr>
-                                        <p:cTn id="6" dur="1" fill="hold">
-                                          <p:stCondLst>
-                                            <p:cond delay="0"/>
-                                          </p:stCondLst>
-                                        </p:cTn>
-                                        <p:tgtEl>
-                                          <p:spTgt spid="3"/>
-                                        </p:tgtEl>
-                                        <p:attrNameLst>
-                                          <p:attrName>style.visibility</p:attrName>
-                                        </p:attrNameLst>
-                                      </p:cBhvr>
-                                      <p:to>
-                                        <p:strVal val="visible"/>
-                                      </p:to>
-                                    </p:set>
-                                    <p:animEffect transition="in" filter="fade">
-                                      <p:cBhvr>
-                                        <p:cTn id="7" dur="500"/>
-                                        <p:tgtEl>
-                                          <p:spTgt spid="3"/>
-                                        </p:tgtEl>
-                                      </p:cBhvr>
-                                    </p:animEffect>
-                                  </p:childTnLst>
-                                </p:cTn>
-                              </p:par>
-                            </p:childTnLst>
-                          </p:cTn>
-                        </p:par>
-                      </p:childTnLst>
-                    </p:cTn>
-                  </p:par>
-                </p:childTnLst>
-              </p:cTn>
-              <p:prevCondLst>
-                <p:cond evt="onPrev" delay="0">
-                  <p:tgtEl>
-                    <p:sldTgt/>
-                  </p:tgtEl>
-                </p:cond>
-              </p:prevCondLst>
-              <p:nextCondLst>
-                <p:cond evt="onNext" delay="0">
-                  <p:tgtEl>
-                    <p:sldTgt/>
-                  </p:tgtEl>
-                </p:cond>
-              </p:nextCondLst>
-            </p:seq>
-          </p:childTnLst>
-        </p:cTn>
-      </p:par>
-    </p:tnLst>
-  </p:timing>
-</p:sld>
-</file>
-
-<file path=ppt/slides/slide11.xml><?xml version="1.0" encoding="utf-8"?>
-<p:sld xmlns:a="http://schemas.openxmlformats.org/drawingml/2006/main" xmlns:r="http://schemas.openxmlformats.org/officeDocument/2006/relationships" xmlns:p="http://schemas.openxmlformats.org/presentationml/2006/main">
-  <p:cSld>
-    <p:spTree>
-      <p:nvGrpSpPr>
-        <p:cNvPr id="1" name=""/>
-        <p:cNvGrpSpPr/>
-        <p:nvPr/>
-      </p:nvGrpSpPr>
-      <p:grpSpPr>
-        <a:xfrm>
-          <a:off x="0" y="0"/>
-          <a:ext cx="0" cy="0"/>
-          <a:chOff x="0" y="0"/>
-          <a:chExt cx="0" cy="0"/>
-        </a:xfrm>
-      </p:grpSpPr>
-      <p:sp>
-        <p:nvSpPr>
-          <p:cNvPr id="2" name="Título 1"/>
-          <p:cNvSpPr>
-            <a:spLocks noGrp="1"/>
-          </p:cNvSpPr>
-          <p:nvPr>
-            <p:ph type="title"/>
-          </p:nvPr>
-        </p:nvSpPr>
-        <p:spPr>
-          <a:xfrm>
-            <a:off x="312420" y="255056"/>
-            <a:ext cx="11567160" cy="388411"/>
-          </a:xfrm>
-        </p:spPr>
-        <p:txBody>
-          <a:bodyPr>
-            <a:noAutofit/>
-          </a:bodyPr>
-          <a:lstStyle/>
-          <a:p>
-            <a:r>
-              <a:rPr lang="es-EC" sz="3200" b="1" dirty="0" smtClean="0">
-                <a:latin typeface="Century Gothic" panose="020B0502020202020204" pitchFamily="34" charset="0"/>
-              </a:rPr>
-              <a:t>Visualizaciones</a:t>
+              <a:t>Retos</a:t>
             </a:r>
             <a:endParaRPr lang="es-EC" sz="3200" b="1" dirty="0">
               <a:latin typeface="Century Gothic" panose="020B0502020202020204" pitchFamily="34" charset="0"/>
@@ -3373,8 +3198,8 @@
         </p:blipFill>
         <p:spPr>
           <a:xfrm>
-            <a:off x="0" y="954304"/>
-            <a:ext cx="12192000" cy="4949391"/>
+            <a:off x="75141" y="860073"/>
+            <a:ext cx="12049125" cy="5905500"/>
           </a:xfrm>
           <a:prstGeom prst="rect">
             <a:avLst/>
@@ -3384,292 +3209,7 @@
     </p:spTree>
     <p:extLst>
       <p:ext uri="{BB962C8B-B14F-4D97-AF65-F5344CB8AC3E}">
-        <p14:creationId xmlns:p14="http://schemas.microsoft.com/office/powerpoint/2010/main" val="1844692522"/>
-      </p:ext>
-    </p:extLst>
-  </p:cSld>
-  <p:clrMapOvr>
-    <a:masterClrMapping/>
-  </p:clrMapOvr>
-  <p:timing>
-    <p:tnLst>
-      <p:par>
-        <p:cTn id="1" dur="indefinite" restart="never" nodeType="tmRoot"/>
-      </p:par>
-    </p:tnLst>
-  </p:timing>
-</p:sld>
-</file>
-
-<file path=ppt/slides/slide12.xml><?xml version="1.0" encoding="utf-8"?>
-<p:sld xmlns:a="http://schemas.openxmlformats.org/drawingml/2006/main" xmlns:r="http://schemas.openxmlformats.org/officeDocument/2006/relationships" xmlns:p="http://schemas.openxmlformats.org/presentationml/2006/main">
-  <p:cSld>
-    <p:spTree>
-      <p:nvGrpSpPr>
-        <p:cNvPr id="1" name=""/>
-        <p:cNvGrpSpPr/>
-        <p:nvPr/>
-      </p:nvGrpSpPr>
-      <p:grpSpPr>
-        <a:xfrm>
-          <a:off x="0" y="0"/>
-          <a:ext cx="0" cy="0"/>
-          <a:chOff x="0" y="0"/>
-          <a:chExt cx="0" cy="0"/>
-        </a:xfrm>
-      </p:grpSpPr>
-      <p:sp>
-        <p:nvSpPr>
-          <p:cNvPr id="2" name="Título 1"/>
-          <p:cNvSpPr>
-            <a:spLocks noGrp="1"/>
-          </p:cNvSpPr>
-          <p:nvPr>
-            <p:ph type="title"/>
-          </p:nvPr>
-        </p:nvSpPr>
-        <p:spPr>
-          <a:xfrm>
-            <a:off x="312420" y="255056"/>
-            <a:ext cx="11567160" cy="388411"/>
-          </a:xfrm>
-        </p:spPr>
-        <p:txBody>
-          <a:bodyPr>
-            <a:noAutofit/>
-          </a:bodyPr>
-          <a:lstStyle/>
-          <a:p>
-            <a:r>
-              <a:rPr lang="es-EC" sz="3200" b="1" dirty="0" smtClean="0">
-                <a:latin typeface="Century Gothic" panose="020B0502020202020204" pitchFamily="34" charset="0"/>
-              </a:rPr>
-              <a:t>Visualizaciones</a:t>
-            </a:r>
-            <a:endParaRPr lang="es-EC" sz="3200" b="1" dirty="0">
-              <a:latin typeface="Century Gothic" panose="020B0502020202020204" pitchFamily="34" charset="0"/>
-            </a:endParaRPr>
-          </a:p>
-        </p:txBody>
-      </p:sp>
-      <p:pic>
-        <p:nvPicPr>
-          <p:cNvPr id="5" name="Imagen 4"/>
-          <p:cNvPicPr>
-            <a:picLocks noChangeAspect="1"/>
-          </p:cNvPicPr>
-          <p:nvPr/>
-        </p:nvPicPr>
-        <p:blipFill>
-          <a:blip r:embed="rId2"/>
-          <a:stretch>
-            <a:fillRect/>
-          </a:stretch>
-        </p:blipFill>
-        <p:spPr>
-          <a:xfrm>
-            <a:off x="2838485" y="723014"/>
-            <a:ext cx="6515029" cy="6134986"/>
-          </a:xfrm>
-          <a:prstGeom prst="rect">
-            <a:avLst/>
-          </a:prstGeom>
-        </p:spPr>
-      </p:pic>
-    </p:spTree>
-    <p:extLst>
-      <p:ext uri="{BB962C8B-B14F-4D97-AF65-F5344CB8AC3E}">
-        <p14:creationId xmlns:p14="http://schemas.microsoft.com/office/powerpoint/2010/main" val="1682059989"/>
-      </p:ext>
-    </p:extLst>
-  </p:cSld>
-  <p:clrMapOvr>
-    <a:masterClrMapping/>
-  </p:clrMapOvr>
-  <p:timing>
-    <p:tnLst>
-      <p:par>
-        <p:cTn id="1" dur="indefinite" restart="never" nodeType="tmRoot"/>
-      </p:par>
-    </p:tnLst>
-  </p:timing>
-</p:sld>
-</file>
-
-<file path=ppt/slides/slide13.xml><?xml version="1.0" encoding="utf-8"?>
-<p:sld xmlns:a="http://schemas.openxmlformats.org/drawingml/2006/main" xmlns:r="http://schemas.openxmlformats.org/officeDocument/2006/relationships" xmlns:p="http://schemas.openxmlformats.org/presentationml/2006/main">
-  <p:cSld>
-    <p:spTree>
-      <p:nvGrpSpPr>
-        <p:cNvPr id="1" name=""/>
-        <p:cNvGrpSpPr/>
-        <p:nvPr/>
-      </p:nvGrpSpPr>
-      <p:grpSpPr>
-        <a:xfrm>
-          <a:off x="0" y="0"/>
-          <a:ext cx="0" cy="0"/>
-          <a:chOff x="0" y="0"/>
-          <a:chExt cx="0" cy="0"/>
-        </a:xfrm>
-      </p:grpSpPr>
-      <p:sp>
-        <p:nvSpPr>
-          <p:cNvPr id="2" name="Título 1"/>
-          <p:cNvSpPr>
-            <a:spLocks noGrp="1"/>
-          </p:cNvSpPr>
-          <p:nvPr>
-            <p:ph type="title"/>
-          </p:nvPr>
-        </p:nvSpPr>
-        <p:spPr>
-          <a:xfrm>
-            <a:off x="312420" y="255056"/>
-            <a:ext cx="11567160" cy="388411"/>
-          </a:xfrm>
-        </p:spPr>
-        <p:txBody>
-          <a:bodyPr>
-            <a:noAutofit/>
-          </a:bodyPr>
-          <a:lstStyle/>
-          <a:p>
-            <a:r>
-              <a:rPr lang="es-EC" sz="3200" b="1" dirty="0" smtClean="0">
-                <a:latin typeface="Century Gothic" panose="020B0502020202020204" pitchFamily="34" charset="0"/>
-              </a:rPr>
-              <a:t>Visualizaciones</a:t>
-            </a:r>
-            <a:endParaRPr lang="es-EC" sz="3200" b="1" dirty="0">
-              <a:latin typeface="Century Gothic" panose="020B0502020202020204" pitchFamily="34" charset="0"/>
-            </a:endParaRPr>
-          </a:p>
-        </p:txBody>
-      </p:sp>
-      <p:pic>
-        <p:nvPicPr>
-          <p:cNvPr id="3" name="Imagen 2"/>
-          <p:cNvPicPr>
-            <a:picLocks noChangeAspect="1"/>
-          </p:cNvPicPr>
-          <p:nvPr/>
-        </p:nvPicPr>
-        <p:blipFill>
-          <a:blip r:embed="rId2"/>
-          <a:stretch>
-            <a:fillRect/>
-          </a:stretch>
-        </p:blipFill>
-        <p:spPr>
-          <a:xfrm>
-            <a:off x="312420" y="846817"/>
-            <a:ext cx="11663916" cy="5856157"/>
-          </a:xfrm>
-          <a:prstGeom prst="rect">
-            <a:avLst/>
-          </a:prstGeom>
-        </p:spPr>
-      </p:pic>
-    </p:spTree>
-    <p:extLst>
-      <p:ext uri="{BB962C8B-B14F-4D97-AF65-F5344CB8AC3E}">
-        <p14:creationId xmlns:p14="http://schemas.microsoft.com/office/powerpoint/2010/main" val="775246177"/>
-      </p:ext>
-    </p:extLst>
-  </p:cSld>
-  <p:clrMapOvr>
-    <a:masterClrMapping/>
-  </p:clrMapOvr>
-  <p:timing>
-    <p:tnLst>
-      <p:par>
-        <p:cTn id="1" dur="indefinite" restart="never" nodeType="tmRoot"/>
-      </p:par>
-    </p:tnLst>
-  </p:timing>
-</p:sld>
-</file>
-
-<file path=ppt/slides/slide14.xml><?xml version="1.0" encoding="utf-8"?>
-<p:sld xmlns:a="http://schemas.openxmlformats.org/drawingml/2006/main" xmlns:r="http://schemas.openxmlformats.org/officeDocument/2006/relationships" xmlns:p="http://schemas.openxmlformats.org/presentationml/2006/main">
-  <p:cSld>
-    <p:spTree>
-      <p:nvGrpSpPr>
-        <p:cNvPr id="1" name=""/>
-        <p:cNvGrpSpPr/>
-        <p:nvPr/>
-      </p:nvGrpSpPr>
-      <p:grpSpPr>
-        <a:xfrm>
-          <a:off x="0" y="0"/>
-          <a:ext cx="0" cy="0"/>
-          <a:chOff x="0" y="0"/>
-          <a:chExt cx="0" cy="0"/>
-        </a:xfrm>
-      </p:grpSpPr>
-      <p:sp>
-        <p:nvSpPr>
-          <p:cNvPr id="2" name="Título 1"/>
-          <p:cNvSpPr>
-            <a:spLocks noGrp="1"/>
-          </p:cNvSpPr>
-          <p:nvPr>
-            <p:ph type="title"/>
-          </p:nvPr>
-        </p:nvSpPr>
-        <p:spPr>
-          <a:xfrm>
-            <a:off x="312420" y="255056"/>
-            <a:ext cx="11567160" cy="388411"/>
-          </a:xfrm>
-        </p:spPr>
-        <p:txBody>
-          <a:bodyPr>
-            <a:noAutofit/>
-          </a:bodyPr>
-          <a:lstStyle/>
-          <a:p>
-            <a:r>
-              <a:rPr lang="es-EC" sz="3200" b="1" dirty="0" smtClean="0">
-                <a:latin typeface="Century Gothic" panose="020B0502020202020204" pitchFamily="34" charset="0"/>
-              </a:rPr>
-              <a:t>Visualizaciones</a:t>
-            </a:r>
-            <a:endParaRPr lang="es-EC" sz="3200" b="1" dirty="0">
-              <a:latin typeface="Century Gothic" panose="020B0502020202020204" pitchFamily="34" charset="0"/>
-            </a:endParaRPr>
-          </a:p>
-        </p:txBody>
-      </p:sp>
-      <p:pic>
-        <p:nvPicPr>
-          <p:cNvPr id="4" name="Imagen 3"/>
-          <p:cNvPicPr>
-            <a:picLocks noChangeAspect="1"/>
-          </p:cNvPicPr>
-          <p:nvPr/>
-        </p:nvPicPr>
-        <p:blipFill>
-          <a:blip r:embed="rId2"/>
-          <a:stretch>
-            <a:fillRect/>
-          </a:stretch>
-        </p:blipFill>
-        <p:spPr>
-          <a:xfrm>
-            <a:off x="2754447" y="704688"/>
-            <a:ext cx="6683105" cy="6153312"/>
-          </a:xfrm>
-          <a:prstGeom prst="rect">
-            <a:avLst/>
-          </a:prstGeom>
-        </p:spPr>
-      </p:pic>
-    </p:spTree>
-    <p:extLst>
-      <p:ext uri="{BB962C8B-B14F-4D97-AF65-F5344CB8AC3E}">
-        <p14:creationId xmlns:p14="http://schemas.microsoft.com/office/powerpoint/2010/main" val="477768398"/>
+        <p14:creationId xmlns:p14="http://schemas.microsoft.com/office/powerpoint/2010/main" val="1286544897"/>
       </p:ext>
     </p:extLst>
   </p:cSld>
@@ -11067,7 +10607,7 @@
                     <a:p>
                       <a:pPr algn="ctr"/>
                       <a:r>
-                        <a:rPr lang="es-EC" sz="1050" b="0" smtClean="0">
+                        <a:rPr lang="es-EC" sz="1050" b="0" dirty="0" smtClean="0">
                           <a:solidFill>
                             <a:schemeClr val="accent6">
                               <a:lumMod val="75000"/>
@@ -11409,7 +10949,7 @@
                     <a:p>
                       <a:pPr algn="ctr"/>
                       <a:r>
-                        <a:rPr lang="es-EC" sz="1050" b="0" smtClean="0">
+                        <a:rPr lang="es-EC" sz="1050" b="0" dirty="0" smtClean="0">
                           <a:solidFill>
                             <a:schemeClr val="accent6">
                               <a:lumMod val="75000"/>
@@ -11776,7 +11316,7 @@
                     <a:p>
                       <a:pPr algn="ctr"/>
                       <a:r>
-                        <a:rPr lang="es-EC" sz="1050" b="0" smtClean="0">
+                        <a:rPr lang="es-EC" sz="1050" b="0" dirty="0" smtClean="0">
                           <a:solidFill>
                             <a:schemeClr val="accent6">
                               <a:lumMod val="75000"/>
@@ -12134,7 +11674,7 @@
                     <a:p>
                       <a:pPr algn="ctr"/>
                       <a:r>
-                        <a:rPr lang="es-EC" sz="1050" b="0" smtClean="0">
+                        <a:rPr lang="es-EC" sz="1050" b="0" dirty="0" smtClean="0">
                           <a:solidFill>
                             <a:schemeClr val="accent6">
                               <a:lumMod val="75000"/>
@@ -14152,45 +13692,368 @@
           </a:p>
         </p:txBody>
       </p:sp>
-      <p:pic>
-        <p:nvPicPr>
-          <p:cNvPr id="1323" name="Picture 299" descr="https://th.bing.com/th/id/OIG.DOy7WA_5DjpLp1.VXplZ?pid=ImgGn"/>
-          <p:cNvPicPr>
-            <a:picLocks noChangeAspect="1" noChangeArrowheads="1"/>
-          </p:cNvPicPr>
+      <p:grpSp>
+        <p:nvGrpSpPr>
+          <p:cNvPr id="3" name="Grupo 2"/>
+          <p:cNvGrpSpPr/>
           <p:nvPr/>
-        </p:nvPicPr>
-        <p:blipFill rotWithShape="1">
-          <a:blip r:embed="rId3" cstate="print">
+        </p:nvGrpSpPr>
+        <p:grpSpPr>
+          <a:xfrm>
+            <a:off x="1600538" y="1207006"/>
+            <a:ext cx="10582383" cy="4189389"/>
+            <a:chOff x="1600538" y="880433"/>
+            <a:chExt cx="10582383" cy="4189389"/>
+          </a:xfrm>
+        </p:grpSpPr>
+        <p:sp>
+          <p:nvSpPr>
+            <p:cNvPr id="30" name="Arco 29"/>
+            <p:cNvSpPr/>
+            <p:nvPr/>
+          </p:nvSpPr>
+          <p:spPr>
+            <a:xfrm rot="10800000">
+              <a:off x="1600540" y="1999248"/>
+              <a:ext cx="3805827" cy="1997075"/>
+            </a:xfrm>
+            <a:prstGeom prst="arc">
+              <a:avLst>
+                <a:gd name="adj1" fmla="val 16351635"/>
+                <a:gd name="adj2" fmla="val 148292"/>
+              </a:avLst>
+            </a:prstGeom>
+            <a:ln w="38100">
+              <a:solidFill>
+                <a:schemeClr val="accent1">
+                  <a:lumMod val="75000"/>
+                </a:schemeClr>
+              </a:solidFill>
+              <a:headEnd type="none" w="med" len="med"/>
+              <a:tailEnd type="arrow" w="med" len="med"/>
+            </a:ln>
+          </p:spPr>
+          <p:style>
+            <a:lnRef idx="1">
+              <a:schemeClr val="accent1"/>
+            </a:lnRef>
+            <a:fillRef idx="0">
+              <a:schemeClr val="accent1"/>
+            </a:fillRef>
+            <a:effectRef idx="0">
+              <a:schemeClr val="accent1"/>
+            </a:effectRef>
+            <a:fontRef idx="minor">
+              <a:schemeClr val="tx1"/>
+            </a:fontRef>
+          </p:style>
+          <p:txBody>
+            <a:bodyPr rtlCol="0" anchor="ctr"/>
+            <a:lstStyle/>
+            <a:p>
+              <a:pPr algn="ctr"/>
+              <a:endParaRPr lang="es-EC"/>
+            </a:p>
+          </p:txBody>
+        </p:sp>
+        <p:sp>
+          <p:nvSpPr>
+            <p:cNvPr id="31" name="Arco 30"/>
+            <p:cNvSpPr/>
+            <p:nvPr/>
+          </p:nvSpPr>
+          <p:spPr>
+            <a:xfrm rot="10800000">
+              <a:off x="1600539" y="1348662"/>
+              <a:ext cx="3817734" cy="3298247"/>
+            </a:xfrm>
+            <a:prstGeom prst="arc">
+              <a:avLst>
+                <a:gd name="adj1" fmla="val 16351635"/>
+                <a:gd name="adj2" fmla="val 148292"/>
+              </a:avLst>
+            </a:prstGeom>
+            <a:ln w="38100">
+              <a:solidFill>
+                <a:schemeClr val="accent1">
+                  <a:lumMod val="75000"/>
+                </a:schemeClr>
+              </a:solidFill>
+              <a:headEnd type="none" w="med" len="med"/>
+              <a:tailEnd type="arrow" w="med" len="med"/>
+            </a:ln>
+          </p:spPr>
+          <p:style>
+            <a:lnRef idx="1">
+              <a:schemeClr val="accent1"/>
+            </a:lnRef>
+            <a:fillRef idx="0">
+              <a:schemeClr val="accent1"/>
+            </a:fillRef>
+            <a:effectRef idx="0">
+              <a:schemeClr val="accent1"/>
+            </a:effectRef>
+            <a:fontRef idx="minor">
+              <a:schemeClr val="tx1"/>
+            </a:fontRef>
+          </p:style>
+          <p:txBody>
+            <a:bodyPr rtlCol="0" anchor="ctr"/>
+            <a:lstStyle/>
+            <a:p>
+              <a:pPr algn="ctr"/>
+              <a:endParaRPr lang="es-EC"/>
+            </a:p>
+          </p:txBody>
+        </p:sp>
+        <p:sp>
+          <p:nvSpPr>
+            <p:cNvPr id="33" name="Arco 32"/>
+            <p:cNvSpPr/>
+            <p:nvPr/>
+          </p:nvSpPr>
+          <p:spPr>
+            <a:xfrm rot="10800000">
+              <a:off x="1600538" y="1976591"/>
+              <a:ext cx="10267134" cy="1997075"/>
+            </a:xfrm>
+            <a:prstGeom prst="arc">
+              <a:avLst>
+                <a:gd name="adj1" fmla="val 16351635"/>
+                <a:gd name="adj2" fmla="val 20637"/>
+              </a:avLst>
+            </a:prstGeom>
+            <a:ln w="38100">
+              <a:solidFill>
+                <a:schemeClr val="accent1">
+                  <a:lumMod val="75000"/>
+                </a:schemeClr>
+              </a:solidFill>
+              <a:headEnd type="none" w="med" len="med"/>
+              <a:tailEnd type="arrow" w="med" len="med"/>
+            </a:ln>
+          </p:spPr>
+          <p:style>
+            <a:lnRef idx="1">
+              <a:schemeClr val="accent1"/>
+            </a:lnRef>
+            <a:fillRef idx="0">
+              <a:schemeClr val="accent1"/>
+            </a:fillRef>
+            <a:effectRef idx="0">
+              <a:schemeClr val="accent1"/>
+            </a:effectRef>
+            <a:fontRef idx="minor">
+              <a:schemeClr val="tx1"/>
+            </a:fontRef>
+          </p:style>
+          <p:txBody>
+            <a:bodyPr rtlCol="0" anchor="ctr"/>
+            <a:lstStyle/>
+            <a:p>
+              <a:pPr algn="ctr"/>
+              <a:endParaRPr lang="es-EC"/>
+            </a:p>
+          </p:txBody>
+        </p:sp>
+        <p:sp>
+          <p:nvSpPr>
+            <p:cNvPr id="35" name="Arco 34"/>
+            <p:cNvSpPr/>
+            <p:nvPr/>
+          </p:nvSpPr>
+          <p:spPr>
+            <a:xfrm rot="10800000">
+              <a:off x="1600538" y="880433"/>
+              <a:ext cx="10582383" cy="4189389"/>
+            </a:xfrm>
+            <a:prstGeom prst="arc">
+              <a:avLst>
+                <a:gd name="adj1" fmla="val 16351635"/>
+                <a:gd name="adj2" fmla="val 33813"/>
+              </a:avLst>
+            </a:prstGeom>
+            <a:ln w="38100">
+              <a:solidFill>
+                <a:schemeClr val="accent1">
+                  <a:lumMod val="75000"/>
+                </a:schemeClr>
+              </a:solidFill>
+              <a:headEnd type="none" w="med" len="med"/>
+              <a:tailEnd type="arrow" w="med" len="med"/>
+            </a:ln>
+          </p:spPr>
+          <p:style>
+            <a:lnRef idx="1">
+              <a:schemeClr val="accent1"/>
+            </a:lnRef>
+            <a:fillRef idx="0">
+              <a:schemeClr val="accent1"/>
+            </a:fillRef>
+            <a:effectRef idx="0">
+              <a:schemeClr val="accent1"/>
+            </a:effectRef>
+            <a:fontRef idx="minor">
+              <a:schemeClr val="tx1"/>
+            </a:fontRef>
+          </p:style>
+          <p:txBody>
+            <a:bodyPr rtlCol="0" anchor="ctr"/>
+            <a:lstStyle/>
+            <a:p>
+              <a:pPr algn="ctr"/>
+              <a:endParaRPr lang="es-EC"/>
+            </a:p>
+          </p:txBody>
+        </p:sp>
+      </p:grpSp>
+      <p:grpSp>
+        <p:nvGrpSpPr>
+          <p:cNvPr id="4" name="Grupo 3"/>
+          <p:cNvGrpSpPr/>
+          <p:nvPr/>
+        </p:nvGrpSpPr>
+        <p:grpSpPr>
+          <a:xfrm>
+            <a:off x="837419" y="1287672"/>
+            <a:ext cx="1571371" cy="1865538"/>
+            <a:chOff x="920034" y="1200088"/>
+            <a:chExt cx="1571371" cy="1865538"/>
+          </a:xfrm>
+        </p:grpSpPr>
+        <p:pic>
+          <p:nvPicPr>
+            <p:cNvPr id="1323" name="Picture 299" descr="https://th.bing.com/th/id/OIG.DOy7WA_5DjpLp1.VXplZ?pid=ImgGn"/>
+            <p:cNvPicPr>
+              <a:picLocks noChangeAspect="1" noChangeArrowheads="1"/>
+            </p:cNvPicPr>
+            <p:nvPr/>
+          </p:nvPicPr>
+          <p:blipFill rotWithShape="1">
+            <a:blip r:embed="rId3" cstate="print">
+              <a:extLst>
+                <a:ext uri="{28A0092B-C50C-407E-A947-70E740481C1C}">
+                  <a14:useLocalDpi xmlns:a14="http://schemas.microsoft.com/office/drawing/2010/main" val="0"/>
+                </a:ext>
+              </a:extLst>
+            </a:blip>
+            <a:srcRect l="16634" t="13200" r="14617" b="16618"/>
+            <a:stretch/>
+          </p:blipFill>
+          <p:spPr bwMode="auto">
+            <a:xfrm>
+              <a:off x="920034" y="1200088"/>
+              <a:ext cx="1571371" cy="1604108"/>
+            </a:xfrm>
+            <a:prstGeom prst="rect">
+              <a:avLst/>
+            </a:prstGeom>
+            <a:noFill/>
             <a:extLst>
-              <a:ext uri="{28A0092B-C50C-407E-A947-70E740481C1C}">
-                <a14:useLocalDpi xmlns:a14="http://schemas.microsoft.com/office/drawing/2010/main" val="0"/>
+              <a:ext uri="{909E8E84-426E-40DD-AFC4-6F175D3DCCD1}">
+                <a14:hiddenFill xmlns:a14="http://schemas.microsoft.com/office/drawing/2010/main">
+                  <a:solidFill>
+                    <a:srgbClr val="FFFFFF"/>
+                  </a:solidFill>
+                </a14:hiddenFill>
               </a:ext>
             </a:extLst>
-          </a:blip>
-          <a:srcRect l="16634" t="13200" r="14617" b="16618"/>
-          <a:stretch/>
-        </p:blipFill>
-        <p:spPr bwMode="auto">
+          </p:spPr>
+        </p:pic>
+        <p:sp>
+          <p:nvSpPr>
+            <p:cNvPr id="37" name="CuadroTexto 36"/>
+            <p:cNvSpPr txBox="1"/>
+            <p:nvPr/>
+          </p:nvSpPr>
+          <p:spPr>
+            <a:xfrm>
+              <a:off x="1012211" y="2757849"/>
+              <a:ext cx="1390765" cy="307777"/>
+            </a:xfrm>
+            <a:prstGeom prst="rect">
+              <a:avLst/>
+            </a:prstGeom>
+            <a:noFill/>
+          </p:spPr>
+          <p:txBody>
+            <a:bodyPr wrap="none" rtlCol="0">
+              <a:spAutoFit/>
+            </a:bodyPr>
+            <a:lstStyle/>
+            <a:p>
+              <a:r>
+                <a:rPr lang="es-EC" sz="1400" dirty="0" smtClean="0">
+                  <a:latin typeface="Leelawadee" panose="020B0502040204020203" pitchFamily="34" charset="-34"/>
+                  <a:cs typeface="Leelawadee" panose="020B0502040204020203" pitchFamily="34" charset="-34"/>
+                </a:rPr>
+                <a:t>LGMB </a:t>
+              </a:r>
+              <a:r>
+                <a:rPr lang="es-EC" sz="1400" dirty="0" err="1" smtClean="0">
+                  <a:latin typeface="Leelawadee" panose="020B0502040204020203" pitchFamily="34" charset="-34"/>
+                  <a:cs typeface="Leelawadee" panose="020B0502040204020203" pitchFamily="34" charset="-34"/>
+                </a:rPr>
+                <a:t>Classifier</a:t>
+              </a:r>
+              <a:endParaRPr lang="es-EC" sz="1400" dirty="0">
+                <a:latin typeface="Leelawadee" panose="020B0502040204020203" pitchFamily="34" charset="-34"/>
+                <a:cs typeface="Leelawadee" panose="020B0502040204020203" pitchFamily="34" charset="-34"/>
+              </a:endParaRPr>
+            </a:p>
+          </p:txBody>
+        </p:sp>
+      </p:grpSp>
+      <p:sp>
+        <p:nvSpPr>
+          <p:cNvPr id="39" name="Arco 38"/>
+          <p:cNvSpPr/>
+          <p:nvPr/>
+        </p:nvSpPr>
+        <p:spPr>
           <a:xfrm>
-            <a:off x="775496" y="1259201"/>
-            <a:ext cx="1571371" cy="1604108"/>
+            <a:off x="-261398" y="1539854"/>
+            <a:ext cx="5453884" cy="2014399"/>
           </a:xfrm>
-          <a:prstGeom prst="rect">
-            <a:avLst/>
+          <a:prstGeom prst="arc">
+            <a:avLst>
+              <a:gd name="adj1" fmla="val 16200000"/>
+              <a:gd name="adj2" fmla="val 36227"/>
+            </a:avLst>
           </a:prstGeom>
-          <a:noFill/>
-          <a:extLst>
-            <a:ext uri="{909E8E84-426E-40DD-AFC4-6F175D3DCCD1}">
-              <a14:hiddenFill xmlns:a14="http://schemas.microsoft.com/office/drawing/2010/main">
-                <a:solidFill>
-                  <a:srgbClr val="FFFFFF"/>
-                </a:solidFill>
-              </a14:hiddenFill>
-            </a:ext>
-          </a:extLst>
+          <a:ln w="38100">
+            <a:solidFill>
+              <a:schemeClr val="accent1">
+                <a:lumMod val="75000"/>
+              </a:schemeClr>
+            </a:solidFill>
+            <a:headEnd type="none" w="med" len="med"/>
+            <a:tailEnd type="arrow" w="med" len="med"/>
+          </a:ln>
         </p:spPr>
-      </p:pic>
+        <p:style>
+          <a:lnRef idx="1">
+            <a:schemeClr val="accent1"/>
+          </a:lnRef>
+          <a:fillRef idx="0">
+            <a:schemeClr val="accent1"/>
+          </a:fillRef>
+          <a:effectRef idx="0">
+            <a:schemeClr val="accent1"/>
+          </a:effectRef>
+          <a:fontRef idx="minor">
+            <a:schemeClr val="tx1"/>
+          </a:fontRef>
+        </p:style>
+        <p:txBody>
+          <a:bodyPr rtlCol="0" anchor="ctr"/>
+          <a:lstStyle/>
+          <a:p>
+            <a:pPr algn="ctr"/>
+            <a:endParaRPr lang="es-EC"/>
+          </a:p>
+        </p:txBody>
+      </p:sp>
     </p:spTree>
     <p:extLst>
       <p:ext uri="{BB962C8B-B14F-4D97-AF65-F5344CB8AC3E}">
@@ -14470,7 +14333,7 @@
                             </p:stCondLst>
                             <p:childTnLst>
                               <p:par>
-                                <p:cTn id="28" presetID="22" presetClass="entr" presetSubtype="1" fill="hold" nodeType="clickEffect">
+                                <p:cTn id="28" presetID="22" presetClass="entr" presetSubtype="4" fill="hold" nodeType="clickEffect">
                                   <p:stCondLst>
                                     <p:cond delay="0"/>
                                   </p:stCondLst>
@@ -14478,6 +14341,165 @@
                                     <p:set>
                                       <p:cBhvr>
                                         <p:cTn id="29" dur="1" fill="hold">
+                                          <p:stCondLst>
+                                            <p:cond delay="0"/>
+                                          </p:stCondLst>
+                                        </p:cTn>
+                                        <p:tgtEl>
+                                          <p:spTgt spid="4"/>
+                                        </p:tgtEl>
+                                        <p:attrNameLst>
+                                          <p:attrName>style.visibility</p:attrName>
+                                        </p:attrNameLst>
+                                      </p:cBhvr>
+                                      <p:to>
+                                        <p:strVal val="visible"/>
+                                      </p:to>
+                                    </p:set>
+                                    <p:animEffect transition="in" filter="wipe(down)">
+                                      <p:cBhvr>
+                                        <p:cTn id="30" dur="500"/>
+                                        <p:tgtEl>
+                                          <p:spTgt spid="4"/>
+                                        </p:tgtEl>
+                                      </p:cBhvr>
+                                    </p:animEffect>
+                                  </p:childTnLst>
+                                </p:cTn>
+                              </p:par>
+                            </p:childTnLst>
+                          </p:cTn>
+                        </p:par>
+                      </p:childTnLst>
+                    </p:cTn>
+                  </p:par>
+                  <p:par>
+                    <p:cTn id="31" fill="hold">
+                      <p:stCondLst>
+                        <p:cond delay="indefinite"/>
+                      </p:stCondLst>
+                      <p:childTnLst>
+                        <p:par>
+                          <p:cTn id="32" fill="hold">
+                            <p:stCondLst>
+                              <p:cond delay="0"/>
+                            </p:stCondLst>
+                            <p:childTnLst>
+                              <p:par>
+                                <p:cTn id="33" presetID="22" presetClass="entr" presetSubtype="2" fill="hold" nodeType="clickEffect">
+                                  <p:stCondLst>
+                                    <p:cond delay="0"/>
+                                  </p:stCondLst>
+                                  <p:childTnLst>
+                                    <p:set>
+                                      <p:cBhvr>
+                                        <p:cTn id="34" dur="1" fill="hold">
+                                          <p:stCondLst>
+                                            <p:cond delay="0"/>
+                                          </p:stCondLst>
+                                        </p:cTn>
+                                        <p:tgtEl>
+                                          <p:spTgt spid="3"/>
+                                        </p:tgtEl>
+                                        <p:attrNameLst>
+                                          <p:attrName>style.visibility</p:attrName>
+                                        </p:attrNameLst>
+                                      </p:cBhvr>
+                                      <p:to>
+                                        <p:strVal val="visible"/>
+                                      </p:to>
+                                    </p:set>
+                                    <p:animEffect transition="in" filter="wipe(right)">
+                                      <p:cBhvr>
+                                        <p:cTn id="35" dur="500"/>
+                                        <p:tgtEl>
+                                          <p:spTgt spid="3"/>
+                                        </p:tgtEl>
+                                      </p:cBhvr>
+                                    </p:animEffect>
+                                  </p:childTnLst>
+                                </p:cTn>
+                              </p:par>
+                            </p:childTnLst>
+                          </p:cTn>
+                        </p:par>
+                      </p:childTnLst>
+                    </p:cTn>
+                  </p:par>
+                  <p:par>
+                    <p:cTn id="36" fill="hold">
+                      <p:stCondLst>
+                        <p:cond delay="indefinite"/>
+                      </p:stCondLst>
+                      <p:childTnLst>
+                        <p:par>
+                          <p:cTn id="37" fill="hold">
+                            <p:stCondLst>
+                              <p:cond delay="0"/>
+                            </p:stCondLst>
+                            <p:childTnLst>
+                              <p:par>
+                                <p:cTn id="38" presetID="22" presetClass="entr" presetSubtype="8" fill="hold" grpId="0" nodeType="clickEffect">
+                                  <p:stCondLst>
+                                    <p:cond delay="0"/>
+                                  </p:stCondLst>
+                                  <p:childTnLst>
+                                    <p:set>
+                                      <p:cBhvr>
+                                        <p:cTn id="39" dur="1" fill="hold">
+                                          <p:stCondLst>
+                                            <p:cond delay="0"/>
+                                          </p:stCondLst>
+                                        </p:cTn>
+                                        <p:tgtEl>
+                                          <p:spTgt spid="39"/>
+                                        </p:tgtEl>
+                                        <p:attrNameLst>
+                                          <p:attrName>style.visibility</p:attrName>
+                                        </p:attrNameLst>
+                                      </p:cBhvr>
+                                      <p:to>
+                                        <p:strVal val="visible"/>
+                                      </p:to>
+                                    </p:set>
+                                    <p:animEffect transition="in" filter="wipe(left)">
+                                      <p:cBhvr>
+                                        <p:cTn id="40" dur="750"/>
+                                        <p:tgtEl>
+                                          <p:spTgt spid="39"/>
+                                        </p:tgtEl>
+                                      </p:cBhvr>
+                                    </p:animEffect>
+                                  </p:childTnLst>
+                                </p:cTn>
+                              </p:par>
+                            </p:childTnLst>
+                          </p:cTn>
+                        </p:par>
+                      </p:childTnLst>
+                    </p:cTn>
+                  </p:par>
+                  <p:par>
+                    <p:cTn id="41" fill="hold">
+                      <p:stCondLst>
+                        <p:cond delay="indefinite"/>
+                      </p:stCondLst>
+                      <p:childTnLst>
+                        <p:par>
+                          <p:cTn id="42" fill="hold">
+                            <p:stCondLst>
+                              <p:cond delay="0"/>
+                            </p:stCondLst>
+                            <p:childTnLst>
+                              <p:par>
+                                <p:cTn id="43" presetID="22" presetClass="entr" presetSubtype="1" fill="hold" nodeType="clickEffect">
+                                  <p:stCondLst>
+                                    <p:cond delay="0"/>
+                                  </p:stCondLst>
+                                  <p:childTnLst>
+                                    <p:set>
+                                      <p:cBhvr>
+                                        <p:cTn id="44" dur="1" fill="hold">
                                           <p:stCondLst>
                                             <p:cond delay="0"/>
                                           </p:stCondLst>
@@ -14495,12 +14517,240 @@
                                     </p:set>
                                     <p:animEffect transition="in" filter="wipe(up)">
                                       <p:cBhvr>
-                                        <p:cTn id="30" dur="750"/>
+                                        <p:cTn id="45" dur="750"/>
                                         <p:tgtEl>
                                           <p:spTgt spid="324"/>
                                         </p:tgtEl>
                                       </p:cBhvr>
                                     </p:animEffect>
+                                  </p:childTnLst>
+                                </p:cTn>
+                              </p:par>
+                            </p:childTnLst>
+                          </p:cTn>
+                        </p:par>
+                      </p:childTnLst>
+                    </p:cTn>
+                  </p:par>
+                  <p:par>
+                    <p:cTn id="46" fill="hold">
+                      <p:stCondLst>
+                        <p:cond delay="indefinite"/>
+                      </p:stCondLst>
+                      <p:childTnLst>
+                        <p:par>
+                          <p:cTn id="47" fill="hold">
+                            <p:stCondLst>
+                              <p:cond delay="0"/>
+                            </p:stCondLst>
+                            <p:childTnLst>
+                              <p:par>
+                                <p:cTn id="48" presetID="14" presetClass="exit" presetSubtype="10" fill="hold" nodeType="clickEffect">
+                                  <p:stCondLst>
+                                    <p:cond delay="0"/>
+                                  </p:stCondLst>
+                                  <p:childTnLst>
+                                    <p:animEffect transition="out" filter="randombar(horizontal)">
+                                      <p:cBhvr>
+                                        <p:cTn id="49" dur="500"/>
+                                        <p:tgtEl>
+                                          <p:spTgt spid="327"/>
+                                        </p:tgtEl>
+                                      </p:cBhvr>
+                                    </p:animEffect>
+                                    <p:set>
+                                      <p:cBhvr>
+                                        <p:cTn id="50" dur="1" fill="hold">
+                                          <p:stCondLst>
+                                            <p:cond delay="499"/>
+                                          </p:stCondLst>
+                                        </p:cTn>
+                                        <p:tgtEl>
+                                          <p:spTgt spid="327"/>
+                                        </p:tgtEl>
+                                        <p:attrNameLst>
+                                          <p:attrName>style.visibility</p:attrName>
+                                        </p:attrNameLst>
+                                      </p:cBhvr>
+                                      <p:to>
+                                        <p:strVal val="hidden"/>
+                                      </p:to>
+                                    </p:set>
+                                  </p:childTnLst>
+                                </p:cTn>
+                              </p:par>
+                              <p:par>
+                                <p:cTn id="51" presetID="14" presetClass="exit" presetSubtype="10" fill="hold" grpId="1" nodeType="withEffect">
+                                  <p:stCondLst>
+                                    <p:cond delay="0"/>
+                                  </p:stCondLst>
+                                  <p:childTnLst>
+                                    <p:animEffect transition="out" filter="randombar(horizontal)">
+                                      <p:cBhvr>
+                                        <p:cTn id="52" dur="500"/>
+                                        <p:tgtEl>
+                                          <p:spTgt spid="328"/>
+                                        </p:tgtEl>
+                                      </p:cBhvr>
+                                    </p:animEffect>
+                                    <p:set>
+                                      <p:cBhvr>
+                                        <p:cTn id="53" dur="1" fill="hold">
+                                          <p:stCondLst>
+                                            <p:cond delay="499"/>
+                                          </p:stCondLst>
+                                        </p:cTn>
+                                        <p:tgtEl>
+                                          <p:spTgt spid="328"/>
+                                        </p:tgtEl>
+                                        <p:attrNameLst>
+                                          <p:attrName>style.visibility</p:attrName>
+                                        </p:attrNameLst>
+                                      </p:cBhvr>
+                                      <p:to>
+                                        <p:strVal val="hidden"/>
+                                      </p:to>
+                                    </p:set>
+                                  </p:childTnLst>
+                                </p:cTn>
+                              </p:par>
+                              <p:par>
+                                <p:cTn id="54" presetID="14" presetClass="exit" presetSubtype="10" fill="hold" grpId="1" nodeType="withEffect">
+                                  <p:stCondLst>
+                                    <p:cond delay="0"/>
+                                  </p:stCondLst>
+                                  <p:childTnLst>
+                                    <p:animEffect transition="out" filter="randombar(horizontal)">
+                                      <p:cBhvr>
+                                        <p:cTn id="55" dur="500"/>
+                                        <p:tgtEl>
+                                          <p:spTgt spid="329"/>
+                                        </p:tgtEl>
+                                      </p:cBhvr>
+                                    </p:animEffect>
+                                    <p:set>
+                                      <p:cBhvr>
+                                        <p:cTn id="56" dur="1" fill="hold">
+                                          <p:stCondLst>
+                                            <p:cond delay="499"/>
+                                          </p:stCondLst>
+                                        </p:cTn>
+                                        <p:tgtEl>
+                                          <p:spTgt spid="329"/>
+                                        </p:tgtEl>
+                                        <p:attrNameLst>
+                                          <p:attrName>style.visibility</p:attrName>
+                                        </p:attrNameLst>
+                                      </p:cBhvr>
+                                      <p:to>
+                                        <p:strVal val="hidden"/>
+                                      </p:to>
+                                    </p:set>
+                                  </p:childTnLst>
+                                </p:cTn>
+                              </p:par>
+                              <p:par>
+                                <p:cTn id="57" presetID="14" presetClass="exit" presetSubtype="10" fill="hold" nodeType="withEffect">
+                                  <p:stCondLst>
+                                    <p:cond delay="0"/>
+                                  </p:stCondLst>
+                                  <p:childTnLst>
+                                    <p:animEffect transition="out" filter="randombar(horizontal)">
+                                      <p:cBhvr>
+                                        <p:cTn id="58" dur="500"/>
+                                        <p:tgtEl>
+                                          <p:spTgt spid="4"/>
+                                        </p:tgtEl>
+                                      </p:cBhvr>
+                                    </p:animEffect>
+                                    <p:set>
+                                      <p:cBhvr>
+                                        <p:cTn id="59" dur="1" fill="hold">
+                                          <p:stCondLst>
+                                            <p:cond delay="499"/>
+                                          </p:stCondLst>
+                                        </p:cTn>
+                                        <p:tgtEl>
+                                          <p:spTgt spid="4"/>
+                                        </p:tgtEl>
+                                        <p:attrNameLst>
+                                          <p:attrName>style.visibility</p:attrName>
+                                        </p:attrNameLst>
+                                      </p:cBhvr>
+                                      <p:to>
+                                        <p:strVal val="hidden"/>
+                                      </p:to>
+                                    </p:set>
+                                  </p:childTnLst>
+                                </p:cTn>
+                              </p:par>
+                              <p:par>
+                                <p:cTn id="60" presetID="14" presetClass="exit" presetSubtype="10" fill="hold" nodeType="withEffect">
+                                  <p:stCondLst>
+                                    <p:cond delay="0"/>
+                                  </p:stCondLst>
+                                  <p:childTnLst>
+                                    <p:animEffect transition="out" filter="randombar(horizontal)">
+                                      <p:cBhvr>
+                                        <p:cTn id="61" dur="500"/>
+                                        <p:tgtEl>
+                                          <p:spTgt spid="3"/>
+                                        </p:tgtEl>
+                                      </p:cBhvr>
+                                    </p:animEffect>
+                                    <p:set>
+                                      <p:cBhvr>
+                                        <p:cTn id="62" dur="1" fill="hold">
+                                          <p:stCondLst>
+                                            <p:cond delay="499"/>
+                                          </p:stCondLst>
+                                        </p:cTn>
+                                        <p:tgtEl>
+                                          <p:spTgt spid="3"/>
+                                        </p:tgtEl>
+                                        <p:attrNameLst>
+                                          <p:attrName>style.visibility</p:attrName>
+                                        </p:attrNameLst>
+                                      </p:cBhvr>
+                                      <p:to>
+                                        <p:strVal val="hidden"/>
+                                      </p:to>
+                                    </p:set>
+                                  </p:childTnLst>
+                                </p:cTn>
+                              </p:par>
+                              <p:par>
+                                <p:cTn id="63" presetID="14" presetClass="exit" presetSubtype="10" fill="hold" grpId="1" nodeType="withEffect">
+                                  <p:stCondLst>
+                                    <p:cond delay="0"/>
+                                  </p:stCondLst>
+                                  <p:childTnLst>
+                                    <p:animEffect transition="out" filter="randombar(horizontal)">
+                                      <p:cBhvr>
+                                        <p:cTn id="64" dur="500"/>
+                                        <p:tgtEl>
+                                          <p:spTgt spid="39"/>
+                                        </p:tgtEl>
+                                      </p:cBhvr>
+                                    </p:animEffect>
+                                    <p:set>
+                                      <p:cBhvr>
+                                        <p:cTn id="65" dur="1" fill="hold">
+                                          <p:stCondLst>
+                                            <p:cond delay="499"/>
+                                          </p:stCondLst>
+                                        </p:cTn>
+                                        <p:tgtEl>
+                                          <p:spTgt spid="39"/>
+                                        </p:tgtEl>
+                                        <p:attrNameLst>
+                                          <p:attrName>style.visibility</p:attrName>
+                                        </p:attrNameLst>
+                                      </p:cBhvr>
+                                      <p:to>
+                                        <p:strVal val="hidden"/>
+                                      </p:to>
+                                    </p:set>
                                   </p:childTnLst>
                                 </p:cTn>
                               </p:par>
@@ -14533,7 +14783,11 @@
     </p:tnLst>
     <p:bldLst>
       <p:bldP spid="328" grpId="0" animBg="1"/>
+      <p:bldP spid="328" grpId="1" animBg="1"/>
       <p:bldP spid="329" grpId="0" animBg="1"/>
+      <p:bldP spid="329" grpId="1" animBg="1"/>
+      <p:bldP spid="39" grpId="0" animBg="1"/>
+      <p:bldP spid="39" grpId="1" animBg="1"/>
     </p:bldLst>
   </p:timing>
 </p:sld>
@@ -14579,10 +14833,10 @@
           <a:lstStyle/>
           <a:p>
             <a:r>
-              <a:rPr lang="es-EC" sz="3200" b="1" dirty="0" err="1" smtClean="0">
+              <a:rPr lang="es-EC" sz="3200" b="1" dirty="0" smtClean="0">
                 <a:latin typeface="Century Gothic" panose="020B0502020202020204" pitchFamily="34" charset="0"/>
               </a:rPr>
-              <a:t>Dataset</a:t>
+              <a:t>Visualizaciones</a:t>
             </a:r>
             <a:endParaRPr lang="es-EC" sz="3200" b="1" dirty="0">
               <a:latin typeface="Century Gothic" panose="020B0502020202020204" pitchFamily="34" charset="0"/>
@@ -14590,4407 +14844,34 @@
           </a:p>
         </p:txBody>
       </p:sp>
-      <p:graphicFrame>
-        <p:nvGraphicFramePr>
-          <p:cNvPr id="304" name="Tabla 303"/>
-          <p:cNvGraphicFramePr>
-            <a:graphicFrameLocks noGrp="1"/>
-          </p:cNvGraphicFramePr>
-          <p:nvPr>
-            <p:extLst>
-              <p:ext uri="{D42A27DB-BD31-4B8C-83A1-F6EECF244321}">
-                <p14:modId xmlns:p14="http://schemas.microsoft.com/office/powerpoint/2010/main" val="4033200577"/>
-              </p:ext>
-            </p:extLst>
-          </p:nvPr>
-        </p:nvGraphicFramePr>
-        <p:xfrm>
-          <a:off x="3138505" y="1997509"/>
-          <a:ext cx="5914990" cy="3499280"/>
-        </p:xfrm>
-        <a:graphic>
-          <a:graphicData uri="http://schemas.openxmlformats.org/drawingml/2006/table">
-            <a:tbl>
-              <a:tblPr firstRow="1" bandRow="1">
-                <a:tableStyleId>{93296810-A885-4BE3-A3E7-6D5BEEA58F35}</a:tableStyleId>
-              </a:tblPr>
-              <a:tblGrid>
-                <a:gridCol w="591499"/>
-                <a:gridCol w="591499"/>
-                <a:gridCol w="591499"/>
-                <a:gridCol w="591499"/>
-                <a:gridCol w="591499"/>
-                <a:gridCol w="591499"/>
-                <a:gridCol w="591499"/>
-                <a:gridCol w="591499"/>
-                <a:gridCol w="591499"/>
-                <a:gridCol w="591499"/>
-              </a:tblGrid>
-              <a:tr h="321740">
-                <a:tc>
-                  <a:txBody>
-                    <a:bodyPr/>
-                    <a:lstStyle/>
-                    <a:p>
-                      <a:pPr algn="ctr" fontAlgn="ctr"/>
-                      <a:r>
-                        <a:rPr lang="en-US" sz="1100" dirty="0">
-                          <a:effectLst/>
-                        </a:rPr>
-                        <a:t>title</a:t>
-                      </a:r>
-                    </a:p>
-                  </a:txBody>
-                  <a:tcPr marL="76200" marR="76200" marT="38100" marB="38100" anchor="ctr"/>
-                </a:tc>
-                <a:tc>
-                  <a:txBody>
-                    <a:bodyPr/>
-                    <a:lstStyle/>
-                    <a:p>
-                      <a:pPr algn="ctr" fontAlgn="ctr"/>
-                      <a:r>
-                        <a:rPr lang="en-US" sz="1100" dirty="0">
-                          <a:effectLst/>
-                        </a:rPr>
-                        <a:t>magnitude</a:t>
-                      </a:r>
-                    </a:p>
-                  </a:txBody>
-                  <a:tcPr marL="76200" marR="76200" marT="38100" marB="38100" anchor="ctr"/>
-                </a:tc>
-                <a:tc>
-                  <a:txBody>
-                    <a:bodyPr/>
-                    <a:lstStyle/>
-                    <a:p>
-                      <a:pPr algn="ctr" fontAlgn="ctr"/>
-                      <a:r>
-                        <a:rPr lang="en-US" sz="1100" dirty="0" err="1">
-                          <a:effectLst/>
-                        </a:rPr>
-                        <a:t>date_time</a:t>
-                      </a:r>
-                      <a:endParaRPr lang="en-US" sz="1100" dirty="0">
-                        <a:effectLst/>
-                      </a:endParaRPr>
-                    </a:p>
-                  </a:txBody>
-                  <a:tcPr marL="76200" marR="76200" marT="38100" marB="38100" anchor="ctr"/>
-                </a:tc>
-                <a:tc>
-                  <a:txBody>
-                    <a:bodyPr/>
-                    <a:lstStyle/>
-                    <a:p>
-                      <a:pPr algn="ctr" fontAlgn="ctr"/>
-                      <a:r>
-                        <a:rPr lang="en-US" sz="1100" dirty="0" smtClean="0">
-                          <a:effectLst/>
-                        </a:rPr>
-                        <a:t>alert</a:t>
-                      </a:r>
-                      <a:endParaRPr lang="en-US" sz="1100" dirty="0">
-                        <a:effectLst/>
-                      </a:endParaRPr>
-                    </a:p>
-                  </a:txBody>
-                  <a:tcPr marL="76200" marR="76200" marT="38100" marB="38100" anchor="ctr"/>
-                </a:tc>
-                <a:tc>
-                  <a:txBody>
-                    <a:bodyPr/>
-                    <a:lstStyle/>
-                    <a:p>
-                      <a:pPr algn="ctr" fontAlgn="ctr"/>
-                      <a:r>
-                        <a:rPr lang="en-US" sz="1100" dirty="0" smtClean="0">
-                          <a:effectLst/>
-                        </a:rPr>
-                        <a:t>….</a:t>
-                      </a:r>
-                      <a:endParaRPr lang="en-US" sz="1100" dirty="0">
-                        <a:effectLst/>
-                      </a:endParaRPr>
-                    </a:p>
-                  </a:txBody>
-                  <a:tcPr marL="76200" marR="76200" marT="38100" marB="38100" anchor="ctr"/>
-                </a:tc>
-                <a:tc>
-                  <a:txBody>
-                    <a:bodyPr/>
-                    <a:lstStyle/>
-                    <a:p>
-                      <a:pPr algn="ctr" fontAlgn="ctr"/>
-                      <a:r>
-                        <a:rPr lang="en-US" sz="1100" dirty="0">
-                          <a:effectLst/>
-                        </a:rPr>
-                        <a:t>latitude</a:t>
-                      </a:r>
-                    </a:p>
-                  </a:txBody>
-                  <a:tcPr marL="76200" marR="76200" marT="38100" marB="38100" anchor="ctr"/>
-                </a:tc>
-                <a:tc>
-                  <a:txBody>
-                    <a:bodyPr/>
-                    <a:lstStyle/>
-                    <a:p>
-                      <a:pPr algn="ctr" fontAlgn="ctr"/>
-                      <a:r>
-                        <a:rPr lang="en-US" sz="1100" dirty="0">
-                          <a:effectLst/>
-                        </a:rPr>
-                        <a:t>longitude</a:t>
-                      </a:r>
-                    </a:p>
-                  </a:txBody>
-                  <a:tcPr marL="76200" marR="76200" marT="38100" marB="38100" anchor="ctr"/>
-                </a:tc>
-                <a:tc>
-                  <a:txBody>
-                    <a:bodyPr/>
-                    <a:lstStyle/>
-                    <a:p>
-                      <a:pPr algn="ctr" fontAlgn="ctr"/>
-                      <a:r>
-                        <a:rPr lang="en-US" sz="1100" dirty="0">
-                          <a:effectLst/>
-                        </a:rPr>
-                        <a:t>location</a:t>
-                      </a:r>
-                    </a:p>
-                  </a:txBody>
-                  <a:tcPr marL="76200" marR="76200" marT="38100" marB="38100" anchor="ctr"/>
-                </a:tc>
-                <a:tc>
-                  <a:txBody>
-                    <a:bodyPr/>
-                    <a:lstStyle/>
-                    <a:p>
-                      <a:pPr algn="ctr" fontAlgn="ctr"/>
-                      <a:r>
-                        <a:rPr lang="en-US" sz="1100" dirty="0">
-                          <a:effectLst/>
-                        </a:rPr>
-                        <a:t>continent</a:t>
-                      </a:r>
-                    </a:p>
-                  </a:txBody>
-                  <a:tcPr marL="76200" marR="76200" marT="38100" marB="38100" anchor="ctr"/>
-                </a:tc>
-                <a:tc>
-                  <a:txBody>
-                    <a:bodyPr/>
-                    <a:lstStyle/>
-                    <a:p>
-                      <a:pPr algn="ctr" fontAlgn="ctr"/>
-                      <a:r>
-                        <a:rPr lang="en-US" sz="1100" dirty="0">
-                          <a:effectLst/>
-                        </a:rPr>
-                        <a:t>country</a:t>
-                      </a:r>
-                    </a:p>
-                  </a:txBody>
-                  <a:tcPr marL="76200" marR="76200" marT="38100" marB="38100" anchor="ctr"/>
-                </a:tc>
-              </a:tr>
-              <a:tr h="237599">
-                <a:tc>
-                  <a:txBody>
-                    <a:bodyPr/>
-                    <a:lstStyle/>
-                    <a:p>
-                      <a:pPr algn="ctr"/>
-                      <a:r>
-                        <a:rPr lang="es-EC" sz="1050" b="0" smtClean="0">
-                          <a:solidFill>
-                            <a:schemeClr val="accent6">
-                              <a:lumMod val="75000"/>
-                            </a:schemeClr>
-                          </a:solidFill>
-                        </a:rPr>
-                        <a:t>data</a:t>
-                      </a:r>
-                      <a:endParaRPr lang="es-EC" sz="1050" b="0" dirty="0">
-                        <a:solidFill>
-                          <a:schemeClr val="accent6">
-                            <a:lumMod val="75000"/>
-                          </a:schemeClr>
-                        </a:solidFill>
-                      </a:endParaRPr>
-                    </a:p>
-                  </a:txBody>
-                  <a:tcPr anchor="ctr">
-                    <a:solidFill>
-                      <a:schemeClr val="accent5">
-                        <a:lumMod val="60000"/>
-                        <a:lumOff val="40000"/>
-                      </a:schemeClr>
-                    </a:solidFill>
-                  </a:tcPr>
-                </a:tc>
-                <a:tc>
-                  <a:txBody>
-                    <a:bodyPr/>
-                    <a:lstStyle/>
-                    <a:p>
-                      <a:pPr algn="ctr"/>
-                      <a:r>
-                        <a:rPr lang="es-EC" sz="1050" b="0" smtClean="0">
-                          <a:solidFill>
-                            <a:schemeClr val="accent6">
-                              <a:lumMod val="75000"/>
-                            </a:schemeClr>
-                          </a:solidFill>
-                        </a:rPr>
-                        <a:t>data</a:t>
-                      </a:r>
-                      <a:endParaRPr lang="es-EC" sz="1050" b="0" dirty="0">
-                        <a:solidFill>
-                          <a:schemeClr val="accent6">
-                            <a:lumMod val="75000"/>
-                          </a:schemeClr>
-                        </a:solidFill>
-                      </a:endParaRPr>
-                    </a:p>
-                  </a:txBody>
-                  <a:tcPr anchor="ctr">
-                    <a:solidFill>
-                      <a:schemeClr val="accent5">
-                        <a:lumMod val="60000"/>
-                        <a:lumOff val="40000"/>
-                      </a:schemeClr>
-                    </a:solidFill>
-                  </a:tcPr>
-                </a:tc>
-                <a:tc>
-                  <a:txBody>
-                    <a:bodyPr/>
-                    <a:lstStyle/>
-                    <a:p>
-                      <a:pPr algn="ctr"/>
-                      <a:r>
-                        <a:rPr lang="es-EC" sz="1050" b="0" smtClean="0">
-                          <a:solidFill>
-                            <a:schemeClr val="accent6">
-                              <a:lumMod val="75000"/>
-                            </a:schemeClr>
-                          </a:solidFill>
-                        </a:rPr>
-                        <a:t>data</a:t>
-                      </a:r>
-                      <a:endParaRPr lang="es-EC" sz="1050" b="0" dirty="0">
-                        <a:solidFill>
-                          <a:schemeClr val="accent6">
-                            <a:lumMod val="75000"/>
-                          </a:schemeClr>
-                        </a:solidFill>
-                      </a:endParaRPr>
-                    </a:p>
-                  </a:txBody>
-                  <a:tcPr anchor="ctr">
-                    <a:solidFill>
-                      <a:schemeClr val="accent5">
-                        <a:lumMod val="60000"/>
-                        <a:lumOff val="40000"/>
-                      </a:schemeClr>
-                    </a:solidFill>
-                  </a:tcPr>
-                </a:tc>
-                <a:tc>
-                  <a:txBody>
-                    <a:bodyPr/>
-                    <a:lstStyle/>
-                    <a:p>
-                      <a:pPr algn="ctr"/>
-                      <a:r>
-                        <a:rPr lang="es-EC" sz="1050" b="0" dirty="0" err="1" smtClean="0">
-                          <a:solidFill>
-                            <a:schemeClr val="accent6">
-                              <a:lumMod val="75000"/>
-                            </a:schemeClr>
-                          </a:solidFill>
-                        </a:rPr>
-                        <a:t>NaN</a:t>
-                      </a:r>
-                      <a:endParaRPr lang="es-EC" sz="1050" b="0" dirty="0">
-                        <a:solidFill>
-                          <a:schemeClr val="accent6">
-                            <a:lumMod val="75000"/>
-                          </a:schemeClr>
-                        </a:solidFill>
-                      </a:endParaRPr>
-                    </a:p>
-                  </a:txBody>
-                  <a:tcPr anchor="ctr">
-                    <a:solidFill>
-                      <a:schemeClr val="accent2">
-                        <a:lumMod val="60000"/>
-                        <a:lumOff val="40000"/>
-                      </a:schemeClr>
-                    </a:solidFill>
-                  </a:tcPr>
-                </a:tc>
-                <a:tc>
-                  <a:txBody>
-                    <a:bodyPr/>
-                    <a:lstStyle/>
-                    <a:p>
-                      <a:pPr algn="ctr"/>
-                      <a:r>
-                        <a:rPr lang="es-EC" sz="1050" b="0" dirty="0" smtClean="0">
-                          <a:solidFill>
-                            <a:schemeClr val="accent6">
-                              <a:lumMod val="75000"/>
-                            </a:schemeClr>
-                          </a:solidFill>
-                        </a:rPr>
-                        <a:t>….</a:t>
-                      </a:r>
-                      <a:endParaRPr lang="es-EC" sz="1050" b="0" dirty="0">
-                        <a:solidFill>
-                          <a:schemeClr val="accent6">
-                            <a:lumMod val="75000"/>
-                          </a:schemeClr>
-                        </a:solidFill>
-                      </a:endParaRPr>
-                    </a:p>
-                  </a:txBody>
-                  <a:tcPr anchor="ctr">
-                    <a:solidFill>
-                      <a:schemeClr val="accent5">
-                        <a:lumMod val="60000"/>
-                        <a:lumOff val="40000"/>
-                      </a:schemeClr>
-                    </a:solidFill>
-                  </a:tcPr>
-                </a:tc>
-                <a:tc>
-                  <a:txBody>
-                    <a:bodyPr/>
-                    <a:lstStyle/>
-                    <a:p>
-                      <a:pPr algn="ctr"/>
-                      <a:r>
-                        <a:rPr lang="es-EC" sz="1050" b="0" smtClean="0">
-                          <a:solidFill>
-                            <a:schemeClr val="accent6">
-                              <a:lumMod val="75000"/>
-                            </a:schemeClr>
-                          </a:solidFill>
-                        </a:rPr>
-                        <a:t>data</a:t>
-                      </a:r>
-                      <a:endParaRPr lang="es-EC" sz="1050" b="0" dirty="0">
-                        <a:solidFill>
-                          <a:schemeClr val="accent6">
-                            <a:lumMod val="75000"/>
-                          </a:schemeClr>
-                        </a:solidFill>
-                      </a:endParaRPr>
-                    </a:p>
-                  </a:txBody>
-                  <a:tcPr anchor="ctr">
-                    <a:solidFill>
-                      <a:schemeClr val="accent5">
-                        <a:lumMod val="60000"/>
-                        <a:lumOff val="40000"/>
-                      </a:schemeClr>
-                    </a:solidFill>
-                  </a:tcPr>
-                </a:tc>
-                <a:tc>
-                  <a:txBody>
-                    <a:bodyPr/>
-                    <a:lstStyle/>
-                    <a:p>
-                      <a:pPr algn="ctr"/>
-                      <a:r>
-                        <a:rPr lang="es-EC" sz="1050" b="0" smtClean="0">
-                          <a:solidFill>
-                            <a:schemeClr val="accent6">
-                              <a:lumMod val="75000"/>
-                            </a:schemeClr>
-                          </a:solidFill>
-                        </a:rPr>
-                        <a:t>data</a:t>
-                      </a:r>
-                      <a:endParaRPr lang="es-EC" sz="1050" b="0" dirty="0">
-                        <a:solidFill>
-                          <a:schemeClr val="accent6">
-                            <a:lumMod val="75000"/>
-                          </a:schemeClr>
-                        </a:solidFill>
-                      </a:endParaRPr>
-                    </a:p>
-                  </a:txBody>
-                  <a:tcPr anchor="ctr">
-                    <a:solidFill>
-                      <a:schemeClr val="accent5">
-                        <a:lumMod val="60000"/>
-                        <a:lumOff val="40000"/>
-                      </a:schemeClr>
-                    </a:solidFill>
-                  </a:tcPr>
-                </a:tc>
-                <a:tc>
-                  <a:txBody>
-                    <a:bodyPr/>
-                    <a:lstStyle/>
-                    <a:p>
-                      <a:pPr algn="ctr"/>
-                      <a:r>
-                        <a:rPr lang="es-EC" sz="1050" b="0" smtClean="0">
-                          <a:solidFill>
-                            <a:schemeClr val="accent6">
-                              <a:lumMod val="75000"/>
-                            </a:schemeClr>
-                          </a:solidFill>
-                        </a:rPr>
-                        <a:t>data</a:t>
-                      </a:r>
-                      <a:endParaRPr lang="es-EC" sz="1050" b="0" dirty="0">
-                        <a:solidFill>
-                          <a:schemeClr val="accent6">
-                            <a:lumMod val="75000"/>
-                          </a:schemeClr>
-                        </a:solidFill>
-                      </a:endParaRPr>
-                    </a:p>
-                  </a:txBody>
-                  <a:tcPr anchor="ctr">
-                    <a:solidFill>
-                      <a:schemeClr val="accent5">
-                        <a:lumMod val="60000"/>
-                        <a:lumOff val="40000"/>
-                      </a:schemeClr>
-                    </a:solidFill>
-                  </a:tcPr>
-                </a:tc>
-                <a:tc>
-                  <a:txBody>
-                    <a:bodyPr/>
-                    <a:lstStyle/>
-                    <a:p>
-                      <a:pPr algn="ctr"/>
-                      <a:r>
-                        <a:rPr lang="es-EC" sz="1050" b="0" smtClean="0">
-                          <a:solidFill>
-                            <a:schemeClr val="accent6">
-                              <a:lumMod val="75000"/>
-                            </a:schemeClr>
-                          </a:solidFill>
-                        </a:rPr>
-                        <a:t>data</a:t>
-                      </a:r>
-                      <a:endParaRPr lang="es-EC" sz="1050" b="0" dirty="0">
-                        <a:solidFill>
-                          <a:schemeClr val="accent6">
-                            <a:lumMod val="75000"/>
-                          </a:schemeClr>
-                        </a:solidFill>
-                      </a:endParaRPr>
-                    </a:p>
-                  </a:txBody>
-                  <a:tcPr anchor="ctr">
-                    <a:solidFill>
-                      <a:schemeClr val="accent5">
-                        <a:lumMod val="60000"/>
-                        <a:lumOff val="40000"/>
-                      </a:schemeClr>
-                    </a:solidFill>
-                  </a:tcPr>
-                </a:tc>
-                <a:tc>
-                  <a:txBody>
-                    <a:bodyPr/>
-                    <a:lstStyle/>
-                    <a:p>
-                      <a:pPr algn="ctr"/>
-                      <a:r>
-                        <a:rPr lang="es-EC" sz="1050" b="0" dirty="0" smtClean="0">
-                          <a:solidFill>
-                            <a:schemeClr val="accent6">
-                              <a:lumMod val="75000"/>
-                            </a:schemeClr>
-                          </a:solidFill>
-                        </a:rPr>
-                        <a:t>data</a:t>
-                      </a:r>
-                      <a:endParaRPr lang="es-EC" sz="1050" b="0" dirty="0">
-                        <a:solidFill>
-                          <a:schemeClr val="accent6">
-                            <a:lumMod val="75000"/>
-                          </a:schemeClr>
-                        </a:solidFill>
-                      </a:endParaRPr>
-                    </a:p>
-                  </a:txBody>
-                  <a:tcPr anchor="ctr">
-                    <a:solidFill>
-                      <a:schemeClr val="accent5">
-                        <a:lumMod val="60000"/>
-                        <a:lumOff val="40000"/>
-                      </a:schemeClr>
-                    </a:solidFill>
-                  </a:tcPr>
-                </a:tc>
-              </a:tr>
-              <a:tr h="237599">
-                <a:tc>
-                  <a:txBody>
-                    <a:bodyPr/>
-                    <a:lstStyle/>
-                    <a:p>
-                      <a:pPr algn="ctr"/>
-                      <a:r>
-                        <a:rPr lang="es-EC" sz="1050" b="0" smtClean="0">
-                          <a:solidFill>
-                            <a:schemeClr val="accent6">
-                              <a:lumMod val="75000"/>
-                            </a:schemeClr>
-                          </a:solidFill>
-                        </a:rPr>
-                        <a:t>data</a:t>
-                      </a:r>
-                      <a:endParaRPr lang="es-EC" sz="1050" b="0" dirty="0">
-                        <a:solidFill>
-                          <a:schemeClr val="accent6">
-                            <a:lumMod val="75000"/>
-                          </a:schemeClr>
-                        </a:solidFill>
-                      </a:endParaRPr>
-                    </a:p>
-                  </a:txBody>
-                  <a:tcPr anchor="ctr">
-                    <a:solidFill>
-                      <a:schemeClr val="accent5">
-                        <a:lumMod val="60000"/>
-                        <a:lumOff val="40000"/>
-                      </a:schemeClr>
-                    </a:solidFill>
-                  </a:tcPr>
-                </a:tc>
-                <a:tc>
-                  <a:txBody>
-                    <a:bodyPr/>
-                    <a:lstStyle/>
-                    <a:p>
-                      <a:pPr algn="ctr"/>
-                      <a:r>
-                        <a:rPr lang="es-EC" sz="1050" b="0" smtClean="0">
-                          <a:solidFill>
-                            <a:schemeClr val="accent6">
-                              <a:lumMod val="75000"/>
-                            </a:schemeClr>
-                          </a:solidFill>
-                        </a:rPr>
-                        <a:t>data</a:t>
-                      </a:r>
-                      <a:endParaRPr lang="es-EC" sz="1050" b="0" dirty="0">
-                        <a:solidFill>
-                          <a:schemeClr val="accent6">
-                            <a:lumMod val="75000"/>
-                          </a:schemeClr>
-                        </a:solidFill>
-                      </a:endParaRPr>
-                    </a:p>
-                  </a:txBody>
-                  <a:tcPr anchor="ctr">
-                    <a:solidFill>
-                      <a:schemeClr val="accent5">
-                        <a:lumMod val="60000"/>
-                        <a:lumOff val="40000"/>
-                      </a:schemeClr>
-                    </a:solidFill>
-                  </a:tcPr>
-                </a:tc>
-                <a:tc>
-                  <a:txBody>
-                    <a:bodyPr/>
-                    <a:lstStyle/>
-                    <a:p>
-                      <a:pPr algn="ctr"/>
-                      <a:r>
-                        <a:rPr lang="es-EC" sz="1050" b="0" smtClean="0">
-                          <a:solidFill>
-                            <a:schemeClr val="accent6">
-                              <a:lumMod val="75000"/>
-                            </a:schemeClr>
-                          </a:solidFill>
-                        </a:rPr>
-                        <a:t>data</a:t>
-                      </a:r>
-                      <a:endParaRPr lang="es-EC" sz="1050" b="0" dirty="0">
-                        <a:solidFill>
-                          <a:schemeClr val="accent6">
-                            <a:lumMod val="75000"/>
-                          </a:schemeClr>
-                        </a:solidFill>
-                      </a:endParaRPr>
-                    </a:p>
-                  </a:txBody>
-                  <a:tcPr anchor="ctr">
-                    <a:solidFill>
-                      <a:schemeClr val="accent5">
-                        <a:lumMod val="60000"/>
-                        <a:lumOff val="40000"/>
-                      </a:schemeClr>
-                    </a:solidFill>
-                  </a:tcPr>
-                </a:tc>
-                <a:tc>
-                  <a:txBody>
-                    <a:bodyPr/>
-                    <a:lstStyle/>
-                    <a:p>
-                      <a:pPr algn="ctr"/>
-                      <a:r>
-                        <a:rPr lang="es-EC" sz="1050" b="0" smtClean="0">
-                          <a:solidFill>
-                            <a:schemeClr val="accent6">
-                              <a:lumMod val="75000"/>
-                            </a:schemeClr>
-                          </a:solidFill>
-                        </a:rPr>
-                        <a:t>NaN</a:t>
-                      </a:r>
-                      <a:endParaRPr lang="es-EC" sz="1050" b="0" dirty="0">
-                        <a:solidFill>
-                          <a:schemeClr val="accent6">
-                            <a:lumMod val="75000"/>
-                          </a:schemeClr>
-                        </a:solidFill>
-                      </a:endParaRPr>
-                    </a:p>
-                  </a:txBody>
-                  <a:tcPr anchor="ctr">
-                    <a:solidFill>
-                      <a:schemeClr val="accent2">
-                        <a:lumMod val="60000"/>
-                        <a:lumOff val="40000"/>
-                      </a:schemeClr>
-                    </a:solidFill>
-                  </a:tcPr>
-                </a:tc>
-                <a:tc>
-                  <a:txBody>
-                    <a:bodyPr/>
-                    <a:lstStyle/>
-                    <a:p>
-                      <a:pPr algn="ctr"/>
-                      <a:r>
-                        <a:rPr lang="es-EC" sz="1050" b="0" dirty="0" smtClean="0">
-                          <a:solidFill>
-                            <a:schemeClr val="accent6">
-                              <a:lumMod val="75000"/>
-                            </a:schemeClr>
-                          </a:solidFill>
-                        </a:rPr>
-                        <a:t>….</a:t>
-                      </a:r>
-                      <a:endParaRPr lang="es-EC" sz="1050" b="0" dirty="0">
-                        <a:solidFill>
-                          <a:schemeClr val="accent6">
-                            <a:lumMod val="75000"/>
-                          </a:schemeClr>
-                        </a:solidFill>
-                      </a:endParaRPr>
-                    </a:p>
-                  </a:txBody>
-                  <a:tcPr anchor="ctr">
-                    <a:solidFill>
-                      <a:schemeClr val="accent5">
-                        <a:lumMod val="60000"/>
-                        <a:lumOff val="40000"/>
-                      </a:schemeClr>
-                    </a:solidFill>
-                  </a:tcPr>
-                </a:tc>
-                <a:tc>
-                  <a:txBody>
-                    <a:bodyPr/>
-                    <a:lstStyle/>
-                    <a:p>
-                      <a:pPr algn="ctr"/>
-                      <a:r>
-                        <a:rPr lang="es-EC" sz="1050" b="0" dirty="0" smtClean="0">
-                          <a:solidFill>
-                            <a:schemeClr val="accent6">
-                              <a:lumMod val="75000"/>
-                            </a:schemeClr>
-                          </a:solidFill>
-                        </a:rPr>
-                        <a:t>data</a:t>
-                      </a:r>
-                      <a:endParaRPr lang="es-EC" sz="1050" b="0" dirty="0">
-                        <a:solidFill>
-                          <a:schemeClr val="accent6">
-                            <a:lumMod val="75000"/>
-                          </a:schemeClr>
-                        </a:solidFill>
-                      </a:endParaRPr>
-                    </a:p>
-                  </a:txBody>
-                  <a:tcPr anchor="ctr">
-                    <a:solidFill>
-                      <a:schemeClr val="accent5">
-                        <a:lumMod val="60000"/>
-                        <a:lumOff val="40000"/>
-                      </a:schemeClr>
-                    </a:solidFill>
-                  </a:tcPr>
-                </a:tc>
-                <a:tc>
-                  <a:txBody>
-                    <a:bodyPr/>
-                    <a:lstStyle/>
-                    <a:p>
-                      <a:pPr algn="ctr"/>
-                      <a:r>
-                        <a:rPr lang="es-EC" sz="1050" b="0" smtClean="0">
-                          <a:solidFill>
-                            <a:schemeClr val="accent6">
-                              <a:lumMod val="75000"/>
-                            </a:schemeClr>
-                          </a:solidFill>
-                        </a:rPr>
-                        <a:t>data</a:t>
-                      </a:r>
-                      <a:endParaRPr lang="es-EC" sz="1050" b="0" dirty="0">
-                        <a:solidFill>
-                          <a:schemeClr val="accent6">
-                            <a:lumMod val="75000"/>
-                          </a:schemeClr>
-                        </a:solidFill>
-                      </a:endParaRPr>
-                    </a:p>
-                  </a:txBody>
-                  <a:tcPr anchor="ctr">
-                    <a:solidFill>
-                      <a:schemeClr val="accent5">
-                        <a:lumMod val="60000"/>
-                        <a:lumOff val="40000"/>
-                      </a:schemeClr>
-                    </a:solidFill>
-                  </a:tcPr>
-                </a:tc>
-                <a:tc>
-                  <a:txBody>
-                    <a:bodyPr/>
-                    <a:lstStyle/>
-                    <a:p>
-                      <a:pPr algn="ctr"/>
-                      <a:r>
-                        <a:rPr lang="es-EC" sz="1050" b="0" smtClean="0">
-                          <a:solidFill>
-                            <a:schemeClr val="accent6">
-                              <a:lumMod val="75000"/>
-                            </a:schemeClr>
-                          </a:solidFill>
-                        </a:rPr>
-                        <a:t>data</a:t>
-                      </a:r>
-                      <a:endParaRPr lang="es-EC" sz="1050" b="0" dirty="0">
-                        <a:solidFill>
-                          <a:schemeClr val="accent6">
-                            <a:lumMod val="75000"/>
-                          </a:schemeClr>
-                        </a:solidFill>
-                      </a:endParaRPr>
-                    </a:p>
-                  </a:txBody>
-                  <a:tcPr anchor="ctr">
-                    <a:solidFill>
-                      <a:schemeClr val="accent5">
-                        <a:lumMod val="60000"/>
-                        <a:lumOff val="40000"/>
-                      </a:schemeClr>
-                    </a:solidFill>
-                  </a:tcPr>
-                </a:tc>
-                <a:tc>
-                  <a:txBody>
-                    <a:bodyPr/>
-                    <a:lstStyle/>
-                    <a:p>
-                      <a:pPr marL="0" marR="0" lvl="0" indent="0" algn="ctr" defTabSz="914400" rtl="0" eaLnBrk="1" fontAlgn="auto" latinLnBrk="0" hangingPunct="1">
-                        <a:lnSpc>
-                          <a:spcPct val="100000"/>
-                        </a:lnSpc>
-                        <a:spcBef>
-                          <a:spcPts val="0"/>
-                        </a:spcBef>
-                        <a:spcAft>
-                          <a:spcPts val="0"/>
-                        </a:spcAft>
-                        <a:buClrTx/>
-                        <a:buSzTx/>
-                        <a:buFontTx/>
-                        <a:buNone/>
-                        <a:tabLst/>
-                        <a:defRPr/>
-                      </a:pPr>
-                      <a:r>
-                        <a:rPr lang="es-EC" sz="1050" b="0" dirty="0" err="1" smtClean="0">
-                          <a:solidFill>
-                            <a:schemeClr val="accent6">
-                              <a:lumMod val="75000"/>
-                            </a:schemeClr>
-                          </a:solidFill>
-                        </a:rPr>
-                        <a:t>NaN</a:t>
-                      </a:r>
-                      <a:endParaRPr lang="es-EC" sz="1050" b="0" dirty="0" smtClean="0">
-                        <a:solidFill>
-                          <a:schemeClr val="accent6">
-                            <a:lumMod val="75000"/>
-                          </a:schemeClr>
-                        </a:solidFill>
-                      </a:endParaRPr>
-                    </a:p>
-                  </a:txBody>
-                  <a:tcPr anchor="ctr">
-                    <a:solidFill>
-                      <a:schemeClr val="accent2">
-                        <a:lumMod val="60000"/>
-                        <a:lumOff val="40000"/>
-                      </a:schemeClr>
-                    </a:solidFill>
-                  </a:tcPr>
-                </a:tc>
-                <a:tc>
-                  <a:txBody>
-                    <a:bodyPr/>
-                    <a:lstStyle/>
-                    <a:p>
-                      <a:pPr algn="ctr"/>
-                      <a:r>
-                        <a:rPr lang="es-EC" sz="1050" b="0" smtClean="0">
-                          <a:solidFill>
-                            <a:schemeClr val="accent6">
-                              <a:lumMod val="75000"/>
-                            </a:schemeClr>
-                          </a:solidFill>
-                        </a:rPr>
-                        <a:t>data</a:t>
-                      </a:r>
-                      <a:endParaRPr lang="es-EC" sz="1050" b="0" dirty="0">
-                        <a:solidFill>
-                          <a:schemeClr val="accent6">
-                            <a:lumMod val="75000"/>
-                          </a:schemeClr>
-                        </a:solidFill>
-                      </a:endParaRPr>
-                    </a:p>
-                  </a:txBody>
-                  <a:tcPr anchor="ctr">
-                    <a:solidFill>
-                      <a:schemeClr val="accent5">
-                        <a:lumMod val="60000"/>
-                        <a:lumOff val="40000"/>
-                      </a:schemeClr>
-                    </a:solidFill>
-                  </a:tcPr>
-                </a:tc>
-              </a:tr>
-              <a:tr h="237599">
-                <a:tc>
-                  <a:txBody>
-                    <a:bodyPr/>
-                    <a:lstStyle/>
-                    <a:p>
-                      <a:pPr algn="ctr"/>
-                      <a:r>
-                        <a:rPr lang="es-EC" sz="1050" b="0" smtClean="0">
-                          <a:solidFill>
-                            <a:schemeClr val="accent6">
-                              <a:lumMod val="75000"/>
-                            </a:schemeClr>
-                          </a:solidFill>
-                        </a:rPr>
-                        <a:t>data</a:t>
-                      </a:r>
-                      <a:endParaRPr lang="es-EC" sz="1050" b="0" dirty="0">
-                        <a:solidFill>
-                          <a:schemeClr val="accent6">
-                            <a:lumMod val="75000"/>
-                          </a:schemeClr>
-                        </a:solidFill>
-                      </a:endParaRPr>
-                    </a:p>
-                  </a:txBody>
-                  <a:tcPr anchor="ctr">
-                    <a:solidFill>
-                      <a:schemeClr val="accent5">
-                        <a:lumMod val="60000"/>
-                        <a:lumOff val="40000"/>
-                      </a:schemeClr>
-                    </a:solidFill>
-                  </a:tcPr>
-                </a:tc>
-                <a:tc>
-                  <a:txBody>
-                    <a:bodyPr/>
-                    <a:lstStyle/>
-                    <a:p>
-                      <a:pPr algn="ctr"/>
-                      <a:r>
-                        <a:rPr lang="es-EC" sz="1050" b="0" smtClean="0">
-                          <a:solidFill>
-                            <a:schemeClr val="accent6">
-                              <a:lumMod val="75000"/>
-                            </a:schemeClr>
-                          </a:solidFill>
-                        </a:rPr>
-                        <a:t>data</a:t>
-                      </a:r>
-                      <a:endParaRPr lang="es-EC" sz="1050" b="0" dirty="0">
-                        <a:solidFill>
-                          <a:schemeClr val="accent6">
-                            <a:lumMod val="75000"/>
-                          </a:schemeClr>
-                        </a:solidFill>
-                      </a:endParaRPr>
-                    </a:p>
-                  </a:txBody>
-                  <a:tcPr anchor="ctr">
-                    <a:solidFill>
-                      <a:schemeClr val="accent5">
-                        <a:lumMod val="60000"/>
-                        <a:lumOff val="40000"/>
-                      </a:schemeClr>
-                    </a:solidFill>
-                  </a:tcPr>
-                </a:tc>
-                <a:tc>
-                  <a:txBody>
-                    <a:bodyPr/>
-                    <a:lstStyle/>
-                    <a:p>
-                      <a:pPr algn="ctr"/>
-                      <a:r>
-                        <a:rPr lang="es-EC" sz="1050" b="0" smtClean="0">
-                          <a:solidFill>
-                            <a:schemeClr val="accent6">
-                              <a:lumMod val="75000"/>
-                            </a:schemeClr>
-                          </a:solidFill>
-                        </a:rPr>
-                        <a:t>data</a:t>
-                      </a:r>
-                      <a:endParaRPr lang="es-EC" sz="1050" b="0" dirty="0">
-                        <a:solidFill>
-                          <a:schemeClr val="accent6">
-                            <a:lumMod val="75000"/>
-                          </a:schemeClr>
-                        </a:solidFill>
-                      </a:endParaRPr>
-                    </a:p>
-                  </a:txBody>
-                  <a:tcPr anchor="ctr">
-                    <a:solidFill>
-                      <a:schemeClr val="accent5">
-                        <a:lumMod val="60000"/>
-                        <a:lumOff val="40000"/>
-                      </a:schemeClr>
-                    </a:solidFill>
-                  </a:tcPr>
-                </a:tc>
-                <a:tc>
-                  <a:txBody>
-                    <a:bodyPr/>
-                    <a:lstStyle/>
-                    <a:p>
-                      <a:pPr algn="ctr"/>
-                      <a:r>
-                        <a:rPr lang="es-EC" sz="1050" b="0" dirty="0" err="1" smtClean="0">
-                          <a:solidFill>
-                            <a:schemeClr val="accent6">
-                              <a:lumMod val="75000"/>
-                            </a:schemeClr>
-                          </a:solidFill>
-                        </a:rPr>
-                        <a:t>NaN</a:t>
-                      </a:r>
-                      <a:endParaRPr lang="es-EC" sz="1050" b="0" dirty="0">
-                        <a:solidFill>
-                          <a:schemeClr val="accent6">
-                            <a:lumMod val="75000"/>
-                          </a:schemeClr>
-                        </a:solidFill>
-                      </a:endParaRPr>
-                    </a:p>
-                  </a:txBody>
-                  <a:tcPr anchor="ctr">
-                    <a:solidFill>
-                      <a:schemeClr val="accent2">
-                        <a:lumMod val="60000"/>
-                        <a:lumOff val="40000"/>
-                      </a:schemeClr>
-                    </a:solidFill>
-                  </a:tcPr>
-                </a:tc>
-                <a:tc>
-                  <a:txBody>
-                    <a:bodyPr/>
-                    <a:lstStyle/>
-                    <a:p>
-                      <a:pPr algn="ctr"/>
-                      <a:r>
-                        <a:rPr lang="es-EC" sz="1050" b="0" dirty="0" smtClean="0">
-                          <a:solidFill>
-                            <a:schemeClr val="accent6">
-                              <a:lumMod val="75000"/>
-                            </a:schemeClr>
-                          </a:solidFill>
-                        </a:rPr>
-                        <a:t>….</a:t>
-                      </a:r>
-                      <a:endParaRPr lang="es-EC" sz="1050" b="0" dirty="0">
-                        <a:solidFill>
-                          <a:schemeClr val="accent6">
-                            <a:lumMod val="75000"/>
-                          </a:schemeClr>
-                        </a:solidFill>
-                      </a:endParaRPr>
-                    </a:p>
-                  </a:txBody>
-                  <a:tcPr anchor="ctr">
-                    <a:solidFill>
-                      <a:schemeClr val="accent5">
-                        <a:lumMod val="60000"/>
-                        <a:lumOff val="40000"/>
-                      </a:schemeClr>
-                    </a:solidFill>
-                  </a:tcPr>
-                </a:tc>
-                <a:tc>
-                  <a:txBody>
-                    <a:bodyPr/>
-                    <a:lstStyle/>
-                    <a:p>
-                      <a:pPr algn="ctr"/>
-                      <a:r>
-                        <a:rPr lang="es-EC" sz="1050" b="0" smtClean="0">
-                          <a:solidFill>
-                            <a:schemeClr val="accent6">
-                              <a:lumMod val="75000"/>
-                            </a:schemeClr>
-                          </a:solidFill>
-                        </a:rPr>
-                        <a:t>data</a:t>
-                      </a:r>
-                      <a:endParaRPr lang="es-EC" sz="1050" b="0" dirty="0">
-                        <a:solidFill>
-                          <a:schemeClr val="accent6">
-                            <a:lumMod val="75000"/>
-                          </a:schemeClr>
-                        </a:solidFill>
-                      </a:endParaRPr>
-                    </a:p>
-                  </a:txBody>
-                  <a:tcPr anchor="ctr">
-                    <a:solidFill>
-                      <a:schemeClr val="accent5">
-                        <a:lumMod val="60000"/>
-                        <a:lumOff val="40000"/>
-                      </a:schemeClr>
-                    </a:solidFill>
-                  </a:tcPr>
-                </a:tc>
-                <a:tc>
-                  <a:txBody>
-                    <a:bodyPr/>
-                    <a:lstStyle/>
-                    <a:p>
-                      <a:pPr algn="ctr"/>
-                      <a:r>
-                        <a:rPr lang="es-EC" sz="1050" b="0" smtClean="0">
-                          <a:solidFill>
-                            <a:schemeClr val="accent6">
-                              <a:lumMod val="75000"/>
-                            </a:schemeClr>
-                          </a:solidFill>
-                        </a:rPr>
-                        <a:t>data</a:t>
-                      </a:r>
-                      <a:endParaRPr lang="es-EC" sz="1050" b="0" dirty="0">
-                        <a:solidFill>
-                          <a:schemeClr val="accent6">
-                            <a:lumMod val="75000"/>
-                          </a:schemeClr>
-                        </a:solidFill>
-                      </a:endParaRPr>
-                    </a:p>
-                  </a:txBody>
-                  <a:tcPr anchor="ctr">
-                    <a:solidFill>
-                      <a:schemeClr val="accent5">
-                        <a:lumMod val="60000"/>
-                        <a:lumOff val="40000"/>
-                      </a:schemeClr>
-                    </a:solidFill>
-                  </a:tcPr>
-                </a:tc>
-                <a:tc>
-                  <a:txBody>
-                    <a:bodyPr/>
-                    <a:lstStyle/>
-                    <a:p>
-                      <a:pPr algn="ctr"/>
-                      <a:r>
-                        <a:rPr lang="es-EC" sz="1050" b="0" smtClean="0">
-                          <a:solidFill>
-                            <a:schemeClr val="accent6">
-                              <a:lumMod val="75000"/>
-                            </a:schemeClr>
-                          </a:solidFill>
-                        </a:rPr>
-                        <a:t>data</a:t>
-                      </a:r>
-                      <a:endParaRPr lang="es-EC" sz="1050" b="0" dirty="0">
-                        <a:solidFill>
-                          <a:schemeClr val="accent6">
-                            <a:lumMod val="75000"/>
-                          </a:schemeClr>
-                        </a:solidFill>
-                      </a:endParaRPr>
-                    </a:p>
-                  </a:txBody>
-                  <a:tcPr anchor="ctr">
-                    <a:solidFill>
-                      <a:schemeClr val="accent5">
-                        <a:lumMod val="60000"/>
-                        <a:lumOff val="40000"/>
-                      </a:schemeClr>
-                    </a:solidFill>
-                  </a:tcPr>
-                </a:tc>
-                <a:tc>
-                  <a:txBody>
-                    <a:bodyPr/>
-                    <a:lstStyle/>
-                    <a:p>
-                      <a:pPr algn="ctr"/>
-                      <a:r>
-                        <a:rPr lang="es-EC" sz="1050" b="0" smtClean="0">
-                          <a:solidFill>
-                            <a:schemeClr val="accent6">
-                              <a:lumMod val="75000"/>
-                            </a:schemeClr>
-                          </a:solidFill>
-                        </a:rPr>
-                        <a:t>data</a:t>
-                      </a:r>
-                      <a:endParaRPr lang="es-EC" sz="1050" b="0" dirty="0">
-                        <a:solidFill>
-                          <a:schemeClr val="accent6">
-                            <a:lumMod val="75000"/>
-                          </a:schemeClr>
-                        </a:solidFill>
-                      </a:endParaRPr>
-                    </a:p>
-                  </a:txBody>
-                  <a:tcPr anchor="ctr">
-                    <a:solidFill>
-                      <a:schemeClr val="accent5">
-                        <a:lumMod val="60000"/>
-                        <a:lumOff val="40000"/>
-                      </a:schemeClr>
-                    </a:solidFill>
-                  </a:tcPr>
-                </a:tc>
-                <a:tc>
-                  <a:txBody>
-                    <a:bodyPr/>
-                    <a:lstStyle/>
-                    <a:p>
-                      <a:pPr algn="ctr"/>
-                      <a:r>
-                        <a:rPr lang="es-EC" sz="1050" b="0" dirty="0" smtClean="0">
-                          <a:solidFill>
-                            <a:schemeClr val="accent6">
-                              <a:lumMod val="75000"/>
-                            </a:schemeClr>
-                          </a:solidFill>
-                        </a:rPr>
-                        <a:t>data</a:t>
-                      </a:r>
-                      <a:endParaRPr lang="es-EC" sz="1050" b="0" dirty="0">
-                        <a:solidFill>
-                          <a:schemeClr val="accent6">
-                            <a:lumMod val="75000"/>
-                          </a:schemeClr>
-                        </a:solidFill>
-                      </a:endParaRPr>
-                    </a:p>
-                  </a:txBody>
-                  <a:tcPr anchor="ctr">
-                    <a:solidFill>
-                      <a:schemeClr val="accent5">
-                        <a:lumMod val="60000"/>
-                        <a:lumOff val="40000"/>
-                      </a:schemeClr>
-                    </a:solidFill>
-                  </a:tcPr>
-                </a:tc>
-              </a:tr>
-              <a:tr h="237599">
-                <a:tc>
-                  <a:txBody>
-                    <a:bodyPr/>
-                    <a:lstStyle/>
-                    <a:p>
-                      <a:pPr algn="ctr"/>
-                      <a:r>
-                        <a:rPr lang="es-EC" sz="1050" b="0" smtClean="0">
-                          <a:solidFill>
-                            <a:schemeClr val="accent6">
-                              <a:lumMod val="75000"/>
-                            </a:schemeClr>
-                          </a:solidFill>
-                        </a:rPr>
-                        <a:t>data</a:t>
-                      </a:r>
-                      <a:endParaRPr lang="es-EC" sz="1050" b="0" dirty="0">
-                        <a:solidFill>
-                          <a:schemeClr val="accent6">
-                            <a:lumMod val="75000"/>
-                          </a:schemeClr>
-                        </a:solidFill>
-                      </a:endParaRPr>
-                    </a:p>
-                  </a:txBody>
-                  <a:tcPr anchor="ctr">
-                    <a:solidFill>
-                      <a:schemeClr val="accent5">
-                        <a:lumMod val="60000"/>
-                        <a:lumOff val="40000"/>
-                      </a:schemeClr>
-                    </a:solidFill>
-                  </a:tcPr>
-                </a:tc>
-                <a:tc>
-                  <a:txBody>
-                    <a:bodyPr/>
-                    <a:lstStyle/>
-                    <a:p>
-                      <a:pPr algn="ctr"/>
-                      <a:r>
-                        <a:rPr lang="es-EC" sz="1050" b="0" smtClean="0">
-                          <a:solidFill>
-                            <a:schemeClr val="accent6">
-                              <a:lumMod val="75000"/>
-                            </a:schemeClr>
-                          </a:solidFill>
-                        </a:rPr>
-                        <a:t>data</a:t>
-                      </a:r>
-                      <a:endParaRPr lang="es-EC" sz="1050" b="0" dirty="0">
-                        <a:solidFill>
-                          <a:schemeClr val="accent6">
-                            <a:lumMod val="75000"/>
-                          </a:schemeClr>
-                        </a:solidFill>
-                      </a:endParaRPr>
-                    </a:p>
-                  </a:txBody>
-                  <a:tcPr anchor="ctr">
-                    <a:solidFill>
-                      <a:schemeClr val="accent5">
-                        <a:lumMod val="60000"/>
-                        <a:lumOff val="40000"/>
-                      </a:schemeClr>
-                    </a:solidFill>
-                  </a:tcPr>
-                </a:tc>
-                <a:tc>
-                  <a:txBody>
-                    <a:bodyPr/>
-                    <a:lstStyle/>
-                    <a:p>
-                      <a:pPr algn="ctr"/>
-                      <a:r>
-                        <a:rPr lang="es-EC" sz="1050" b="0" smtClean="0">
-                          <a:solidFill>
-                            <a:schemeClr val="accent6">
-                              <a:lumMod val="75000"/>
-                            </a:schemeClr>
-                          </a:solidFill>
-                        </a:rPr>
-                        <a:t>data</a:t>
-                      </a:r>
-                      <a:endParaRPr lang="es-EC" sz="1050" b="0" dirty="0">
-                        <a:solidFill>
-                          <a:schemeClr val="accent6">
-                            <a:lumMod val="75000"/>
-                          </a:schemeClr>
-                        </a:solidFill>
-                      </a:endParaRPr>
-                    </a:p>
-                  </a:txBody>
-                  <a:tcPr anchor="ctr">
-                    <a:solidFill>
-                      <a:schemeClr val="accent5">
-                        <a:lumMod val="60000"/>
-                        <a:lumOff val="40000"/>
-                      </a:schemeClr>
-                    </a:solidFill>
-                  </a:tcPr>
-                </a:tc>
-                <a:tc>
-                  <a:txBody>
-                    <a:bodyPr/>
-                    <a:lstStyle/>
-                    <a:p>
-                      <a:pPr algn="ctr"/>
-                      <a:r>
-                        <a:rPr lang="es-EC" sz="1050" b="0" dirty="0" smtClean="0">
-                          <a:solidFill>
-                            <a:schemeClr val="accent6">
-                              <a:lumMod val="75000"/>
-                            </a:schemeClr>
-                          </a:solidFill>
-                        </a:rPr>
-                        <a:t>data</a:t>
-                      </a:r>
-                      <a:endParaRPr lang="es-EC" sz="1050" b="0" dirty="0">
-                        <a:solidFill>
-                          <a:schemeClr val="accent6">
-                            <a:lumMod val="75000"/>
-                          </a:schemeClr>
-                        </a:solidFill>
-                      </a:endParaRPr>
-                    </a:p>
-                  </a:txBody>
-                  <a:tcPr anchor="ctr">
-                    <a:solidFill>
-                      <a:schemeClr val="accent5">
-                        <a:lumMod val="60000"/>
-                        <a:lumOff val="40000"/>
-                      </a:schemeClr>
-                    </a:solidFill>
-                  </a:tcPr>
-                </a:tc>
-                <a:tc>
-                  <a:txBody>
-                    <a:bodyPr/>
-                    <a:lstStyle/>
-                    <a:p>
-                      <a:pPr algn="ctr"/>
-                      <a:r>
-                        <a:rPr lang="es-EC" sz="1050" b="0" dirty="0" smtClean="0">
-                          <a:solidFill>
-                            <a:schemeClr val="accent6">
-                              <a:lumMod val="75000"/>
-                            </a:schemeClr>
-                          </a:solidFill>
-                        </a:rPr>
-                        <a:t>….</a:t>
-                      </a:r>
-                      <a:endParaRPr lang="es-EC" sz="1050" b="0" dirty="0">
-                        <a:solidFill>
-                          <a:schemeClr val="accent6">
-                            <a:lumMod val="75000"/>
-                          </a:schemeClr>
-                        </a:solidFill>
-                      </a:endParaRPr>
-                    </a:p>
-                  </a:txBody>
-                  <a:tcPr anchor="ctr">
-                    <a:solidFill>
-                      <a:schemeClr val="accent5">
-                        <a:lumMod val="60000"/>
-                        <a:lumOff val="40000"/>
-                      </a:schemeClr>
-                    </a:solidFill>
-                  </a:tcPr>
-                </a:tc>
-                <a:tc>
-                  <a:txBody>
-                    <a:bodyPr/>
-                    <a:lstStyle/>
-                    <a:p>
-                      <a:pPr algn="ctr"/>
-                      <a:r>
-                        <a:rPr lang="es-EC" sz="1050" b="0" smtClean="0">
-                          <a:solidFill>
-                            <a:schemeClr val="accent6">
-                              <a:lumMod val="75000"/>
-                            </a:schemeClr>
-                          </a:solidFill>
-                        </a:rPr>
-                        <a:t>data</a:t>
-                      </a:r>
-                      <a:endParaRPr lang="es-EC" sz="1050" b="0" dirty="0">
-                        <a:solidFill>
-                          <a:schemeClr val="accent6">
-                            <a:lumMod val="75000"/>
-                          </a:schemeClr>
-                        </a:solidFill>
-                      </a:endParaRPr>
-                    </a:p>
-                  </a:txBody>
-                  <a:tcPr anchor="ctr">
-                    <a:solidFill>
-                      <a:schemeClr val="accent5">
-                        <a:lumMod val="60000"/>
-                        <a:lumOff val="40000"/>
-                      </a:schemeClr>
-                    </a:solidFill>
-                  </a:tcPr>
-                </a:tc>
-                <a:tc>
-                  <a:txBody>
-                    <a:bodyPr/>
-                    <a:lstStyle/>
-                    <a:p>
-                      <a:pPr algn="ctr"/>
-                      <a:r>
-                        <a:rPr lang="es-EC" sz="1050" b="0" smtClean="0">
-                          <a:solidFill>
-                            <a:schemeClr val="accent6">
-                              <a:lumMod val="75000"/>
-                            </a:schemeClr>
-                          </a:solidFill>
-                        </a:rPr>
-                        <a:t>data</a:t>
-                      </a:r>
-                      <a:endParaRPr lang="es-EC" sz="1050" b="0" dirty="0">
-                        <a:solidFill>
-                          <a:schemeClr val="accent6">
-                            <a:lumMod val="75000"/>
-                          </a:schemeClr>
-                        </a:solidFill>
-                      </a:endParaRPr>
-                    </a:p>
-                  </a:txBody>
-                  <a:tcPr anchor="ctr">
-                    <a:solidFill>
-                      <a:schemeClr val="accent5">
-                        <a:lumMod val="60000"/>
-                        <a:lumOff val="40000"/>
-                      </a:schemeClr>
-                    </a:solidFill>
-                  </a:tcPr>
-                </a:tc>
-                <a:tc>
-                  <a:txBody>
-                    <a:bodyPr/>
-                    <a:lstStyle/>
-                    <a:p>
-                      <a:pPr algn="ctr"/>
-                      <a:r>
-                        <a:rPr lang="es-EC" sz="1050" b="0" smtClean="0">
-                          <a:solidFill>
-                            <a:schemeClr val="accent6">
-                              <a:lumMod val="75000"/>
-                            </a:schemeClr>
-                          </a:solidFill>
-                        </a:rPr>
-                        <a:t>data</a:t>
-                      </a:r>
-                      <a:endParaRPr lang="es-EC" sz="1050" b="0" dirty="0">
-                        <a:solidFill>
-                          <a:schemeClr val="accent6">
-                            <a:lumMod val="75000"/>
-                          </a:schemeClr>
-                        </a:solidFill>
-                      </a:endParaRPr>
-                    </a:p>
-                  </a:txBody>
-                  <a:tcPr anchor="ctr">
-                    <a:solidFill>
-                      <a:schemeClr val="accent5">
-                        <a:lumMod val="60000"/>
-                        <a:lumOff val="40000"/>
-                      </a:schemeClr>
-                    </a:solidFill>
-                  </a:tcPr>
-                </a:tc>
-                <a:tc>
-                  <a:txBody>
-                    <a:bodyPr/>
-                    <a:lstStyle/>
-                    <a:p>
-                      <a:pPr algn="ctr"/>
-                      <a:r>
-                        <a:rPr lang="es-EC" sz="1050" b="0" smtClean="0">
-                          <a:solidFill>
-                            <a:schemeClr val="accent6">
-                              <a:lumMod val="75000"/>
-                            </a:schemeClr>
-                          </a:solidFill>
-                        </a:rPr>
-                        <a:t>NaN</a:t>
-                      </a:r>
-                      <a:endParaRPr lang="es-EC" sz="1050" b="0" dirty="0">
-                        <a:solidFill>
-                          <a:schemeClr val="accent6">
-                            <a:lumMod val="75000"/>
-                          </a:schemeClr>
-                        </a:solidFill>
-                      </a:endParaRPr>
-                    </a:p>
-                  </a:txBody>
-                  <a:tcPr anchor="ctr">
-                    <a:solidFill>
-                      <a:schemeClr val="accent2">
-                        <a:lumMod val="60000"/>
-                        <a:lumOff val="40000"/>
-                      </a:schemeClr>
-                    </a:solidFill>
-                  </a:tcPr>
-                </a:tc>
-                <a:tc>
-                  <a:txBody>
-                    <a:bodyPr/>
-                    <a:lstStyle/>
-                    <a:p>
-                      <a:pPr algn="ctr"/>
-                      <a:r>
-                        <a:rPr lang="es-EC" sz="1050" b="0" dirty="0" err="1" smtClean="0">
-                          <a:solidFill>
-                            <a:schemeClr val="accent6">
-                              <a:lumMod val="75000"/>
-                            </a:schemeClr>
-                          </a:solidFill>
-                        </a:rPr>
-                        <a:t>NaN</a:t>
-                      </a:r>
-                      <a:endParaRPr lang="es-EC" sz="1050" b="0" dirty="0">
-                        <a:solidFill>
-                          <a:schemeClr val="accent6">
-                            <a:lumMod val="75000"/>
-                          </a:schemeClr>
-                        </a:solidFill>
-                      </a:endParaRPr>
-                    </a:p>
-                  </a:txBody>
-                  <a:tcPr anchor="ctr">
-                    <a:solidFill>
-                      <a:schemeClr val="accent2">
-                        <a:lumMod val="60000"/>
-                        <a:lumOff val="40000"/>
-                      </a:schemeClr>
-                    </a:solidFill>
-                  </a:tcPr>
-                </a:tc>
-              </a:tr>
-              <a:tr h="237599">
-                <a:tc>
-                  <a:txBody>
-                    <a:bodyPr/>
-                    <a:lstStyle/>
-                    <a:p>
-                      <a:pPr algn="ctr"/>
-                      <a:r>
-                        <a:rPr lang="es-EC" sz="1050" b="0" smtClean="0">
-                          <a:solidFill>
-                            <a:schemeClr val="accent6">
-                              <a:lumMod val="75000"/>
-                            </a:schemeClr>
-                          </a:solidFill>
-                        </a:rPr>
-                        <a:t>data</a:t>
-                      </a:r>
-                      <a:endParaRPr lang="es-EC" sz="1050" b="0" dirty="0">
-                        <a:solidFill>
-                          <a:schemeClr val="accent6">
-                            <a:lumMod val="75000"/>
-                          </a:schemeClr>
-                        </a:solidFill>
-                      </a:endParaRPr>
-                    </a:p>
-                  </a:txBody>
-                  <a:tcPr anchor="ctr">
-                    <a:solidFill>
-                      <a:schemeClr val="accent5">
-                        <a:lumMod val="60000"/>
-                        <a:lumOff val="40000"/>
-                      </a:schemeClr>
-                    </a:solidFill>
-                  </a:tcPr>
-                </a:tc>
-                <a:tc>
-                  <a:txBody>
-                    <a:bodyPr/>
-                    <a:lstStyle/>
-                    <a:p>
-                      <a:pPr algn="ctr"/>
-                      <a:r>
-                        <a:rPr lang="es-EC" sz="1050" b="0" smtClean="0">
-                          <a:solidFill>
-                            <a:schemeClr val="accent6">
-                              <a:lumMod val="75000"/>
-                            </a:schemeClr>
-                          </a:solidFill>
-                        </a:rPr>
-                        <a:t>data</a:t>
-                      </a:r>
-                      <a:endParaRPr lang="es-EC" sz="1050" b="0" dirty="0">
-                        <a:solidFill>
-                          <a:schemeClr val="accent6">
-                            <a:lumMod val="75000"/>
-                          </a:schemeClr>
-                        </a:solidFill>
-                      </a:endParaRPr>
-                    </a:p>
-                  </a:txBody>
-                  <a:tcPr anchor="ctr">
-                    <a:solidFill>
-                      <a:schemeClr val="accent5">
-                        <a:lumMod val="60000"/>
-                        <a:lumOff val="40000"/>
-                      </a:schemeClr>
-                    </a:solidFill>
-                  </a:tcPr>
-                </a:tc>
-                <a:tc>
-                  <a:txBody>
-                    <a:bodyPr/>
-                    <a:lstStyle/>
-                    <a:p>
-                      <a:pPr algn="ctr"/>
-                      <a:r>
-                        <a:rPr lang="es-EC" sz="1050" b="0" smtClean="0">
-                          <a:solidFill>
-                            <a:schemeClr val="accent6">
-                              <a:lumMod val="75000"/>
-                            </a:schemeClr>
-                          </a:solidFill>
-                        </a:rPr>
-                        <a:t>data</a:t>
-                      </a:r>
-                      <a:endParaRPr lang="es-EC" sz="1050" b="0" dirty="0">
-                        <a:solidFill>
-                          <a:schemeClr val="accent6">
-                            <a:lumMod val="75000"/>
-                          </a:schemeClr>
-                        </a:solidFill>
-                      </a:endParaRPr>
-                    </a:p>
-                  </a:txBody>
-                  <a:tcPr anchor="ctr">
-                    <a:solidFill>
-                      <a:schemeClr val="accent5">
-                        <a:lumMod val="60000"/>
-                        <a:lumOff val="40000"/>
-                      </a:schemeClr>
-                    </a:solidFill>
-                  </a:tcPr>
-                </a:tc>
-                <a:tc>
-                  <a:txBody>
-                    <a:bodyPr/>
-                    <a:lstStyle/>
-                    <a:p>
-                      <a:pPr algn="ctr"/>
-                      <a:r>
-                        <a:rPr lang="es-EC" sz="1050" b="0" smtClean="0">
-                          <a:solidFill>
-                            <a:schemeClr val="accent6">
-                              <a:lumMod val="75000"/>
-                            </a:schemeClr>
-                          </a:solidFill>
-                        </a:rPr>
-                        <a:t>NaN</a:t>
-                      </a:r>
-                      <a:endParaRPr lang="es-EC" sz="1050" b="0" dirty="0">
-                        <a:solidFill>
-                          <a:schemeClr val="accent6">
-                            <a:lumMod val="75000"/>
-                          </a:schemeClr>
-                        </a:solidFill>
-                      </a:endParaRPr>
-                    </a:p>
-                  </a:txBody>
-                  <a:tcPr anchor="ctr">
-                    <a:solidFill>
-                      <a:schemeClr val="accent2">
-                        <a:lumMod val="60000"/>
-                        <a:lumOff val="40000"/>
-                      </a:schemeClr>
-                    </a:solidFill>
-                  </a:tcPr>
-                </a:tc>
-                <a:tc>
-                  <a:txBody>
-                    <a:bodyPr/>
-                    <a:lstStyle/>
-                    <a:p>
-                      <a:pPr algn="ctr"/>
-                      <a:r>
-                        <a:rPr lang="es-EC" sz="1050" b="0" dirty="0" smtClean="0">
-                          <a:solidFill>
-                            <a:schemeClr val="accent6">
-                              <a:lumMod val="75000"/>
-                            </a:schemeClr>
-                          </a:solidFill>
-                        </a:rPr>
-                        <a:t>….</a:t>
-                      </a:r>
-                      <a:endParaRPr lang="es-EC" sz="1050" b="0" dirty="0">
-                        <a:solidFill>
-                          <a:schemeClr val="accent6">
-                            <a:lumMod val="75000"/>
-                          </a:schemeClr>
-                        </a:solidFill>
-                      </a:endParaRPr>
-                    </a:p>
-                  </a:txBody>
-                  <a:tcPr anchor="ctr">
-                    <a:solidFill>
-                      <a:schemeClr val="accent5">
-                        <a:lumMod val="60000"/>
-                        <a:lumOff val="40000"/>
-                      </a:schemeClr>
-                    </a:solidFill>
-                  </a:tcPr>
-                </a:tc>
-                <a:tc>
-                  <a:txBody>
-                    <a:bodyPr/>
-                    <a:lstStyle/>
-                    <a:p>
-                      <a:pPr algn="ctr"/>
-                      <a:r>
-                        <a:rPr lang="es-EC" sz="1050" b="0" smtClean="0">
-                          <a:solidFill>
-                            <a:schemeClr val="accent6">
-                              <a:lumMod val="75000"/>
-                            </a:schemeClr>
-                          </a:solidFill>
-                        </a:rPr>
-                        <a:t>data</a:t>
-                      </a:r>
-                      <a:endParaRPr lang="es-EC" sz="1050" b="0" dirty="0">
-                        <a:solidFill>
-                          <a:schemeClr val="accent6">
-                            <a:lumMod val="75000"/>
-                          </a:schemeClr>
-                        </a:solidFill>
-                      </a:endParaRPr>
-                    </a:p>
-                  </a:txBody>
-                  <a:tcPr anchor="ctr">
-                    <a:solidFill>
-                      <a:schemeClr val="accent5">
-                        <a:lumMod val="60000"/>
-                        <a:lumOff val="40000"/>
-                      </a:schemeClr>
-                    </a:solidFill>
-                  </a:tcPr>
-                </a:tc>
-                <a:tc>
-                  <a:txBody>
-                    <a:bodyPr/>
-                    <a:lstStyle/>
-                    <a:p>
-                      <a:pPr algn="ctr"/>
-                      <a:r>
-                        <a:rPr lang="es-EC" sz="1050" b="0" smtClean="0">
-                          <a:solidFill>
-                            <a:schemeClr val="accent6">
-                              <a:lumMod val="75000"/>
-                            </a:schemeClr>
-                          </a:solidFill>
-                        </a:rPr>
-                        <a:t>data</a:t>
-                      </a:r>
-                      <a:endParaRPr lang="es-EC" sz="1050" b="0" dirty="0">
-                        <a:solidFill>
-                          <a:schemeClr val="accent6">
-                            <a:lumMod val="75000"/>
-                          </a:schemeClr>
-                        </a:solidFill>
-                      </a:endParaRPr>
-                    </a:p>
-                  </a:txBody>
-                  <a:tcPr anchor="ctr">
-                    <a:solidFill>
-                      <a:schemeClr val="accent5">
-                        <a:lumMod val="60000"/>
-                        <a:lumOff val="40000"/>
-                      </a:schemeClr>
-                    </a:solidFill>
-                  </a:tcPr>
-                </a:tc>
-                <a:tc>
-                  <a:txBody>
-                    <a:bodyPr/>
-                    <a:lstStyle/>
-                    <a:p>
-                      <a:pPr algn="ctr"/>
-                      <a:r>
-                        <a:rPr lang="es-EC" sz="1050" b="0" smtClean="0">
-                          <a:solidFill>
-                            <a:schemeClr val="accent6">
-                              <a:lumMod val="75000"/>
-                            </a:schemeClr>
-                          </a:solidFill>
-                        </a:rPr>
-                        <a:t>data</a:t>
-                      </a:r>
-                      <a:endParaRPr lang="es-EC" sz="1050" b="0" dirty="0">
-                        <a:solidFill>
-                          <a:schemeClr val="accent6">
-                            <a:lumMod val="75000"/>
-                          </a:schemeClr>
-                        </a:solidFill>
-                      </a:endParaRPr>
-                    </a:p>
-                  </a:txBody>
-                  <a:tcPr anchor="ctr">
-                    <a:solidFill>
-                      <a:schemeClr val="accent5">
-                        <a:lumMod val="60000"/>
-                        <a:lumOff val="40000"/>
-                      </a:schemeClr>
-                    </a:solidFill>
-                  </a:tcPr>
-                </a:tc>
-                <a:tc>
-                  <a:txBody>
-                    <a:bodyPr/>
-                    <a:lstStyle/>
-                    <a:p>
-                      <a:pPr algn="ctr"/>
-                      <a:r>
-                        <a:rPr lang="es-EC" sz="1050" b="0" smtClean="0">
-                          <a:solidFill>
-                            <a:schemeClr val="accent6">
-                              <a:lumMod val="75000"/>
-                            </a:schemeClr>
-                          </a:solidFill>
-                        </a:rPr>
-                        <a:t>data</a:t>
-                      </a:r>
-                      <a:endParaRPr lang="es-EC" sz="1050" b="0" dirty="0">
-                        <a:solidFill>
-                          <a:schemeClr val="accent6">
-                            <a:lumMod val="75000"/>
-                          </a:schemeClr>
-                        </a:solidFill>
-                      </a:endParaRPr>
-                    </a:p>
-                  </a:txBody>
-                  <a:tcPr anchor="ctr">
-                    <a:solidFill>
-                      <a:schemeClr val="accent5">
-                        <a:lumMod val="60000"/>
-                        <a:lumOff val="40000"/>
-                      </a:schemeClr>
-                    </a:solidFill>
-                  </a:tcPr>
-                </a:tc>
-                <a:tc>
-                  <a:txBody>
-                    <a:bodyPr/>
-                    <a:lstStyle/>
-                    <a:p>
-                      <a:pPr algn="ctr"/>
-                      <a:r>
-                        <a:rPr lang="es-EC" sz="1050" b="0" dirty="0" smtClean="0">
-                          <a:solidFill>
-                            <a:schemeClr val="accent6">
-                              <a:lumMod val="75000"/>
-                            </a:schemeClr>
-                          </a:solidFill>
-                        </a:rPr>
-                        <a:t>data</a:t>
-                      </a:r>
-                      <a:endParaRPr lang="es-EC" sz="1050" b="0" dirty="0">
-                        <a:solidFill>
-                          <a:schemeClr val="accent6">
-                            <a:lumMod val="75000"/>
-                          </a:schemeClr>
-                        </a:solidFill>
-                      </a:endParaRPr>
-                    </a:p>
-                  </a:txBody>
-                  <a:tcPr anchor="ctr">
-                    <a:solidFill>
-                      <a:schemeClr val="accent5">
-                        <a:lumMod val="60000"/>
-                        <a:lumOff val="40000"/>
-                      </a:schemeClr>
-                    </a:solidFill>
-                  </a:tcPr>
-                </a:tc>
-              </a:tr>
-              <a:tr h="237599">
-                <a:tc>
-                  <a:txBody>
-                    <a:bodyPr/>
-                    <a:lstStyle/>
-                    <a:p>
-                      <a:pPr algn="ctr"/>
-                      <a:r>
-                        <a:rPr lang="es-EC" sz="1050" b="0" smtClean="0">
-                          <a:solidFill>
-                            <a:schemeClr val="accent6">
-                              <a:lumMod val="75000"/>
-                            </a:schemeClr>
-                          </a:solidFill>
-                        </a:rPr>
-                        <a:t>data</a:t>
-                      </a:r>
-                      <a:endParaRPr lang="es-EC" sz="1050" b="0" dirty="0">
-                        <a:solidFill>
-                          <a:schemeClr val="accent6">
-                            <a:lumMod val="75000"/>
-                          </a:schemeClr>
-                        </a:solidFill>
-                      </a:endParaRPr>
-                    </a:p>
-                  </a:txBody>
-                  <a:tcPr anchor="ctr">
-                    <a:solidFill>
-                      <a:schemeClr val="accent5">
-                        <a:lumMod val="60000"/>
-                        <a:lumOff val="40000"/>
-                      </a:schemeClr>
-                    </a:solidFill>
-                  </a:tcPr>
-                </a:tc>
-                <a:tc>
-                  <a:txBody>
-                    <a:bodyPr/>
-                    <a:lstStyle/>
-                    <a:p>
-                      <a:pPr algn="ctr"/>
-                      <a:r>
-                        <a:rPr lang="es-EC" sz="1050" b="0" smtClean="0">
-                          <a:solidFill>
-                            <a:schemeClr val="accent6">
-                              <a:lumMod val="75000"/>
-                            </a:schemeClr>
-                          </a:solidFill>
-                        </a:rPr>
-                        <a:t>data</a:t>
-                      </a:r>
-                      <a:endParaRPr lang="es-EC" sz="1050" b="0" dirty="0">
-                        <a:solidFill>
-                          <a:schemeClr val="accent6">
-                            <a:lumMod val="75000"/>
-                          </a:schemeClr>
-                        </a:solidFill>
-                      </a:endParaRPr>
-                    </a:p>
-                  </a:txBody>
-                  <a:tcPr anchor="ctr">
-                    <a:solidFill>
-                      <a:schemeClr val="accent5">
-                        <a:lumMod val="60000"/>
-                        <a:lumOff val="40000"/>
-                      </a:schemeClr>
-                    </a:solidFill>
-                  </a:tcPr>
-                </a:tc>
-                <a:tc>
-                  <a:txBody>
-                    <a:bodyPr/>
-                    <a:lstStyle/>
-                    <a:p>
-                      <a:pPr algn="ctr"/>
-                      <a:r>
-                        <a:rPr lang="es-EC" sz="1050" b="0" smtClean="0">
-                          <a:solidFill>
-                            <a:schemeClr val="accent6">
-                              <a:lumMod val="75000"/>
-                            </a:schemeClr>
-                          </a:solidFill>
-                        </a:rPr>
-                        <a:t>data</a:t>
-                      </a:r>
-                      <a:endParaRPr lang="es-EC" sz="1050" b="0" dirty="0">
-                        <a:solidFill>
-                          <a:schemeClr val="accent6">
-                            <a:lumMod val="75000"/>
-                          </a:schemeClr>
-                        </a:solidFill>
-                      </a:endParaRPr>
-                    </a:p>
-                  </a:txBody>
-                  <a:tcPr anchor="ctr">
-                    <a:solidFill>
-                      <a:schemeClr val="accent5">
-                        <a:lumMod val="60000"/>
-                        <a:lumOff val="40000"/>
-                      </a:schemeClr>
-                    </a:solidFill>
-                  </a:tcPr>
-                </a:tc>
-                <a:tc>
-                  <a:txBody>
-                    <a:bodyPr/>
-                    <a:lstStyle/>
-                    <a:p>
-                      <a:pPr algn="ctr"/>
-                      <a:r>
-                        <a:rPr lang="es-EC" sz="1050" b="0" dirty="0" err="1" smtClean="0">
-                          <a:solidFill>
-                            <a:schemeClr val="accent6">
-                              <a:lumMod val="75000"/>
-                            </a:schemeClr>
-                          </a:solidFill>
-                        </a:rPr>
-                        <a:t>NaN</a:t>
-                      </a:r>
-                      <a:endParaRPr lang="es-EC" sz="1050" b="0" dirty="0">
-                        <a:solidFill>
-                          <a:schemeClr val="accent6">
-                            <a:lumMod val="75000"/>
-                          </a:schemeClr>
-                        </a:solidFill>
-                      </a:endParaRPr>
-                    </a:p>
-                  </a:txBody>
-                  <a:tcPr anchor="ctr">
-                    <a:solidFill>
-                      <a:schemeClr val="accent2">
-                        <a:lumMod val="60000"/>
-                        <a:lumOff val="40000"/>
-                      </a:schemeClr>
-                    </a:solidFill>
-                  </a:tcPr>
-                </a:tc>
-                <a:tc>
-                  <a:txBody>
-                    <a:bodyPr/>
-                    <a:lstStyle/>
-                    <a:p>
-                      <a:pPr algn="ctr"/>
-                      <a:r>
-                        <a:rPr lang="es-EC" sz="1050" b="0" dirty="0" smtClean="0">
-                          <a:solidFill>
-                            <a:schemeClr val="accent6">
-                              <a:lumMod val="75000"/>
-                            </a:schemeClr>
-                          </a:solidFill>
-                        </a:rPr>
-                        <a:t>….</a:t>
-                      </a:r>
-                      <a:endParaRPr lang="es-EC" sz="1050" b="0" dirty="0">
-                        <a:solidFill>
-                          <a:schemeClr val="accent6">
-                            <a:lumMod val="75000"/>
-                          </a:schemeClr>
-                        </a:solidFill>
-                      </a:endParaRPr>
-                    </a:p>
-                  </a:txBody>
-                  <a:tcPr anchor="ctr">
-                    <a:solidFill>
-                      <a:schemeClr val="accent5">
-                        <a:lumMod val="60000"/>
-                        <a:lumOff val="40000"/>
-                      </a:schemeClr>
-                    </a:solidFill>
-                  </a:tcPr>
-                </a:tc>
-                <a:tc>
-                  <a:txBody>
-                    <a:bodyPr/>
-                    <a:lstStyle/>
-                    <a:p>
-                      <a:pPr algn="ctr"/>
-                      <a:r>
-                        <a:rPr lang="es-EC" sz="1050" b="0" smtClean="0">
-                          <a:solidFill>
-                            <a:schemeClr val="accent6">
-                              <a:lumMod val="75000"/>
-                            </a:schemeClr>
-                          </a:solidFill>
-                        </a:rPr>
-                        <a:t>data</a:t>
-                      </a:r>
-                      <a:endParaRPr lang="es-EC" sz="1050" b="0" dirty="0">
-                        <a:solidFill>
-                          <a:schemeClr val="accent6">
-                            <a:lumMod val="75000"/>
-                          </a:schemeClr>
-                        </a:solidFill>
-                      </a:endParaRPr>
-                    </a:p>
-                  </a:txBody>
-                  <a:tcPr anchor="ctr">
-                    <a:solidFill>
-                      <a:schemeClr val="accent5">
-                        <a:lumMod val="60000"/>
-                        <a:lumOff val="40000"/>
-                      </a:schemeClr>
-                    </a:solidFill>
-                  </a:tcPr>
-                </a:tc>
-                <a:tc>
-                  <a:txBody>
-                    <a:bodyPr/>
-                    <a:lstStyle/>
-                    <a:p>
-                      <a:pPr algn="ctr"/>
-                      <a:r>
-                        <a:rPr lang="es-EC" sz="1050" b="0" smtClean="0">
-                          <a:solidFill>
-                            <a:schemeClr val="accent6">
-                              <a:lumMod val="75000"/>
-                            </a:schemeClr>
-                          </a:solidFill>
-                        </a:rPr>
-                        <a:t>data</a:t>
-                      </a:r>
-                      <a:endParaRPr lang="es-EC" sz="1050" b="0" dirty="0">
-                        <a:solidFill>
-                          <a:schemeClr val="accent6">
-                            <a:lumMod val="75000"/>
-                          </a:schemeClr>
-                        </a:solidFill>
-                      </a:endParaRPr>
-                    </a:p>
-                  </a:txBody>
-                  <a:tcPr anchor="ctr">
-                    <a:solidFill>
-                      <a:schemeClr val="accent5">
-                        <a:lumMod val="60000"/>
-                        <a:lumOff val="40000"/>
-                      </a:schemeClr>
-                    </a:solidFill>
-                  </a:tcPr>
-                </a:tc>
-                <a:tc>
-                  <a:txBody>
-                    <a:bodyPr/>
-                    <a:lstStyle/>
-                    <a:p>
-                      <a:pPr algn="ctr"/>
-                      <a:r>
-                        <a:rPr lang="es-EC" sz="1050" b="0" smtClean="0">
-                          <a:solidFill>
-                            <a:schemeClr val="accent6">
-                              <a:lumMod val="75000"/>
-                            </a:schemeClr>
-                          </a:solidFill>
-                        </a:rPr>
-                        <a:t>data</a:t>
-                      </a:r>
-                      <a:endParaRPr lang="es-EC" sz="1050" b="0" dirty="0">
-                        <a:solidFill>
-                          <a:schemeClr val="accent6">
-                            <a:lumMod val="75000"/>
-                          </a:schemeClr>
-                        </a:solidFill>
-                      </a:endParaRPr>
-                    </a:p>
-                  </a:txBody>
-                  <a:tcPr anchor="ctr">
-                    <a:solidFill>
-                      <a:schemeClr val="accent5">
-                        <a:lumMod val="60000"/>
-                        <a:lumOff val="40000"/>
-                      </a:schemeClr>
-                    </a:solidFill>
-                  </a:tcPr>
-                </a:tc>
-                <a:tc>
-                  <a:txBody>
-                    <a:bodyPr/>
-                    <a:lstStyle/>
-                    <a:p>
-                      <a:pPr algn="ctr"/>
-                      <a:r>
-                        <a:rPr lang="es-EC" sz="1050" b="0" smtClean="0">
-                          <a:solidFill>
-                            <a:schemeClr val="accent6">
-                              <a:lumMod val="75000"/>
-                            </a:schemeClr>
-                          </a:solidFill>
-                        </a:rPr>
-                        <a:t>NaN</a:t>
-                      </a:r>
-                      <a:endParaRPr lang="es-EC" sz="1050" b="0" dirty="0">
-                        <a:solidFill>
-                          <a:schemeClr val="accent6">
-                            <a:lumMod val="75000"/>
-                          </a:schemeClr>
-                        </a:solidFill>
-                      </a:endParaRPr>
-                    </a:p>
-                  </a:txBody>
-                  <a:tcPr anchor="ctr">
-                    <a:solidFill>
-                      <a:schemeClr val="accent2">
-                        <a:lumMod val="60000"/>
-                        <a:lumOff val="40000"/>
-                      </a:schemeClr>
-                    </a:solidFill>
-                  </a:tcPr>
-                </a:tc>
-                <a:tc>
-                  <a:txBody>
-                    <a:bodyPr/>
-                    <a:lstStyle/>
-                    <a:p>
-                      <a:pPr algn="ctr"/>
-                      <a:r>
-                        <a:rPr lang="es-EC" sz="1050" b="0" dirty="0" err="1" smtClean="0">
-                          <a:solidFill>
-                            <a:schemeClr val="accent6">
-                              <a:lumMod val="75000"/>
-                            </a:schemeClr>
-                          </a:solidFill>
-                        </a:rPr>
-                        <a:t>NaN</a:t>
-                      </a:r>
-                      <a:endParaRPr lang="es-EC" sz="1050" b="0" dirty="0">
-                        <a:solidFill>
-                          <a:schemeClr val="accent6">
-                            <a:lumMod val="75000"/>
-                          </a:schemeClr>
-                        </a:solidFill>
-                      </a:endParaRPr>
-                    </a:p>
-                  </a:txBody>
-                  <a:tcPr anchor="ctr">
-                    <a:solidFill>
-                      <a:schemeClr val="accent2">
-                        <a:lumMod val="60000"/>
-                        <a:lumOff val="40000"/>
-                      </a:schemeClr>
-                    </a:solidFill>
-                  </a:tcPr>
-                </a:tc>
-              </a:tr>
-              <a:tr h="237599">
-                <a:tc>
-                  <a:txBody>
-                    <a:bodyPr/>
-                    <a:lstStyle/>
-                    <a:p>
-                      <a:pPr algn="ctr"/>
-                      <a:r>
-                        <a:rPr lang="es-EC" sz="1050" b="0" smtClean="0">
-                          <a:solidFill>
-                            <a:schemeClr val="accent6">
-                              <a:lumMod val="75000"/>
-                            </a:schemeClr>
-                          </a:solidFill>
-                        </a:rPr>
-                        <a:t>data</a:t>
-                      </a:r>
-                      <a:endParaRPr lang="es-EC" sz="1050" b="0" dirty="0">
-                        <a:solidFill>
-                          <a:schemeClr val="accent6">
-                            <a:lumMod val="75000"/>
-                          </a:schemeClr>
-                        </a:solidFill>
-                      </a:endParaRPr>
-                    </a:p>
-                  </a:txBody>
-                  <a:tcPr anchor="ctr">
-                    <a:solidFill>
-                      <a:schemeClr val="accent5">
-                        <a:lumMod val="60000"/>
-                        <a:lumOff val="40000"/>
-                      </a:schemeClr>
-                    </a:solidFill>
-                  </a:tcPr>
-                </a:tc>
-                <a:tc>
-                  <a:txBody>
-                    <a:bodyPr/>
-                    <a:lstStyle/>
-                    <a:p>
-                      <a:pPr algn="ctr"/>
-                      <a:r>
-                        <a:rPr lang="es-EC" sz="1050" b="0" smtClean="0">
-                          <a:solidFill>
-                            <a:schemeClr val="accent6">
-                              <a:lumMod val="75000"/>
-                            </a:schemeClr>
-                          </a:solidFill>
-                        </a:rPr>
-                        <a:t>data</a:t>
-                      </a:r>
-                      <a:endParaRPr lang="es-EC" sz="1050" b="0" dirty="0">
-                        <a:solidFill>
-                          <a:schemeClr val="accent6">
-                            <a:lumMod val="75000"/>
-                          </a:schemeClr>
-                        </a:solidFill>
-                      </a:endParaRPr>
-                    </a:p>
-                  </a:txBody>
-                  <a:tcPr anchor="ctr">
-                    <a:solidFill>
-                      <a:schemeClr val="accent5">
-                        <a:lumMod val="60000"/>
-                        <a:lumOff val="40000"/>
-                      </a:schemeClr>
-                    </a:solidFill>
-                  </a:tcPr>
-                </a:tc>
-                <a:tc>
-                  <a:txBody>
-                    <a:bodyPr/>
-                    <a:lstStyle/>
-                    <a:p>
-                      <a:pPr algn="ctr"/>
-                      <a:r>
-                        <a:rPr lang="es-EC" sz="1050" b="0" smtClean="0">
-                          <a:solidFill>
-                            <a:schemeClr val="accent6">
-                              <a:lumMod val="75000"/>
-                            </a:schemeClr>
-                          </a:solidFill>
-                        </a:rPr>
-                        <a:t>data</a:t>
-                      </a:r>
-                      <a:endParaRPr lang="es-EC" sz="1050" b="0" dirty="0">
-                        <a:solidFill>
-                          <a:schemeClr val="accent6">
-                            <a:lumMod val="75000"/>
-                          </a:schemeClr>
-                        </a:solidFill>
-                      </a:endParaRPr>
-                    </a:p>
-                  </a:txBody>
-                  <a:tcPr anchor="ctr">
-                    <a:solidFill>
-                      <a:schemeClr val="accent5">
-                        <a:lumMod val="60000"/>
-                        <a:lumOff val="40000"/>
-                      </a:schemeClr>
-                    </a:solidFill>
-                  </a:tcPr>
-                </a:tc>
-                <a:tc>
-                  <a:txBody>
-                    <a:bodyPr/>
-                    <a:lstStyle/>
-                    <a:p>
-                      <a:pPr algn="ctr"/>
-                      <a:r>
-                        <a:rPr lang="es-EC" sz="1050" b="0" smtClean="0">
-                          <a:solidFill>
-                            <a:schemeClr val="accent6">
-                              <a:lumMod val="75000"/>
-                            </a:schemeClr>
-                          </a:solidFill>
-                        </a:rPr>
-                        <a:t>data</a:t>
-                      </a:r>
-                      <a:endParaRPr lang="es-EC" sz="1050" b="0" dirty="0">
-                        <a:solidFill>
-                          <a:schemeClr val="accent6">
-                            <a:lumMod val="75000"/>
-                          </a:schemeClr>
-                        </a:solidFill>
-                      </a:endParaRPr>
-                    </a:p>
-                  </a:txBody>
-                  <a:tcPr anchor="ctr">
-                    <a:solidFill>
-                      <a:schemeClr val="accent5">
-                        <a:lumMod val="60000"/>
-                        <a:lumOff val="40000"/>
-                      </a:schemeClr>
-                    </a:solidFill>
-                  </a:tcPr>
-                </a:tc>
-                <a:tc>
-                  <a:txBody>
-                    <a:bodyPr/>
-                    <a:lstStyle/>
-                    <a:p>
-                      <a:pPr algn="ctr"/>
-                      <a:r>
-                        <a:rPr lang="es-EC" sz="1050" b="0" dirty="0" smtClean="0">
-                          <a:solidFill>
-                            <a:schemeClr val="accent6">
-                              <a:lumMod val="75000"/>
-                            </a:schemeClr>
-                          </a:solidFill>
-                        </a:rPr>
-                        <a:t>….</a:t>
-                      </a:r>
-                      <a:endParaRPr lang="es-EC" sz="1050" b="0" dirty="0">
-                        <a:solidFill>
-                          <a:schemeClr val="accent6">
-                            <a:lumMod val="75000"/>
-                          </a:schemeClr>
-                        </a:solidFill>
-                      </a:endParaRPr>
-                    </a:p>
-                  </a:txBody>
-                  <a:tcPr anchor="ctr">
-                    <a:solidFill>
-                      <a:schemeClr val="accent5">
-                        <a:lumMod val="60000"/>
-                        <a:lumOff val="40000"/>
-                      </a:schemeClr>
-                    </a:solidFill>
-                  </a:tcPr>
-                </a:tc>
-                <a:tc>
-                  <a:txBody>
-                    <a:bodyPr/>
-                    <a:lstStyle/>
-                    <a:p>
-                      <a:pPr algn="ctr"/>
-                      <a:r>
-                        <a:rPr lang="es-EC" sz="1050" b="0" smtClean="0">
-                          <a:solidFill>
-                            <a:schemeClr val="accent6">
-                              <a:lumMod val="75000"/>
-                            </a:schemeClr>
-                          </a:solidFill>
-                        </a:rPr>
-                        <a:t>data</a:t>
-                      </a:r>
-                      <a:endParaRPr lang="es-EC" sz="1050" b="0" dirty="0">
-                        <a:solidFill>
-                          <a:schemeClr val="accent6">
-                            <a:lumMod val="75000"/>
-                          </a:schemeClr>
-                        </a:solidFill>
-                      </a:endParaRPr>
-                    </a:p>
-                  </a:txBody>
-                  <a:tcPr anchor="ctr">
-                    <a:solidFill>
-                      <a:schemeClr val="accent5">
-                        <a:lumMod val="60000"/>
-                        <a:lumOff val="40000"/>
-                      </a:schemeClr>
-                    </a:solidFill>
-                  </a:tcPr>
-                </a:tc>
-                <a:tc>
-                  <a:txBody>
-                    <a:bodyPr/>
-                    <a:lstStyle/>
-                    <a:p>
-                      <a:pPr algn="ctr"/>
-                      <a:r>
-                        <a:rPr lang="es-EC" sz="1050" b="0" smtClean="0">
-                          <a:solidFill>
-                            <a:schemeClr val="accent6">
-                              <a:lumMod val="75000"/>
-                            </a:schemeClr>
-                          </a:solidFill>
-                        </a:rPr>
-                        <a:t>data</a:t>
-                      </a:r>
-                      <a:endParaRPr lang="es-EC" sz="1050" b="0" dirty="0">
-                        <a:solidFill>
-                          <a:schemeClr val="accent6">
-                            <a:lumMod val="75000"/>
-                          </a:schemeClr>
-                        </a:solidFill>
-                      </a:endParaRPr>
-                    </a:p>
-                  </a:txBody>
-                  <a:tcPr anchor="ctr">
-                    <a:solidFill>
-                      <a:schemeClr val="accent5">
-                        <a:lumMod val="60000"/>
-                        <a:lumOff val="40000"/>
-                      </a:schemeClr>
-                    </a:solidFill>
-                  </a:tcPr>
-                </a:tc>
-                <a:tc>
-                  <a:txBody>
-                    <a:bodyPr/>
-                    <a:lstStyle/>
-                    <a:p>
-                      <a:pPr algn="ctr"/>
-                      <a:r>
-                        <a:rPr lang="es-EC" sz="1050" b="0" smtClean="0">
-                          <a:solidFill>
-                            <a:schemeClr val="accent6">
-                              <a:lumMod val="75000"/>
-                            </a:schemeClr>
-                          </a:solidFill>
-                        </a:rPr>
-                        <a:t>data</a:t>
-                      </a:r>
-                      <a:endParaRPr lang="es-EC" sz="1050" b="0" dirty="0">
-                        <a:solidFill>
-                          <a:schemeClr val="accent6">
-                            <a:lumMod val="75000"/>
-                          </a:schemeClr>
-                        </a:solidFill>
-                      </a:endParaRPr>
-                    </a:p>
-                  </a:txBody>
-                  <a:tcPr anchor="ctr">
-                    <a:solidFill>
-                      <a:schemeClr val="accent5">
-                        <a:lumMod val="60000"/>
-                        <a:lumOff val="40000"/>
-                      </a:schemeClr>
-                    </a:solidFill>
-                  </a:tcPr>
-                </a:tc>
-                <a:tc>
-                  <a:txBody>
-                    <a:bodyPr/>
-                    <a:lstStyle/>
-                    <a:p>
-                      <a:pPr marL="0" marR="0" lvl="0" indent="0" algn="ctr" defTabSz="914400" rtl="0" eaLnBrk="1" fontAlgn="auto" latinLnBrk="0" hangingPunct="1">
-                        <a:lnSpc>
-                          <a:spcPct val="100000"/>
-                        </a:lnSpc>
-                        <a:spcBef>
-                          <a:spcPts val="0"/>
-                        </a:spcBef>
-                        <a:spcAft>
-                          <a:spcPts val="0"/>
-                        </a:spcAft>
-                        <a:buClrTx/>
-                        <a:buSzTx/>
-                        <a:buFontTx/>
-                        <a:buNone/>
-                        <a:tabLst/>
-                        <a:defRPr/>
-                      </a:pPr>
-                      <a:r>
-                        <a:rPr lang="es-EC" sz="1050" b="0" dirty="0" err="1" smtClean="0">
-                          <a:solidFill>
-                            <a:schemeClr val="accent6">
-                              <a:lumMod val="75000"/>
-                            </a:schemeClr>
-                          </a:solidFill>
-                        </a:rPr>
-                        <a:t>NaN</a:t>
-                      </a:r>
-                      <a:endParaRPr lang="es-EC" sz="1050" b="0" dirty="0" smtClean="0">
-                        <a:solidFill>
-                          <a:schemeClr val="accent6">
-                            <a:lumMod val="75000"/>
-                          </a:schemeClr>
-                        </a:solidFill>
-                      </a:endParaRPr>
-                    </a:p>
-                  </a:txBody>
-                  <a:tcPr anchor="ctr">
-                    <a:solidFill>
-                      <a:schemeClr val="accent2">
-                        <a:lumMod val="60000"/>
-                        <a:lumOff val="40000"/>
-                      </a:schemeClr>
-                    </a:solidFill>
-                  </a:tcPr>
-                </a:tc>
-                <a:tc>
-                  <a:txBody>
-                    <a:bodyPr/>
-                    <a:lstStyle/>
-                    <a:p>
-                      <a:pPr marL="0" marR="0" lvl="0" indent="0" algn="ctr" defTabSz="914400" rtl="0" eaLnBrk="1" fontAlgn="auto" latinLnBrk="0" hangingPunct="1">
-                        <a:lnSpc>
-                          <a:spcPct val="100000"/>
-                        </a:lnSpc>
-                        <a:spcBef>
-                          <a:spcPts val="0"/>
-                        </a:spcBef>
-                        <a:spcAft>
-                          <a:spcPts val="0"/>
-                        </a:spcAft>
-                        <a:buClrTx/>
-                        <a:buSzTx/>
-                        <a:buFontTx/>
-                        <a:buNone/>
-                        <a:tabLst/>
-                        <a:defRPr/>
-                      </a:pPr>
-                      <a:r>
-                        <a:rPr lang="es-EC" sz="1050" b="0" dirty="0" smtClean="0">
-                          <a:solidFill>
-                            <a:schemeClr val="accent6">
-                              <a:lumMod val="75000"/>
-                            </a:schemeClr>
-                          </a:solidFill>
-                        </a:rPr>
-                        <a:t>data</a:t>
-                      </a:r>
-                    </a:p>
-                  </a:txBody>
-                  <a:tcPr anchor="ctr">
-                    <a:solidFill>
-                      <a:schemeClr val="accent5">
-                        <a:lumMod val="60000"/>
-                        <a:lumOff val="40000"/>
-                      </a:schemeClr>
-                    </a:solidFill>
-                  </a:tcPr>
-                </a:tc>
-              </a:tr>
-              <a:tr h="237599">
-                <a:tc>
-                  <a:txBody>
-                    <a:bodyPr/>
-                    <a:lstStyle/>
-                    <a:p>
-                      <a:pPr algn="ctr"/>
-                      <a:r>
-                        <a:rPr lang="es-EC" sz="1050" b="0" smtClean="0">
-                          <a:solidFill>
-                            <a:schemeClr val="accent6">
-                              <a:lumMod val="75000"/>
-                            </a:schemeClr>
-                          </a:solidFill>
-                        </a:rPr>
-                        <a:t>data</a:t>
-                      </a:r>
-                      <a:endParaRPr lang="es-EC" sz="1050" b="0" dirty="0">
-                        <a:solidFill>
-                          <a:schemeClr val="accent6">
-                            <a:lumMod val="75000"/>
-                          </a:schemeClr>
-                        </a:solidFill>
-                      </a:endParaRPr>
-                    </a:p>
-                  </a:txBody>
-                  <a:tcPr anchor="ctr">
-                    <a:solidFill>
-                      <a:schemeClr val="accent5">
-                        <a:lumMod val="60000"/>
-                        <a:lumOff val="40000"/>
-                      </a:schemeClr>
-                    </a:solidFill>
-                  </a:tcPr>
-                </a:tc>
-                <a:tc>
-                  <a:txBody>
-                    <a:bodyPr/>
-                    <a:lstStyle/>
-                    <a:p>
-                      <a:pPr algn="ctr"/>
-                      <a:r>
-                        <a:rPr lang="es-EC" sz="1050" b="0" smtClean="0">
-                          <a:solidFill>
-                            <a:schemeClr val="accent6">
-                              <a:lumMod val="75000"/>
-                            </a:schemeClr>
-                          </a:solidFill>
-                        </a:rPr>
-                        <a:t>data</a:t>
-                      </a:r>
-                      <a:endParaRPr lang="es-EC" sz="1050" b="0" dirty="0">
-                        <a:solidFill>
-                          <a:schemeClr val="accent6">
-                            <a:lumMod val="75000"/>
-                          </a:schemeClr>
-                        </a:solidFill>
-                      </a:endParaRPr>
-                    </a:p>
-                  </a:txBody>
-                  <a:tcPr anchor="ctr">
-                    <a:solidFill>
-                      <a:schemeClr val="accent5">
-                        <a:lumMod val="60000"/>
-                        <a:lumOff val="40000"/>
-                      </a:schemeClr>
-                    </a:solidFill>
-                  </a:tcPr>
-                </a:tc>
-                <a:tc>
-                  <a:txBody>
-                    <a:bodyPr/>
-                    <a:lstStyle/>
-                    <a:p>
-                      <a:pPr algn="ctr"/>
-                      <a:r>
-                        <a:rPr lang="es-EC" sz="1050" b="0" smtClean="0">
-                          <a:solidFill>
-                            <a:schemeClr val="accent6">
-                              <a:lumMod val="75000"/>
-                            </a:schemeClr>
-                          </a:solidFill>
-                        </a:rPr>
-                        <a:t>data</a:t>
-                      </a:r>
-                      <a:endParaRPr lang="es-EC" sz="1050" b="0" dirty="0">
-                        <a:solidFill>
-                          <a:schemeClr val="accent6">
-                            <a:lumMod val="75000"/>
-                          </a:schemeClr>
-                        </a:solidFill>
-                      </a:endParaRPr>
-                    </a:p>
-                  </a:txBody>
-                  <a:tcPr anchor="ctr">
-                    <a:solidFill>
-                      <a:schemeClr val="accent5">
-                        <a:lumMod val="60000"/>
-                        <a:lumOff val="40000"/>
-                      </a:schemeClr>
-                    </a:solidFill>
-                  </a:tcPr>
-                </a:tc>
-                <a:tc>
-                  <a:txBody>
-                    <a:bodyPr/>
-                    <a:lstStyle/>
-                    <a:p>
-                      <a:pPr algn="ctr"/>
-                      <a:r>
-                        <a:rPr lang="es-EC" sz="1050" b="0" smtClean="0">
-                          <a:solidFill>
-                            <a:schemeClr val="accent6">
-                              <a:lumMod val="75000"/>
-                            </a:schemeClr>
-                          </a:solidFill>
-                        </a:rPr>
-                        <a:t>data</a:t>
-                      </a:r>
-                      <a:endParaRPr lang="es-EC" sz="1050" b="0" dirty="0">
-                        <a:solidFill>
-                          <a:schemeClr val="accent6">
-                            <a:lumMod val="75000"/>
-                          </a:schemeClr>
-                        </a:solidFill>
-                      </a:endParaRPr>
-                    </a:p>
-                  </a:txBody>
-                  <a:tcPr anchor="ctr">
-                    <a:solidFill>
-                      <a:schemeClr val="accent5">
-                        <a:lumMod val="60000"/>
-                        <a:lumOff val="40000"/>
-                      </a:schemeClr>
-                    </a:solidFill>
-                  </a:tcPr>
-                </a:tc>
-                <a:tc>
-                  <a:txBody>
-                    <a:bodyPr/>
-                    <a:lstStyle/>
-                    <a:p>
-                      <a:pPr algn="ctr"/>
-                      <a:r>
-                        <a:rPr lang="es-EC" sz="1050" b="0" dirty="0" smtClean="0">
-                          <a:solidFill>
-                            <a:schemeClr val="accent6">
-                              <a:lumMod val="75000"/>
-                            </a:schemeClr>
-                          </a:solidFill>
-                        </a:rPr>
-                        <a:t>….</a:t>
-                      </a:r>
-                      <a:endParaRPr lang="es-EC" sz="1050" b="0" dirty="0">
-                        <a:solidFill>
-                          <a:schemeClr val="accent6">
-                            <a:lumMod val="75000"/>
-                          </a:schemeClr>
-                        </a:solidFill>
-                      </a:endParaRPr>
-                    </a:p>
-                  </a:txBody>
-                  <a:tcPr anchor="ctr">
-                    <a:solidFill>
-                      <a:schemeClr val="accent5">
-                        <a:lumMod val="60000"/>
-                        <a:lumOff val="40000"/>
-                      </a:schemeClr>
-                    </a:solidFill>
-                  </a:tcPr>
-                </a:tc>
-                <a:tc>
-                  <a:txBody>
-                    <a:bodyPr/>
-                    <a:lstStyle/>
-                    <a:p>
-                      <a:pPr algn="ctr"/>
-                      <a:r>
-                        <a:rPr lang="es-EC" sz="1050" b="0" smtClean="0">
-                          <a:solidFill>
-                            <a:schemeClr val="accent6">
-                              <a:lumMod val="75000"/>
-                            </a:schemeClr>
-                          </a:solidFill>
-                        </a:rPr>
-                        <a:t>data</a:t>
-                      </a:r>
-                      <a:endParaRPr lang="es-EC" sz="1050" b="0" dirty="0">
-                        <a:solidFill>
-                          <a:schemeClr val="accent6">
-                            <a:lumMod val="75000"/>
-                          </a:schemeClr>
-                        </a:solidFill>
-                      </a:endParaRPr>
-                    </a:p>
-                  </a:txBody>
-                  <a:tcPr anchor="ctr">
-                    <a:solidFill>
-                      <a:schemeClr val="accent5">
-                        <a:lumMod val="60000"/>
-                        <a:lumOff val="40000"/>
-                      </a:schemeClr>
-                    </a:solidFill>
-                  </a:tcPr>
-                </a:tc>
-                <a:tc>
-                  <a:txBody>
-                    <a:bodyPr/>
-                    <a:lstStyle/>
-                    <a:p>
-                      <a:pPr algn="ctr"/>
-                      <a:r>
-                        <a:rPr lang="es-EC" sz="1050" b="0" smtClean="0">
-                          <a:solidFill>
-                            <a:schemeClr val="accent6">
-                              <a:lumMod val="75000"/>
-                            </a:schemeClr>
-                          </a:solidFill>
-                        </a:rPr>
-                        <a:t>data</a:t>
-                      </a:r>
-                      <a:endParaRPr lang="es-EC" sz="1050" b="0" dirty="0">
-                        <a:solidFill>
-                          <a:schemeClr val="accent6">
-                            <a:lumMod val="75000"/>
-                          </a:schemeClr>
-                        </a:solidFill>
-                      </a:endParaRPr>
-                    </a:p>
-                  </a:txBody>
-                  <a:tcPr anchor="ctr">
-                    <a:solidFill>
-                      <a:schemeClr val="accent5">
-                        <a:lumMod val="60000"/>
-                        <a:lumOff val="40000"/>
-                      </a:schemeClr>
-                    </a:solidFill>
-                  </a:tcPr>
-                </a:tc>
-                <a:tc>
-                  <a:txBody>
-                    <a:bodyPr/>
-                    <a:lstStyle/>
-                    <a:p>
-                      <a:pPr algn="ctr"/>
-                      <a:r>
-                        <a:rPr lang="es-EC" sz="1050" b="0" smtClean="0">
-                          <a:solidFill>
-                            <a:schemeClr val="accent6">
-                              <a:lumMod val="75000"/>
-                            </a:schemeClr>
-                          </a:solidFill>
-                        </a:rPr>
-                        <a:t>data</a:t>
-                      </a:r>
-                      <a:endParaRPr lang="es-EC" sz="1050" b="0" dirty="0">
-                        <a:solidFill>
-                          <a:schemeClr val="accent6">
-                            <a:lumMod val="75000"/>
-                          </a:schemeClr>
-                        </a:solidFill>
-                      </a:endParaRPr>
-                    </a:p>
-                  </a:txBody>
-                  <a:tcPr anchor="ctr">
-                    <a:solidFill>
-                      <a:schemeClr val="accent5">
-                        <a:lumMod val="60000"/>
-                        <a:lumOff val="40000"/>
-                      </a:schemeClr>
-                    </a:solidFill>
-                  </a:tcPr>
-                </a:tc>
-                <a:tc>
-                  <a:txBody>
-                    <a:bodyPr/>
-                    <a:lstStyle/>
-                    <a:p>
-                      <a:pPr algn="ctr"/>
-                      <a:r>
-                        <a:rPr lang="es-EC" sz="1050" b="0" smtClean="0">
-                          <a:solidFill>
-                            <a:schemeClr val="accent6">
-                              <a:lumMod val="75000"/>
-                            </a:schemeClr>
-                          </a:solidFill>
-                        </a:rPr>
-                        <a:t>NaN</a:t>
-                      </a:r>
-                      <a:endParaRPr lang="es-EC" sz="1050" b="0" dirty="0">
-                        <a:solidFill>
-                          <a:schemeClr val="accent6">
-                            <a:lumMod val="75000"/>
-                          </a:schemeClr>
-                        </a:solidFill>
-                      </a:endParaRPr>
-                    </a:p>
-                  </a:txBody>
-                  <a:tcPr anchor="ctr">
-                    <a:solidFill>
-                      <a:schemeClr val="accent2">
-                        <a:lumMod val="60000"/>
-                        <a:lumOff val="40000"/>
-                      </a:schemeClr>
-                    </a:solidFill>
-                  </a:tcPr>
-                </a:tc>
-                <a:tc>
-                  <a:txBody>
-                    <a:bodyPr/>
-                    <a:lstStyle/>
-                    <a:p>
-                      <a:pPr algn="ctr"/>
-                      <a:r>
-                        <a:rPr lang="es-EC" sz="1050" b="0" dirty="0" err="1" smtClean="0">
-                          <a:solidFill>
-                            <a:schemeClr val="accent6">
-                              <a:lumMod val="75000"/>
-                            </a:schemeClr>
-                          </a:solidFill>
-                        </a:rPr>
-                        <a:t>NaN</a:t>
-                      </a:r>
-                      <a:endParaRPr lang="es-EC" sz="1050" b="0" dirty="0">
-                        <a:solidFill>
-                          <a:schemeClr val="accent6">
-                            <a:lumMod val="75000"/>
-                          </a:schemeClr>
-                        </a:solidFill>
-                      </a:endParaRPr>
-                    </a:p>
-                  </a:txBody>
-                  <a:tcPr anchor="ctr">
-                    <a:solidFill>
-                      <a:schemeClr val="accent2">
-                        <a:lumMod val="60000"/>
-                        <a:lumOff val="40000"/>
-                      </a:schemeClr>
-                    </a:solidFill>
-                  </a:tcPr>
-                </a:tc>
-              </a:tr>
-              <a:tr h="237599">
-                <a:tc>
-                  <a:txBody>
-                    <a:bodyPr/>
-                    <a:lstStyle/>
-                    <a:p>
-                      <a:pPr algn="ctr"/>
-                      <a:r>
-                        <a:rPr lang="es-EC" sz="1050" b="0" smtClean="0">
-                          <a:solidFill>
-                            <a:schemeClr val="accent6">
-                              <a:lumMod val="75000"/>
-                            </a:schemeClr>
-                          </a:solidFill>
-                        </a:rPr>
-                        <a:t>data</a:t>
-                      </a:r>
-                      <a:endParaRPr lang="es-EC" sz="1050" b="0" dirty="0">
-                        <a:solidFill>
-                          <a:schemeClr val="accent6">
-                            <a:lumMod val="75000"/>
-                          </a:schemeClr>
-                        </a:solidFill>
-                      </a:endParaRPr>
-                    </a:p>
-                  </a:txBody>
-                  <a:tcPr anchor="ctr">
-                    <a:solidFill>
-                      <a:schemeClr val="accent5">
-                        <a:lumMod val="60000"/>
-                        <a:lumOff val="40000"/>
-                      </a:schemeClr>
-                    </a:solidFill>
-                  </a:tcPr>
-                </a:tc>
-                <a:tc>
-                  <a:txBody>
-                    <a:bodyPr/>
-                    <a:lstStyle/>
-                    <a:p>
-                      <a:pPr algn="ctr"/>
-                      <a:r>
-                        <a:rPr lang="es-EC" sz="1050" b="0" smtClean="0">
-                          <a:solidFill>
-                            <a:schemeClr val="accent6">
-                              <a:lumMod val="75000"/>
-                            </a:schemeClr>
-                          </a:solidFill>
-                        </a:rPr>
-                        <a:t>data</a:t>
-                      </a:r>
-                      <a:endParaRPr lang="es-EC" sz="1050" b="0" dirty="0">
-                        <a:solidFill>
-                          <a:schemeClr val="accent6">
-                            <a:lumMod val="75000"/>
-                          </a:schemeClr>
-                        </a:solidFill>
-                      </a:endParaRPr>
-                    </a:p>
-                  </a:txBody>
-                  <a:tcPr anchor="ctr">
-                    <a:solidFill>
-                      <a:schemeClr val="accent5">
-                        <a:lumMod val="60000"/>
-                        <a:lumOff val="40000"/>
-                      </a:schemeClr>
-                    </a:solidFill>
-                  </a:tcPr>
-                </a:tc>
-                <a:tc>
-                  <a:txBody>
-                    <a:bodyPr/>
-                    <a:lstStyle/>
-                    <a:p>
-                      <a:pPr algn="ctr"/>
-                      <a:r>
-                        <a:rPr lang="es-EC" sz="1050" b="0" smtClean="0">
-                          <a:solidFill>
-                            <a:schemeClr val="accent6">
-                              <a:lumMod val="75000"/>
-                            </a:schemeClr>
-                          </a:solidFill>
-                        </a:rPr>
-                        <a:t>data</a:t>
-                      </a:r>
-                      <a:endParaRPr lang="es-EC" sz="1050" b="0" dirty="0">
-                        <a:solidFill>
-                          <a:schemeClr val="accent6">
-                            <a:lumMod val="75000"/>
-                          </a:schemeClr>
-                        </a:solidFill>
-                      </a:endParaRPr>
-                    </a:p>
-                  </a:txBody>
-                  <a:tcPr anchor="ctr">
-                    <a:solidFill>
-                      <a:schemeClr val="accent5">
-                        <a:lumMod val="60000"/>
-                        <a:lumOff val="40000"/>
-                      </a:schemeClr>
-                    </a:solidFill>
-                  </a:tcPr>
-                </a:tc>
-                <a:tc>
-                  <a:txBody>
-                    <a:bodyPr/>
-                    <a:lstStyle/>
-                    <a:p>
-                      <a:pPr algn="ctr"/>
-                      <a:r>
-                        <a:rPr lang="es-EC" sz="1050" b="0" smtClean="0">
-                          <a:solidFill>
-                            <a:schemeClr val="accent6">
-                              <a:lumMod val="75000"/>
-                            </a:schemeClr>
-                          </a:solidFill>
-                        </a:rPr>
-                        <a:t>data</a:t>
-                      </a:r>
-                      <a:endParaRPr lang="es-EC" sz="1050" b="0" dirty="0">
-                        <a:solidFill>
-                          <a:schemeClr val="accent6">
-                            <a:lumMod val="75000"/>
-                          </a:schemeClr>
-                        </a:solidFill>
-                      </a:endParaRPr>
-                    </a:p>
-                  </a:txBody>
-                  <a:tcPr anchor="ctr">
-                    <a:solidFill>
-                      <a:schemeClr val="accent5">
-                        <a:lumMod val="60000"/>
-                        <a:lumOff val="40000"/>
-                      </a:schemeClr>
-                    </a:solidFill>
-                  </a:tcPr>
-                </a:tc>
-                <a:tc>
-                  <a:txBody>
-                    <a:bodyPr/>
-                    <a:lstStyle/>
-                    <a:p>
-                      <a:pPr algn="ctr"/>
-                      <a:r>
-                        <a:rPr lang="es-EC" sz="1050" b="0" dirty="0" smtClean="0">
-                          <a:solidFill>
-                            <a:schemeClr val="accent6">
-                              <a:lumMod val="75000"/>
-                            </a:schemeClr>
-                          </a:solidFill>
-                        </a:rPr>
-                        <a:t>….</a:t>
-                      </a:r>
-                      <a:endParaRPr lang="es-EC" sz="1050" b="0" dirty="0">
-                        <a:solidFill>
-                          <a:schemeClr val="accent6">
-                            <a:lumMod val="75000"/>
-                          </a:schemeClr>
-                        </a:solidFill>
-                      </a:endParaRPr>
-                    </a:p>
-                  </a:txBody>
-                  <a:tcPr anchor="ctr">
-                    <a:solidFill>
-                      <a:schemeClr val="accent5">
-                        <a:lumMod val="60000"/>
-                        <a:lumOff val="40000"/>
-                      </a:schemeClr>
-                    </a:solidFill>
-                  </a:tcPr>
-                </a:tc>
-                <a:tc>
-                  <a:txBody>
-                    <a:bodyPr/>
-                    <a:lstStyle/>
-                    <a:p>
-                      <a:pPr algn="ctr"/>
-                      <a:r>
-                        <a:rPr lang="es-EC" sz="1050" b="0" smtClean="0">
-                          <a:solidFill>
-                            <a:schemeClr val="accent6">
-                              <a:lumMod val="75000"/>
-                            </a:schemeClr>
-                          </a:solidFill>
-                        </a:rPr>
-                        <a:t>data</a:t>
-                      </a:r>
-                      <a:endParaRPr lang="es-EC" sz="1050" b="0" dirty="0">
-                        <a:solidFill>
-                          <a:schemeClr val="accent6">
-                            <a:lumMod val="75000"/>
-                          </a:schemeClr>
-                        </a:solidFill>
-                      </a:endParaRPr>
-                    </a:p>
-                  </a:txBody>
-                  <a:tcPr anchor="ctr">
-                    <a:solidFill>
-                      <a:schemeClr val="accent5">
-                        <a:lumMod val="60000"/>
-                        <a:lumOff val="40000"/>
-                      </a:schemeClr>
-                    </a:solidFill>
-                  </a:tcPr>
-                </a:tc>
-                <a:tc>
-                  <a:txBody>
-                    <a:bodyPr/>
-                    <a:lstStyle/>
-                    <a:p>
-                      <a:pPr algn="ctr"/>
-                      <a:r>
-                        <a:rPr lang="es-EC" sz="1050" b="0" smtClean="0">
-                          <a:solidFill>
-                            <a:schemeClr val="accent6">
-                              <a:lumMod val="75000"/>
-                            </a:schemeClr>
-                          </a:solidFill>
-                        </a:rPr>
-                        <a:t>data</a:t>
-                      </a:r>
-                      <a:endParaRPr lang="es-EC" sz="1050" b="0" dirty="0">
-                        <a:solidFill>
-                          <a:schemeClr val="accent6">
-                            <a:lumMod val="75000"/>
-                          </a:schemeClr>
-                        </a:solidFill>
-                      </a:endParaRPr>
-                    </a:p>
-                  </a:txBody>
-                  <a:tcPr anchor="ctr">
-                    <a:solidFill>
-                      <a:schemeClr val="accent5">
-                        <a:lumMod val="60000"/>
-                        <a:lumOff val="40000"/>
-                      </a:schemeClr>
-                    </a:solidFill>
-                  </a:tcPr>
-                </a:tc>
-                <a:tc>
-                  <a:txBody>
-                    <a:bodyPr/>
-                    <a:lstStyle/>
-                    <a:p>
-                      <a:pPr algn="ctr"/>
-                      <a:r>
-                        <a:rPr lang="es-EC" sz="1050" b="0" smtClean="0">
-                          <a:solidFill>
-                            <a:schemeClr val="accent6">
-                              <a:lumMod val="75000"/>
-                            </a:schemeClr>
-                          </a:solidFill>
-                        </a:rPr>
-                        <a:t>data</a:t>
-                      </a:r>
-                      <a:endParaRPr lang="es-EC" sz="1050" b="0" dirty="0">
-                        <a:solidFill>
-                          <a:schemeClr val="accent6">
-                            <a:lumMod val="75000"/>
-                          </a:schemeClr>
-                        </a:solidFill>
-                      </a:endParaRPr>
-                    </a:p>
-                  </a:txBody>
-                  <a:tcPr anchor="ctr">
-                    <a:solidFill>
-                      <a:schemeClr val="accent5">
-                        <a:lumMod val="60000"/>
-                        <a:lumOff val="40000"/>
-                      </a:schemeClr>
-                    </a:solidFill>
-                  </a:tcPr>
-                </a:tc>
-                <a:tc>
-                  <a:txBody>
-                    <a:bodyPr/>
-                    <a:lstStyle/>
-                    <a:p>
-                      <a:pPr marL="0" marR="0" lvl="0" indent="0" algn="ctr" defTabSz="914400" rtl="0" eaLnBrk="1" fontAlgn="auto" latinLnBrk="0" hangingPunct="1">
-                        <a:lnSpc>
-                          <a:spcPct val="100000"/>
-                        </a:lnSpc>
-                        <a:spcBef>
-                          <a:spcPts val="0"/>
-                        </a:spcBef>
-                        <a:spcAft>
-                          <a:spcPts val="0"/>
-                        </a:spcAft>
-                        <a:buClrTx/>
-                        <a:buSzTx/>
-                        <a:buFontTx/>
-                        <a:buNone/>
-                        <a:tabLst/>
-                        <a:defRPr/>
-                      </a:pPr>
-                      <a:r>
-                        <a:rPr lang="es-EC" sz="1050" b="0" dirty="0" err="1" smtClean="0">
-                          <a:solidFill>
-                            <a:schemeClr val="accent6">
-                              <a:lumMod val="75000"/>
-                            </a:schemeClr>
-                          </a:solidFill>
-                        </a:rPr>
-                        <a:t>NaN</a:t>
-                      </a:r>
-                      <a:endParaRPr lang="es-EC" sz="1050" b="0" dirty="0" smtClean="0">
-                        <a:solidFill>
-                          <a:schemeClr val="accent6">
-                            <a:lumMod val="75000"/>
-                          </a:schemeClr>
-                        </a:solidFill>
-                      </a:endParaRPr>
-                    </a:p>
-                  </a:txBody>
-                  <a:tcPr anchor="ctr">
-                    <a:solidFill>
-                      <a:schemeClr val="accent2">
-                        <a:lumMod val="60000"/>
-                        <a:lumOff val="40000"/>
-                      </a:schemeClr>
-                    </a:solidFill>
-                  </a:tcPr>
-                </a:tc>
-                <a:tc>
-                  <a:txBody>
-                    <a:bodyPr/>
-                    <a:lstStyle/>
-                    <a:p>
-                      <a:pPr marL="0" marR="0" lvl="0" indent="0" algn="ctr" defTabSz="914400" rtl="0" eaLnBrk="1" fontAlgn="auto" latinLnBrk="0" hangingPunct="1">
-                        <a:lnSpc>
-                          <a:spcPct val="100000"/>
-                        </a:lnSpc>
-                        <a:spcBef>
-                          <a:spcPts val="0"/>
-                        </a:spcBef>
-                        <a:spcAft>
-                          <a:spcPts val="0"/>
-                        </a:spcAft>
-                        <a:buClrTx/>
-                        <a:buSzTx/>
-                        <a:buFontTx/>
-                        <a:buNone/>
-                        <a:tabLst/>
-                        <a:defRPr/>
-                      </a:pPr>
-                      <a:r>
-                        <a:rPr lang="es-EC" sz="1050" b="0" dirty="0" smtClean="0">
-                          <a:solidFill>
-                            <a:schemeClr val="accent6">
-                              <a:lumMod val="75000"/>
-                            </a:schemeClr>
-                          </a:solidFill>
-                        </a:rPr>
-                        <a:t>data</a:t>
-                      </a:r>
-                    </a:p>
-                  </a:txBody>
-                  <a:tcPr anchor="ctr">
-                    <a:solidFill>
-                      <a:schemeClr val="accent5">
-                        <a:lumMod val="60000"/>
-                        <a:lumOff val="40000"/>
-                      </a:schemeClr>
-                    </a:solidFill>
-                  </a:tcPr>
-                </a:tc>
-              </a:tr>
-              <a:tr h="321740">
-                <a:tc>
-                  <a:txBody>
-                    <a:bodyPr/>
-                    <a:lstStyle/>
-                    <a:p>
-                      <a:pPr algn="ctr"/>
-                      <a:r>
-                        <a:rPr lang="es-EC" sz="1050" b="0" smtClean="0">
-                          <a:solidFill>
-                            <a:schemeClr val="accent6">
-                              <a:lumMod val="75000"/>
-                            </a:schemeClr>
-                          </a:solidFill>
-                        </a:rPr>
-                        <a:t>data</a:t>
-                      </a:r>
-                      <a:endParaRPr lang="es-EC" sz="1050" b="0" dirty="0">
-                        <a:solidFill>
-                          <a:schemeClr val="accent6">
-                            <a:lumMod val="75000"/>
-                          </a:schemeClr>
-                        </a:solidFill>
-                      </a:endParaRPr>
-                    </a:p>
-                  </a:txBody>
-                  <a:tcPr anchor="ctr">
-                    <a:solidFill>
-                      <a:schemeClr val="accent5">
-                        <a:lumMod val="60000"/>
-                        <a:lumOff val="40000"/>
-                      </a:schemeClr>
-                    </a:solidFill>
-                  </a:tcPr>
-                </a:tc>
-                <a:tc>
-                  <a:txBody>
-                    <a:bodyPr/>
-                    <a:lstStyle/>
-                    <a:p>
-                      <a:pPr algn="ctr"/>
-                      <a:r>
-                        <a:rPr lang="es-EC" sz="1050" b="0" smtClean="0">
-                          <a:solidFill>
-                            <a:schemeClr val="accent6">
-                              <a:lumMod val="75000"/>
-                            </a:schemeClr>
-                          </a:solidFill>
-                        </a:rPr>
-                        <a:t>data</a:t>
-                      </a:r>
-                      <a:endParaRPr lang="es-EC" sz="1050" b="0" dirty="0">
-                        <a:solidFill>
-                          <a:schemeClr val="accent6">
-                            <a:lumMod val="75000"/>
-                          </a:schemeClr>
-                        </a:solidFill>
-                      </a:endParaRPr>
-                    </a:p>
-                  </a:txBody>
-                  <a:tcPr anchor="ctr">
-                    <a:solidFill>
-                      <a:schemeClr val="accent5">
-                        <a:lumMod val="60000"/>
-                        <a:lumOff val="40000"/>
-                      </a:schemeClr>
-                    </a:solidFill>
-                  </a:tcPr>
-                </a:tc>
-                <a:tc>
-                  <a:txBody>
-                    <a:bodyPr/>
-                    <a:lstStyle/>
-                    <a:p>
-                      <a:pPr algn="ctr"/>
-                      <a:r>
-                        <a:rPr lang="es-EC" sz="1050" b="0" smtClean="0">
-                          <a:solidFill>
-                            <a:schemeClr val="accent6">
-                              <a:lumMod val="75000"/>
-                            </a:schemeClr>
-                          </a:solidFill>
-                        </a:rPr>
-                        <a:t>data</a:t>
-                      </a:r>
-                      <a:endParaRPr lang="es-EC" sz="1050" b="0" dirty="0">
-                        <a:solidFill>
-                          <a:schemeClr val="accent6">
-                            <a:lumMod val="75000"/>
-                          </a:schemeClr>
-                        </a:solidFill>
-                      </a:endParaRPr>
-                    </a:p>
-                  </a:txBody>
-                  <a:tcPr anchor="ctr">
-                    <a:solidFill>
-                      <a:schemeClr val="accent5">
-                        <a:lumMod val="60000"/>
-                        <a:lumOff val="40000"/>
-                      </a:schemeClr>
-                    </a:solidFill>
-                  </a:tcPr>
-                </a:tc>
-                <a:tc>
-                  <a:txBody>
-                    <a:bodyPr/>
-                    <a:lstStyle/>
-                    <a:p>
-                      <a:pPr algn="ctr"/>
-                      <a:r>
-                        <a:rPr lang="es-EC" sz="1050" b="0" smtClean="0">
-                          <a:solidFill>
-                            <a:schemeClr val="accent6">
-                              <a:lumMod val="75000"/>
-                            </a:schemeClr>
-                          </a:solidFill>
-                        </a:rPr>
-                        <a:t>data</a:t>
-                      </a:r>
-                      <a:endParaRPr lang="es-EC" sz="1050" b="0" dirty="0">
-                        <a:solidFill>
-                          <a:schemeClr val="accent6">
-                            <a:lumMod val="75000"/>
-                          </a:schemeClr>
-                        </a:solidFill>
-                      </a:endParaRPr>
-                    </a:p>
-                  </a:txBody>
-                  <a:tcPr anchor="ctr">
-                    <a:solidFill>
-                      <a:schemeClr val="accent5">
-                        <a:lumMod val="60000"/>
-                        <a:lumOff val="40000"/>
-                      </a:schemeClr>
-                    </a:solidFill>
-                  </a:tcPr>
-                </a:tc>
-                <a:tc>
-                  <a:txBody>
-                    <a:bodyPr/>
-                    <a:lstStyle/>
-                    <a:p>
-                      <a:pPr algn="ctr"/>
-                      <a:r>
-                        <a:rPr lang="es-EC" sz="1050" b="0" dirty="0" smtClean="0">
-                          <a:solidFill>
-                            <a:schemeClr val="accent6">
-                              <a:lumMod val="75000"/>
-                            </a:schemeClr>
-                          </a:solidFill>
-                        </a:rPr>
-                        <a:t>….</a:t>
-                      </a:r>
-                      <a:endParaRPr lang="es-EC" sz="1050" b="0" dirty="0">
-                        <a:solidFill>
-                          <a:schemeClr val="accent6">
-                            <a:lumMod val="75000"/>
-                          </a:schemeClr>
-                        </a:solidFill>
-                      </a:endParaRPr>
-                    </a:p>
-                  </a:txBody>
-                  <a:tcPr anchor="ctr">
-                    <a:solidFill>
-                      <a:schemeClr val="accent5">
-                        <a:lumMod val="60000"/>
-                        <a:lumOff val="40000"/>
-                      </a:schemeClr>
-                    </a:solidFill>
-                  </a:tcPr>
-                </a:tc>
-                <a:tc>
-                  <a:txBody>
-                    <a:bodyPr/>
-                    <a:lstStyle/>
-                    <a:p>
-                      <a:pPr algn="ctr"/>
-                      <a:r>
-                        <a:rPr lang="es-EC" sz="1050" b="0" smtClean="0">
-                          <a:solidFill>
-                            <a:schemeClr val="accent6">
-                              <a:lumMod val="75000"/>
-                            </a:schemeClr>
-                          </a:solidFill>
-                        </a:rPr>
-                        <a:t>data</a:t>
-                      </a:r>
-                      <a:endParaRPr lang="es-EC" sz="1050" b="0" dirty="0">
-                        <a:solidFill>
-                          <a:schemeClr val="accent6">
-                            <a:lumMod val="75000"/>
-                          </a:schemeClr>
-                        </a:solidFill>
-                      </a:endParaRPr>
-                    </a:p>
-                  </a:txBody>
-                  <a:tcPr anchor="ctr">
-                    <a:solidFill>
-                      <a:schemeClr val="accent5">
-                        <a:lumMod val="60000"/>
-                        <a:lumOff val="40000"/>
-                      </a:schemeClr>
-                    </a:solidFill>
-                  </a:tcPr>
-                </a:tc>
-                <a:tc>
-                  <a:txBody>
-                    <a:bodyPr/>
-                    <a:lstStyle/>
-                    <a:p>
-                      <a:pPr algn="ctr"/>
-                      <a:r>
-                        <a:rPr lang="es-EC" sz="1050" b="0" smtClean="0">
-                          <a:solidFill>
-                            <a:schemeClr val="accent6">
-                              <a:lumMod val="75000"/>
-                            </a:schemeClr>
-                          </a:solidFill>
-                        </a:rPr>
-                        <a:t>data</a:t>
-                      </a:r>
-                      <a:endParaRPr lang="es-EC" sz="1050" b="0" dirty="0">
-                        <a:solidFill>
-                          <a:schemeClr val="accent6">
-                            <a:lumMod val="75000"/>
-                          </a:schemeClr>
-                        </a:solidFill>
-                      </a:endParaRPr>
-                    </a:p>
-                  </a:txBody>
-                  <a:tcPr anchor="ctr">
-                    <a:solidFill>
-                      <a:schemeClr val="accent5">
-                        <a:lumMod val="60000"/>
-                        <a:lumOff val="40000"/>
-                      </a:schemeClr>
-                    </a:solidFill>
-                  </a:tcPr>
-                </a:tc>
-                <a:tc>
-                  <a:txBody>
-                    <a:bodyPr/>
-                    <a:lstStyle/>
-                    <a:p>
-                      <a:pPr algn="ctr"/>
-                      <a:r>
-                        <a:rPr lang="es-EC" sz="1050" b="0" smtClean="0">
-                          <a:solidFill>
-                            <a:schemeClr val="accent6">
-                              <a:lumMod val="75000"/>
-                            </a:schemeClr>
-                          </a:solidFill>
-                        </a:rPr>
-                        <a:t>data</a:t>
-                      </a:r>
-                      <a:endParaRPr lang="es-EC" sz="1050" b="0" dirty="0">
-                        <a:solidFill>
-                          <a:schemeClr val="accent6">
-                            <a:lumMod val="75000"/>
-                          </a:schemeClr>
-                        </a:solidFill>
-                      </a:endParaRPr>
-                    </a:p>
-                  </a:txBody>
-                  <a:tcPr anchor="ctr">
-                    <a:solidFill>
-                      <a:schemeClr val="accent5">
-                        <a:lumMod val="60000"/>
-                        <a:lumOff val="40000"/>
-                      </a:schemeClr>
-                    </a:solidFill>
-                  </a:tcPr>
-                </a:tc>
-                <a:tc>
-                  <a:txBody>
-                    <a:bodyPr/>
-                    <a:lstStyle/>
-                    <a:p>
-                      <a:pPr algn="ctr"/>
-                      <a:r>
-                        <a:rPr lang="es-EC" sz="1050" b="0" dirty="0" smtClean="0">
-                          <a:solidFill>
-                            <a:schemeClr val="accent6">
-                              <a:lumMod val="75000"/>
-                            </a:schemeClr>
-                          </a:solidFill>
-                        </a:rPr>
-                        <a:t>data</a:t>
-                      </a:r>
-                      <a:endParaRPr lang="es-EC" sz="1050" b="0" dirty="0">
-                        <a:solidFill>
-                          <a:schemeClr val="accent6">
-                            <a:lumMod val="75000"/>
-                          </a:schemeClr>
-                        </a:solidFill>
-                      </a:endParaRPr>
-                    </a:p>
-                  </a:txBody>
-                  <a:tcPr anchor="ctr">
-                    <a:solidFill>
-                      <a:schemeClr val="accent5">
-                        <a:lumMod val="60000"/>
-                        <a:lumOff val="40000"/>
-                      </a:schemeClr>
-                    </a:solidFill>
-                  </a:tcPr>
-                </a:tc>
-                <a:tc>
-                  <a:txBody>
-                    <a:bodyPr/>
-                    <a:lstStyle/>
-                    <a:p>
-                      <a:pPr marL="0" marR="0" lvl="0" indent="0" algn="ctr" defTabSz="914400" rtl="0" eaLnBrk="1" fontAlgn="auto" latinLnBrk="0" hangingPunct="1">
-                        <a:lnSpc>
-                          <a:spcPct val="100000"/>
-                        </a:lnSpc>
-                        <a:spcBef>
-                          <a:spcPts val="0"/>
-                        </a:spcBef>
-                        <a:spcAft>
-                          <a:spcPts val="0"/>
-                        </a:spcAft>
-                        <a:buClrTx/>
-                        <a:buSzTx/>
-                        <a:buFontTx/>
-                        <a:buNone/>
-                        <a:tabLst/>
-                        <a:defRPr/>
-                      </a:pPr>
-                      <a:r>
-                        <a:rPr lang="es-EC" sz="1050" b="0" dirty="0" err="1" smtClean="0">
-                          <a:solidFill>
-                            <a:schemeClr val="accent6">
-                              <a:lumMod val="75000"/>
-                            </a:schemeClr>
-                          </a:solidFill>
-                        </a:rPr>
-                        <a:t>NaN</a:t>
-                      </a:r>
-                      <a:endParaRPr lang="es-EC" sz="1050" b="0" dirty="0">
-                        <a:solidFill>
-                          <a:schemeClr val="accent6">
-                            <a:lumMod val="75000"/>
-                          </a:schemeClr>
-                        </a:solidFill>
-                      </a:endParaRPr>
-                    </a:p>
-                  </a:txBody>
-                  <a:tcPr anchor="ctr">
-                    <a:solidFill>
-                      <a:schemeClr val="accent2">
-                        <a:lumMod val="60000"/>
-                        <a:lumOff val="40000"/>
-                      </a:schemeClr>
-                    </a:solidFill>
-                  </a:tcPr>
-                </a:tc>
-              </a:tr>
-              <a:tr h="237599">
-                <a:tc>
-                  <a:txBody>
-                    <a:bodyPr/>
-                    <a:lstStyle/>
-                    <a:p>
-                      <a:pPr algn="ctr"/>
-                      <a:r>
-                        <a:rPr lang="es-EC" sz="1050" b="0" smtClean="0">
-                          <a:solidFill>
-                            <a:schemeClr val="accent6">
-                              <a:lumMod val="75000"/>
-                            </a:schemeClr>
-                          </a:solidFill>
-                        </a:rPr>
-                        <a:t>data</a:t>
-                      </a:r>
-                      <a:endParaRPr lang="es-EC" sz="1050" b="0" dirty="0">
-                        <a:solidFill>
-                          <a:schemeClr val="accent6">
-                            <a:lumMod val="75000"/>
-                          </a:schemeClr>
-                        </a:solidFill>
-                      </a:endParaRPr>
-                    </a:p>
-                  </a:txBody>
-                  <a:tcPr anchor="ctr">
-                    <a:solidFill>
-                      <a:schemeClr val="accent5">
-                        <a:lumMod val="60000"/>
-                        <a:lumOff val="40000"/>
-                      </a:schemeClr>
-                    </a:solidFill>
-                  </a:tcPr>
-                </a:tc>
-                <a:tc>
-                  <a:txBody>
-                    <a:bodyPr/>
-                    <a:lstStyle/>
-                    <a:p>
-                      <a:pPr algn="ctr"/>
-                      <a:r>
-                        <a:rPr lang="es-EC" sz="1050" b="0" smtClean="0">
-                          <a:solidFill>
-                            <a:schemeClr val="accent6">
-                              <a:lumMod val="75000"/>
-                            </a:schemeClr>
-                          </a:solidFill>
-                        </a:rPr>
-                        <a:t>data</a:t>
-                      </a:r>
-                      <a:endParaRPr lang="es-EC" sz="1050" b="0" dirty="0">
-                        <a:solidFill>
-                          <a:schemeClr val="accent6">
-                            <a:lumMod val="75000"/>
-                          </a:schemeClr>
-                        </a:solidFill>
-                      </a:endParaRPr>
-                    </a:p>
-                  </a:txBody>
-                  <a:tcPr anchor="ctr">
-                    <a:solidFill>
-                      <a:schemeClr val="accent5">
-                        <a:lumMod val="60000"/>
-                        <a:lumOff val="40000"/>
-                      </a:schemeClr>
-                    </a:solidFill>
-                  </a:tcPr>
-                </a:tc>
-                <a:tc>
-                  <a:txBody>
-                    <a:bodyPr/>
-                    <a:lstStyle/>
-                    <a:p>
-                      <a:pPr algn="ctr"/>
-                      <a:r>
-                        <a:rPr lang="es-EC" sz="1050" b="0" smtClean="0">
-                          <a:solidFill>
-                            <a:schemeClr val="accent6">
-                              <a:lumMod val="75000"/>
-                            </a:schemeClr>
-                          </a:solidFill>
-                        </a:rPr>
-                        <a:t>data</a:t>
-                      </a:r>
-                      <a:endParaRPr lang="es-EC" sz="1050" b="0" dirty="0">
-                        <a:solidFill>
-                          <a:schemeClr val="accent6">
-                            <a:lumMod val="75000"/>
-                          </a:schemeClr>
-                        </a:solidFill>
-                      </a:endParaRPr>
-                    </a:p>
-                  </a:txBody>
-                  <a:tcPr anchor="ctr">
-                    <a:solidFill>
-                      <a:schemeClr val="accent5">
-                        <a:lumMod val="60000"/>
-                        <a:lumOff val="40000"/>
-                      </a:schemeClr>
-                    </a:solidFill>
-                  </a:tcPr>
-                </a:tc>
-                <a:tc>
-                  <a:txBody>
-                    <a:bodyPr/>
-                    <a:lstStyle/>
-                    <a:p>
-                      <a:pPr algn="ctr"/>
-                      <a:r>
-                        <a:rPr lang="es-EC" sz="1050" b="0" smtClean="0">
-                          <a:solidFill>
-                            <a:schemeClr val="accent6">
-                              <a:lumMod val="75000"/>
-                            </a:schemeClr>
-                          </a:solidFill>
-                        </a:rPr>
-                        <a:t>data</a:t>
-                      </a:r>
-                      <a:endParaRPr lang="es-EC" sz="1050" b="0" dirty="0">
-                        <a:solidFill>
-                          <a:schemeClr val="accent6">
-                            <a:lumMod val="75000"/>
-                          </a:schemeClr>
-                        </a:solidFill>
-                      </a:endParaRPr>
-                    </a:p>
-                  </a:txBody>
-                  <a:tcPr anchor="ctr">
-                    <a:solidFill>
-                      <a:schemeClr val="accent5">
-                        <a:lumMod val="60000"/>
-                        <a:lumOff val="40000"/>
-                      </a:schemeClr>
-                    </a:solidFill>
-                  </a:tcPr>
-                </a:tc>
-                <a:tc>
-                  <a:txBody>
-                    <a:bodyPr/>
-                    <a:lstStyle/>
-                    <a:p>
-                      <a:pPr algn="ctr"/>
-                      <a:r>
-                        <a:rPr lang="es-EC" sz="1050" b="0" dirty="0" smtClean="0">
-                          <a:solidFill>
-                            <a:schemeClr val="accent6">
-                              <a:lumMod val="75000"/>
-                            </a:schemeClr>
-                          </a:solidFill>
-                        </a:rPr>
-                        <a:t>….</a:t>
-                      </a:r>
-                      <a:endParaRPr lang="es-EC" sz="1050" b="0" dirty="0">
-                        <a:solidFill>
-                          <a:schemeClr val="accent6">
-                            <a:lumMod val="75000"/>
-                          </a:schemeClr>
-                        </a:solidFill>
-                      </a:endParaRPr>
-                    </a:p>
-                  </a:txBody>
-                  <a:tcPr anchor="ctr">
-                    <a:solidFill>
-                      <a:schemeClr val="accent5">
-                        <a:lumMod val="60000"/>
-                        <a:lumOff val="40000"/>
-                      </a:schemeClr>
-                    </a:solidFill>
-                  </a:tcPr>
-                </a:tc>
-                <a:tc>
-                  <a:txBody>
-                    <a:bodyPr/>
-                    <a:lstStyle/>
-                    <a:p>
-                      <a:pPr algn="ctr"/>
-                      <a:r>
-                        <a:rPr lang="es-EC" sz="1050" b="0" smtClean="0">
-                          <a:solidFill>
-                            <a:schemeClr val="accent6">
-                              <a:lumMod val="75000"/>
-                            </a:schemeClr>
-                          </a:solidFill>
-                        </a:rPr>
-                        <a:t>data</a:t>
-                      </a:r>
-                      <a:endParaRPr lang="es-EC" sz="1050" b="0" dirty="0">
-                        <a:solidFill>
-                          <a:schemeClr val="accent6">
-                            <a:lumMod val="75000"/>
-                          </a:schemeClr>
-                        </a:solidFill>
-                      </a:endParaRPr>
-                    </a:p>
-                  </a:txBody>
-                  <a:tcPr anchor="ctr">
-                    <a:solidFill>
-                      <a:schemeClr val="accent5">
-                        <a:lumMod val="60000"/>
-                        <a:lumOff val="40000"/>
-                      </a:schemeClr>
-                    </a:solidFill>
-                  </a:tcPr>
-                </a:tc>
-                <a:tc>
-                  <a:txBody>
-                    <a:bodyPr/>
-                    <a:lstStyle/>
-                    <a:p>
-                      <a:pPr algn="ctr"/>
-                      <a:r>
-                        <a:rPr lang="es-EC" sz="1050" b="0" smtClean="0">
-                          <a:solidFill>
-                            <a:schemeClr val="accent6">
-                              <a:lumMod val="75000"/>
-                            </a:schemeClr>
-                          </a:solidFill>
-                        </a:rPr>
-                        <a:t>data</a:t>
-                      </a:r>
-                      <a:endParaRPr lang="es-EC" sz="1050" b="0" dirty="0">
-                        <a:solidFill>
-                          <a:schemeClr val="accent6">
-                            <a:lumMod val="75000"/>
-                          </a:schemeClr>
-                        </a:solidFill>
-                      </a:endParaRPr>
-                    </a:p>
-                  </a:txBody>
-                  <a:tcPr anchor="ctr">
-                    <a:solidFill>
-                      <a:schemeClr val="accent5">
-                        <a:lumMod val="60000"/>
-                        <a:lumOff val="40000"/>
-                      </a:schemeClr>
-                    </a:solidFill>
-                  </a:tcPr>
-                </a:tc>
-                <a:tc>
-                  <a:txBody>
-                    <a:bodyPr/>
-                    <a:lstStyle/>
-                    <a:p>
-                      <a:pPr algn="ctr"/>
-                      <a:r>
-                        <a:rPr lang="es-EC" sz="1050" b="0" smtClean="0">
-                          <a:solidFill>
-                            <a:schemeClr val="accent6">
-                              <a:lumMod val="75000"/>
-                            </a:schemeClr>
-                          </a:solidFill>
-                        </a:rPr>
-                        <a:t>data</a:t>
-                      </a:r>
-                      <a:endParaRPr lang="es-EC" sz="1050" b="0" dirty="0">
-                        <a:solidFill>
-                          <a:schemeClr val="accent6">
-                            <a:lumMod val="75000"/>
-                          </a:schemeClr>
-                        </a:solidFill>
-                      </a:endParaRPr>
-                    </a:p>
-                  </a:txBody>
-                  <a:tcPr anchor="ctr">
-                    <a:solidFill>
-                      <a:schemeClr val="accent5">
-                        <a:lumMod val="60000"/>
-                        <a:lumOff val="40000"/>
-                      </a:schemeClr>
-                    </a:solidFill>
-                  </a:tcPr>
-                </a:tc>
-                <a:tc>
-                  <a:txBody>
-                    <a:bodyPr/>
-                    <a:lstStyle/>
-                    <a:p>
-                      <a:pPr algn="ctr"/>
-                      <a:r>
-                        <a:rPr lang="es-EC" sz="1050" b="0" smtClean="0">
-                          <a:solidFill>
-                            <a:schemeClr val="accent6">
-                              <a:lumMod val="75000"/>
-                            </a:schemeClr>
-                          </a:solidFill>
-                        </a:rPr>
-                        <a:t>NaN</a:t>
-                      </a:r>
-                      <a:endParaRPr lang="es-EC" sz="1050" b="0" dirty="0">
-                        <a:solidFill>
-                          <a:schemeClr val="accent6">
-                            <a:lumMod val="75000"/>
-                          </a:schemeClr>
-                        </a:solidFill>
-                      </a:endParaRPr>
-                    </a:p>
-                  </a:txBody>
-                  <a:tcPr anchor="ctr">
-                    <a:solidFill>
-                      <a:schemeClr val="accent2">
-                        <a:lumMod val="60000"/>
-                        <a:lumOff val="40000"/>
-                      </a:schemeClr>
-                    </a:solidFill>
-                  </a:tcPr>
-                </a:tc>
-                <a:tc>
-                  <a:txBody>
-                    <a:bodyPr/>
-                    <a:lstStyle/>
-                    <a:p>
-                      <a:pPr algn="ctr"/>
-                      <a:r>
-                        <a:rPr lang="es-EC" sz="1050" b="0" smtClean="0">
-                          <a:solidFill>
-                            <a:schemeClr val="accent6">
-                              <a:lumMod val="75000"/>
-                            </a:schemeClr>
-                          </a:solidFill>
-                        </a:rPr>
-                        <a:t>data</a:t>
-                      </a:r>
-                      <a:endParaRPr lang="es-EC" sz="1050" b="0" dirty="0">
-                        <a:solidFill>
-                          <a:schemeClr val="accent6">
-                            <a:lumMod val="75000"/>
-                          </a:schemeClr>
-                        </a:solidFill>
-                      </a:endParaRPr>
-                    </a:p>
-                  </a:txBody>
-                  <a:tcPr anchor="ctr">
-                    <a:solidFill>
-                      <a:schemeClr val="accent5">
-                        <a:lumMod val="60000"/>
-                        <a:lumOff val="40000"/>
-                      </a:schemeClr>
-                    </a:solidFill>
-                  </a:tcPr>
-                </a:tc>
-              </a:tr>
-              <a:tr h="237599">
-                <a:tc>
-                  <a:txBody>
-                    <a:bodyPr/>
-                    <a:lstStyle/>
-                    <a:p>
-                      <a:pPr algn="ctr"/>
-                      <a:r>
-                        <a:rPr lang="es-EC" sz="1050" b="0" smtClean="0">
-                          <a:solidFill>
-                            <a:schemeClr val="accent6">
-                              <a:lumMod val="75000"/>
-                            </a:schemeClr>
-                          </a:solidFill>
-                        </a:rPr>
-                        <a:t>data</a:t>
-                      </a:r>
-                      <a:endParaRPr lang="es-EC" sz="1050" b="0" dirty="0">
-                        <a:solidFill>
-                          <a:schemeClr val="accent6">
-                            <a:lumMod val="75000"/>
-                          </a:schemeClr>
-                        </a:solidFill>
-                      </a:endParaRPr>
-                    </a:p>
-                  </a:txBody>
-                  <a:tcPr anchor="ctr">
-                    <a:solidFill>
-                      <a:schemeClr val="accent5">
-                        <a:lumMod val="60000"/>
-                        <a:lumOff val="40000"/>
-                      </a:schemeClr>
-                    </a:solidFill>
-                  </a:tcPr>
-                </a:tc>
-                <a:tc>
-                  <a:txBody>
-                    <a:bodyPr/>
-                    <a:lstStyle/>
-                    <a:p>
-                      <a:pPr algn="ctr"/>
-                      <a:r>
-                        <a:rPr lang="es-EC" sz="1050" b="0" smtClean="0">
-                          <a:solidFill>
-                            <a:schemeClr val="accent6">
-                              <a:lumMod val="75000"/>
-                            </a:schemeClr>
-                          </a:solidFill>
-                        </a:rPr>
-                        <a:t>data</a:t>
-                      </a:r>
-                      <a:endParaRPr lang="es-EC" sz="1050" b="0" dirty="0">
-                        <a:solidFill>
-                          <a:schemeClr val="accent6">
-                            <a:lumMod val="75000"/>
-                          </a:schemeClr>
-                        </a:solidFill>
-                      </a:endParaRPr>
-                    </a:p>
-                  </a:txBody>
-                  <a:tcPr anchor="ctr">
-                    <a:solidFill>
-                      <a:schemeClr val="accent5">
-                        <a:lumMod val="60000"/>
-                        <a:lumOff val="40000"/>
-                      </a:schemeClr>
-                    </a:solidFill>
-                  </a:tcPr>
-                </a:tc>
-                <a:tc>
-                  <a:txBody>
-                    <a:bodyPr/>
-                    <a:lstStyle/>
-                    <a:p>
-                      <a:pPr algn="ctr"/>
-                      <a:r>
-                        <a:rPr lang="es-EC" sz="1050" b="0" dirty="0" smtClean="0">
-                          <a:solidFill>
-                            <a:schemeClr val="accent6">
-                              <a:lumMod val="75000"/>
-                            </a:schemeClr>
-                          </a:solidFill>
-                        </a:rPr>
-                        <a:t>data</a:t>
-                      </a:r>
-                      <a:endParaRPr lang="es-EC" sz="1050" b="0" dirty="0">
-                        <a:solidFill>
-                          <a:schemeClr val="accent6">
-                            <a:lumMod val="75000"/>
-                          </a:schemeClr>
-                        </a:solidFill>
-                      </a:endParaRPr>
-                    </a:p>
-                  </a:txBody>
-                  <a:tcPr anchor="ctr">
-                    <a:solidFill>
-                      <a:schemeClr val="accent5">
-                        <a:lumMod val="60000"/>
-                        <a:lumOff val="40000"/>
-                      </a:schemeClr>
-                    </a:solidFill>
-                  </a:tcPr>
-                </a:tc>
-                <a:tc>
-                  <a:txBody>
-                    <a:bodyPr/>
-                    <a:lstStyle/>
-                    <a:p>
-                      <a:pPr algn="ctr"/>
-                      <a:r>
-                        <a:rPr lang="es-EC" sz="1050" b="0" dirty="0" smtClean="0">
-                          <a:solidFill>
-                            <a:schemeClr val="accent6">
-                              <a:lumMod val="75000"/>
-                            </a:schemeClr>
-                          </a:solidFill>
-                        </a:rPr>
-                        <a:t>data</a:t>
-                      </a:r>
-                      <a:endParaRPr lang="es-EC" sz="1050" b="0" dirty="0">
-                        <a:solidFill>
-                          <a:schemeClr val="accent6">
-                            <a:lumMod val="75000"/>
-                          </a:schemeClr>
-                        </a:solidFill>
-                      </a:endParaRPr>
-                    </a:p>
-                  </a:txBody>
-                  <a:tcPr anchor="ctr">
-                    <a:solidFill>
-                      <a:schemeClr val="accent5">
-                        <a:lumMod val="60000"/>
-                        <a:lumOff val="40000"/>
-                      </a:schemeClr>
-                    </a:solidFill>
-                  </a:tcPr>
-                </a:tc>
-                <a:tc>
-                  <a:txBody>
-                    <a:bodyPr/>
-                    <a:lstStyle/>
-                    <a:p>
-                      <a:pPr algn="ctr"/>
-                      <a:r>
-                        <a:rPr lang="es-EC" sz="1050" b="0" dirty="0" smtClean="0">
-                          <a:solidFill>
-                            <a:schemeClr val="accent6">
-                              <a:lumMod val="75000"/>
-                            </a:schemeClr>
-                          </a:solidFill>
-                        </a:rPr>
-                        <a:t>….</a:t>
-                      </a:r>
-                      <a:endParaRPr lang="es-EC" sz="1050" b="0" dirty="0">
-                        <a:solidFill>
-                          <a:schemeClr val="accent6">
-                            <a:lumMod val="75000"/>
-                          </a:schemeClr>
-                        </a:solidFill>
-                      </a:endParaRPr>
-                    </a:p>
-                  </a:txBody>
-                  <a:tcPr anchor="ctr">
-                    <a:solidFill>
-                      <a:schemeClr val="accent5">
-                        <a:lumMod val="60000"/>
-                        <a:lumOff val="40000"/>
-                      </a:schemeClr>
-                    </a:solidFill>
-                  </a:tcPr>
-                </a:tc>
-                <a:tc>
-                  <a:txBody>
-                    <a:bodyPr/>
-                    <a:lstStyle/>
-                    <a:p>
-                      <a:pPr algn="ctr"/>
-                      <a:r>
-                        <a:rPr lang="es-EC" sz="1050" b="0" smtClean="0">
-                          <a:solidFill>
-                            <a:schemeClr val="accent6">
-                              <a:lumMod val="75000"/>
-                            </a:schemeClr>
-                          </a:solidFill>
-                        </a:rPr>
-                        <a:t>data</a:t>
-                      </a:r>
-                      <a:endParaRPr lang="es-EC" sz="1050" b="0" dirty="0">
-                        <a:solidFill>
-                          <a:schemeClr val="accent6">
-                            <a:lumMod val="75000"/>
-                          </a:schemeClr>
-                        </a:solidFill>
-                      </a:endParaRPr>
-                    </a:p>
-                  </a:txBody>
-                  <a:tcPr anchor="ctr">
-                    <a:solidFill>
-                      <a:schemeClr val="accent5">
-                        <a:lumMod val="60000"/>
-                        <a:lumOff val="40000"/>
-                      </a:schemeClr>
-                    </a:solidFill>
-                  </a:tcPr>
-                </a:tc>
-                <a:tc>
-                  <a:txBody>
-                    <a:bodyPr/>
-                    <a:lstStyle/>
-                    <a:p>
-                      <a:pPr algn="ctr"/>
-                      <a:r>
-                        <a:rPr lang="es-EC" sz="1050" b="0" dirty="0" smtClean="0">
-                          <a:solidFill>
-                            <a:schemeClr val="accent6">
-                              <a:lumMod val="75000"/>
-                            </a:schemeClr>
-                          </a:solidFill>
-                        </a:rPr>
-                        <a:t>data</a:t>
-                      </a:r>
-                      <a:endParaRPr lang="es-EC" sz="1050" b="0" dirty="0">
-                        <a:solidFill>
-                          <a:schemeClr val="accent6">
-                            <a:lumMod val="75000"/>
-                          </a:schemeClr>
-                        </a:solidFill>
-                      </a:endParaRPr>
-                    </a:p>
-                  </a:txBody>
-                  <a:tcPr anchor="ctr">
-                    <a:solidFill>
-                      <a:schemeClr val="accent5">
-                        <a:lumMod val="60000"/>
-                        <a:lumOff val="40000"/>
-                      </a:schemeClr>
-                    </a:solidFill>
-                  </a:tcPr>
-                </a:tc>
-                <a:tc>
-                  <a:txBody>
-                    <a:bodyPr/>
-                    <a:lstStyle/>
-                    <a:p>
-                      <a:pPr algn="ctr"/>
-                      <a:r>
-                        <a:rPr lang="es-EC" sz="1050" b="0" dirty="0" smtClean="0">
-                          <a:solidFill>
-                            <a:schemeClr val="accent6">
-                              <a:lumMod val="75000"/>
-                            </a:schemeClr>
-                          </a:solidFill>
-                        </a:rPr>
-                        <a:t>data</a:t>
-                      </a:r>
-                      <a:endParaRPr lang="es-EC" sz="1050" b="0" dirty="0">
-                        <a:solidFill>
-                          <a:schemeClr val="accent6">
-                            <a:lumMod val="75000"/>
-                          </a:schemeClr>
-                        </a:solidFill>
-                      </a:endParaRPr>
-                    </a:p>
-                  </a:txBody>
-                  <a:tcPr anchor="ctr">
-                    <a:solidFill>
-                      <a:schemeClr val="accent5">
-                        <a:lumMod val="60000"/>
-                        <a:lumOff val="40000"/>
-                      </a:schemeClr>
-                    </a:solidFill>
-                  </a:tcPr>
-                </a:tc>
-                <a:tc>
-                  <a:txBody>
-                    <a:bodyPr/>
-                    <a:lstStyle/>
-                    <a:p>
-                      <a:pPr algn="ctr"/>
-                      <a:r>
-                        <a:rPr lang="es-EC" sz="1050" b="0" dirty="0" err="1" smtClean="0">
-                          <a:solidFill>
-                            <a:schemeClr val="accent6">
-                              <a:lumMod val="75000"/>
-                            </a:schemeClr>
-                          </a:solidFill>
-                        </a:rPr>
-                        <a:t>NaN</a:t>
-                      </a:r>
-                      <a:endParaRPr lang="es-EC" sz="1050" b="0" dirty="0">
-                        <a:solidFill>
-                          <a:schemeClr val="accent6">
-                            <a:lumMod val="75000"/>
-                          </a:schemeClr>
-                        </a:solidFill>
-                      </a:endParaRPr>
-                    </a:p>
-                  </a:txBody>
-                  <a:tcPr anchor="ctr">
-                    <a:solidFill>
-                      <a:schemeClr val="accent2">
-                        <a:lumMod val="60000"/>
-                        <a:lumOff val="40000"/>
-                      </a:schemeClr>
-                    </a:solidFill>
-                  </a:tcPr>
-                </a:tc>
-                <a:tc>
-                  <a:txBody>
-                    <a:bodyPr/>
-                    <a:lstStyle/>
-                    <a:p>
-                      <a:pPr algn="ctr"/>
-                      <a:r>
-                        <a:rPr lang="es-EC" sz="1050" b="0" dirty="0" smtClean="0">
-                          <a:solidFill>
-                            <a:schemeClr val="accent6">
-                              <a:lumMod val="75000"/>
-                            </a:schemeClr>
-                          </a:solidFill>
-                        </a:rPr>
-                        <a:t>data</a:t>
-                      </a:r>
-                      <a:endParaRPr lang="es-EC" sz="1050" b="0" dirty="0">
-                        <a:solidFill>
-                          <a:schemeClr val="accent6">
-                            <a:lumMod val="75000"/>
-                          </a:schemeClr>
-                        </a:solidFill>
-                      </a:endParaRPr>
-                    </a:p>
-                  </a:txBody>
-                  <a:tcPr anchor="ctr">
-                    <a:solidFill>
-                      <a:schemeClr val="accent5">
-                        <a:lumMod val="60000"/>
-                        <a:lumOff val="40000"/>
-                      </a:schemeClr>
-                    </a:solidFill>
-                  </a:tcPr>
-                </a:tc>
-              </a:tr>
-            </a:tbl>
-          </a:graphicData>
-        </a:graphic>
-      </p:graphicFrame>
+      <p:pic>
+        <p:nvPicPr>
+          <p:cNvPr id="5" name="Imagen 4"/>
+          <p:cNvPicPr>
+            <a:picLocks noChangeAspect="1"/>
+          </p:cNvPicPr>
+          <p:nvPr/>
+        </p:nvPicPr>
+        <p:blipFill>
+          <a:blip r:embed="rId2"/>
+          <a:stretch>
+            <a:fillRect/>
+          </a:stretch>
+        </p:blipFill>
+        <p:spPr>
+          <a:xfrm>
+            <a:off x="714375" y="1098373"/>
+            <a:ext cx="10763250" cy="5248275"/>
+          </a:xfrm>
+          <a:prstGeom prst="rect">
+            <a:avLst/>
+          </a:prstGeom>
+        </p:spPr>
+      </p:pic>
     </p:spTree>
     <p:extLst>
       <p:ext uri="{BB962C8B-B14F-4D97-AF65-F5344CB8AC3E}">
-        <p14:creationId xmlns:p14="http://schemas.microsoft.com/office/powerpoint/2010/main" val="14541762"/>
+        <p14:creationId xmlns:p14="http://schemas.microsoft.com/office/powerpoint/2010/main" val="129814445"/>
       </p:ext>
     </p:extLst>
   </p:cSld>
@@ -19047,16 +14928,10 @@
           <a:lstStyle/>
           <a:p>
             <a:r>
-              <a:rPr lang="es-EC" sz="3200" b="1" dirty="0" err="1" smtClean="0">
-                <a:latin typeface="Century Gothic" panose="020B0502020202020204" pitchFamily="34" charset="0"/>
-              </a:rPr>
-              <a:t>Dataset</a:t>
-            </a:r>
-            <a:r>
               <a:rPr lang="es-EC" sz="3200" b="1" dirty="0" smtClean="0">
                 <a:latin typeface="Century Gothic" panose="020B0502020202020204" pitchFamily="34" charset="0"/>
               </a:rPr>
-              <a:t> – Valores faltantes </a:t>
+              <a:t>Visualizaciones</a:t>
             </a:r>
             <a:endParaRPr lang="es-EC" sz="3200" b="1" dirty="0">
               <a:latin typeface="Century Gothic" panose="020B0502020202020204" pitchFamily="34" charset="0"/>
@@ -19080,337 +14955,18 @@
         </p:blipFill>
         <p:spPr>
           <a:xfrm>
-            <a:off x="743503" y="1191954"/>
-            <a:ext cx="2028825" cy="5048250"/>
+            <a:off x="0" y="831536"/>
+            <a:ext cx="12192000" cy="5420708"/>
           </a:xfrm>
           <a:prstGeom prst="rect">
             <a:avLst/>
           </a:prstGeom>
         </p:spPr>
       </p:pic>
-      <p:sp>
-        <p:nvSpPr>
-          <p:cNvPr id="9" name="Llamada con línea 1 8"/>
-          <p:cNvSpPr/>
-          <p:nvPr/>
-        </p:nvSpPr>
-        <p:spPr>
-          <a:xfrm>
-            <a:off x="5858539" y="1585359"/>
-            <a:ext cx="2179676" cy="520997"/>
-          </a:xfrm>
-          <a:prstGeom prst="borderCallout1">
-            <a:avLst>
-              <a:gd name="adj1" fmla="val 18750"/>
-              <a:gd name="adj2" fmla="val -8333"/>
-              <a:gd name="adj3" fmla="val 203751"/>
-              <a:gd name="adj4" fmla="val -147448"/>
-            </a:avLst>
-          </a:prstGeom>
-          <a:solidFill>
-            <a:schemeClr val="bg1"/>
-          </a:solidFill>
-          <a:ln w="38100">
-            <a:headEnd type="triangle" w="med" len="med"/>
-            <a:tailEnd type="none" w="med" len="med"/>
-          </a:ln>
-        </p:spPr>
-        <p:style>
-          <a:lnRef idx="2">
-            <a:schemeClr val="accent1">
-              <a:shade val="50000"/>
-            </a:schemeClr>
-          </a:lnRef>
-          <a:fillRef idx="1">
-            <a:schemeClr val="accent1"/>
-          </a:fillRef>
-          <a:effectRef idx="0">
-            <a:schemeClr val="accent1"/>
-          </a:effectRef>
-          <a:fontRef idx="minor">
-            <a:schemeClr val="lt1"/>
-          </a:fontRef>
-        </p:style>
-        <p:txBody>
-          <a:bodyPr rtlCol="0" anchor="ctr"/>
-          <a:lstStyle/>
-          <a:p>
-            <a:pPr algn="ctr"/>
-            <a:r>
-              <a:rPr lang="es-EC" dirty="0" smtClean="0">
-                <a:solidFill>
-                  <a:schemeClr val="tx1"/>
-                </a:solidFill>
-              </a:rPr>
-              <a:t>Variable Objetivo</a:t>
-            </a:r>
-            <a:endParaRPr lang="es-EC" dirty="0">
-              <a:solidFill>
-                <a:schemeClr val="tx1"/>
-              </a:solidFill>
-            </a:endParaRPr>
-          </a:p>
-        </p:txBody>
-      </p:sp>
-      <p:sp>
-        <p:nvSpPr>
-          <p:cNvPr id="10" name="Llamada con línea 1 9"/>
-          <p:cNvSpPr/>
-          <p:nvPr/>
-        </p:nvSpPr>
-        <p:spPr>
-          <a:xfrm>
-            <a:off x="5858539" y="5416625"/>
-            <a:ext cx="2179676" cy="520997"/>
-          </a:xfrm>
-          <a:prstGeom prst="borderCallout1">
-            <a:avLst>
-              <a:gd name="adj1" fmla="val 18750"/>
-              <a:gd name="adj2" fmla="val -8333"/>
-              <a:gd name="adj3" fmla="val 71098"/>
-              <a:gd name="adj4" fmla="val -144033"/>
-            </a:avLst>
-          </a:prstGeom>
-          <a:solidFill>
-            <a:schemeClr val="bg1"/>
-          </a:solidFill>
-          <a:ln w="38100">
-            <a:headEnd type="triangle" w="med" len="med"/>
-            <a:tailEnd type="none" w="med" len="med"/>
-          </a:ln>
-        </p:spPr>
-        <p:style>
-          <a:lnRef idx="2">
-            <a:schemeClr val="accent1">
-              <a:shade val="50000"/>
-            </a:schemeClr>
-          </a:lnRef>
-          <a:fillRef idx="1">
-            <a:schemeClr val="accent1"/>
-          </a:fillRef>
-          <a:effectRef idx="0">
-            <a:schemeClr val="accent1"/>
-          </a:effectRef>
-          <a:fontRef idx="minor">
-            <a:schemeClr val="lt1"/>
-          </a:fontRef>
-        </p:style>
-        <p:txBody>
-          <a:bodyPr rtlCol="0" anchor="ctr"/>
-          <a:lstStyle/>
-          <a:p>
-            <a:pPr algn="ctr"/>
-            <a:r>
-              <a:rPr lang="es-EC" dirty="0" smtClean="0">
-                <a:solidFill>
-                  <a:schemeClr val="tx1"/>
-                </a:solidFill>
-              </a:rPr>
-              <a:t>Datos faltantes</a:t>
-            </a:r>
-            <a:endParaRPr lang="es-EC" dirty="0">
-              <a:solidFill>
-                <a:schemeClr val="tx1"/>
-              </a:solidFill>
-            </a:endParaRPr>
-          </a:p>
-        </p:txBody>
-      </p:sp>
-      <p:sp>
-        <p:nvSpPr>
-          <p:cNvPr id="11" name="Cerrar llave 10"/>
-          <p:cNvSpPr/>
-          <p:nvPr/>
-        </p:nvSpPr>
-        <p:spPr>
-          <a:xfrm>
-            <a:off x="2583712" y="5390707"/>
-            <a:ext cx="85060" cy="765544"/>
-          </a:xfrm>
-          <a:prstGeom prst="rightBrace">
-            <a:avLst/>
-          </a:prstGeom>
-          <a:ln w="38100"/>
-        </p:spPr>
-        <p:style>
-          <a:lnRef idx="1">
-            <a:schemeClr val="accent1"/>
-          </a:lnRef>
-          <a:fillRef idx="0">
-            <a:schemeClr val="accent1"/>
-          </a:fillRef>
-          <a:effectRef idx="0">
-            <a:schemeClr val="accent1"/>
-          </a:effectRef>
-          <a:fontRef idx="minor">
-            <a:schemeClr val="tx1"/>
-          </a:fontRef>
-        </p:style>
-        <p:txBody>
-          <a:bodyPr rtlCol="0" anchor="ctr"/>
-          <a:lstStyle/>
-          <a:p>
-            <a:pPr algn="ctr"/>
-            <a:endParaRPr lang="es-EC"/>
-          </a:p>
-        </p:txBody>
-      </p:sp>
-      <p:grpSp>
-        <p:nvGrpSpPr>
-          <p:cNvPr id="14" name="Grupo 13"/>
-          <p:cNvGrpSpPr/>
-          <p:nvPr/>
-        </p:nvGrpSpPr>
-        <p:grpSpPr>
-          <a:xfrm>
-            <a:off x="8346559" y="1112137"/>
-            <a:ext cx="1669311" cy="1467441"/>
-            <a:chOff x="8346559" y="1112137"/>
-            <a:chExt cx="1669311" cy="1467441"/>
-          </a:xfrm>
-        </p:grpSpPr>
-        <p:sp>
-          <p:nvSpPr>
-            <p:cNvPr id="12" name="Abrir llave 11"/>
-            <p:cNvSpPr/>
-            <p:nvPr/>
-          </p:nvSpPr>
-          <p:spPr>
-            <a:xfrm>
-              <a:off x="8346559" y="1112137"/>
-              <a:ext cx="457200" cy="1467441"/>
-            </a:xfrm>
-            <a:prstGeom prst="leftBrace">
-              <a:avLst/>
-            </a:prstGeom>
-            <a:ln w="28575"/>
-          </p:spPr>
-          <p:style>
-            <a:lnRef idx="1">
-              <a:schemeClr val="accent1"/>
-            </a:lnRef>
-            <a:fillRef idx="0">
-              <a:schemeClr val="accent1"/>
-            </a:fillRef>
-            <a:effectRef idx="0">
-              <a:schemeClr val="accent1"/>
-            </a:effectRef>
-            <a:fontRef idx="minor">
-              <a:schemeClr val="tx1"/>
-            </a:fontRef>
-          </p:style>
-          <p:txBody>
-            <a:bodyPr rtlCol="0" anchor="ctr"/>
-            <a:lstStyle/>
-            <a:p>
-              <a:pPr algn="ctr"/>
-              <a:endParaRPr lang="es-EC"/>
-            </a:p>
-          </p:txBody>
-        </p:sp>
-        <p:sp>
-          <p:nvSpPr>
-            <p:cNvPr id="13" name="CuadroTexto 12"/>
-            <p:cNvSpPr txBox="1"/>
-            <p:nvPr/>
-          </p:nvSpPr>
-          <p:spPr>
-            <a:xfrm>
-              <a:off x="8729331" y="1245692"/>
-              <a:ext cx="1286539" cy="1200329"/>
-            </a:xfrm>
-            <a:prstGeom prst="rect">
-              <a:avLst/>
-            </a:prstGeom>
-            <a:noFill/>
-          </p:spPr>
-          <p:txBody>
-            <a:bodyPr wrap="square" rtlCol="0">
-              <a:spAutoFit/>
-            </a:bodyPr>
-            <a:lstStyle/>
-            <a:p>
-              <a:pPr marL="285750" indent="-285750">
-                <a:buFont typeface="Wingdings" panose="05000000000000000000" pitchFamily="2" charset="2"/>
-                <a:buChar char="l"/>
-              </a:pPr>
-              <a:r>
-                <a:rPr lang="es-EC" dirty="0" smtClean="0">
-                  <a:solidFill>
-                    <a:schemeClr val="accent6">
-                      <a:lumMod val="75000"/>
-                    </a:schemeClr>
-                  </a:solidFill>
-                  <a:sym typeface="Wingdings" panose="05000000000000000000" pitchFamily="2" charset="2"/>
-                </a:rPr>
-                <a:t>Green</a:t>
-              </a:r>
-            </a:p>
-            <a:p>
-              <a:pPr marL="285750" indent="-285750">
-                <a:buFont typeface="Wingdings" panose="05000000000000000000" pitchFamily="2" charset="2"/>
-                <a:buChar char="l"/>
-              </a:pPr>
-              <a:r>
-                <a:rPr lang="es-EC" dirty="0" err="1" smtClean="0">
-                  <a:solidFill>
-                    <a:schemeClr val="accent4">
-                      <a:lumMod val="75000"/>
-                    </a:schemeClr>
-                  </a:solidFill>
-                </a:rPr>
-                <a:t>Yellow</a:t>
-              </a:r>
-              <a:endParaRPr lang="es-EC" dirty="0" smtClean="0">
-                <a:solidFill>
-                  <a:schemeClr val="accent4">
-                    <a:lumMod val="75000"/>
-                  </a:schemeClr>
-                </a:solidFill>
-              </a:endParaRPr>
-            </a:p>
-            <a:p>
-              <a:pPr marL="285750" indent="-285750">
-                <a:buFont typeface="Wingdings" panose="05000000000000000000" pitchFamily="2" charset="2"/>
-                <a:buChar char="l"/>
-              </a:pPr>
-              <a:r>
-                <a:rPr lang="es-EC" dirty="0" smtClean="0">
-                  <a:solidFill>
-                    <a:schemeClr val="accent2">
-                      <a:lumMod val="75000"/>
-                    </a:schemeClr>
-                  </a:solidFill>
-                </a:rPr>
-                <a:t>Orange</a:t>
-              </a:r>
-            </a:p>
-            <a:p>
-              <a:pPr marL="285750" indent="-285750">
-                <a:buFont typeface="Wingdings" panose="05000000000000000000" pitchFamily="2" charset="2"/>
-                <a:buChar char="l"/>
-              </a:pPr>
-              <a:r>
-                <a:rPr lang="es-EC" dirty="0" smtClean="0">
-                  <a:solidFill>
-                    <a:srgbClr val="C00000"/>
-                  </a:solidFill>
-                </a:rPr>
-                <a:t>Red</a:t>
-              </a:r>
-              <a:endParaRPr lang="es-EC" dirty="0">
-                <a:solidFill>
-                  <a:srgbClr val="C00000"/>
-                </a:solidFill>
-              </a:endParaRPr>
-            </a:p>
-          </p:txBody>
-        </p:sp>
-      </p:grpSp>
     </p:spTree>
     <p:extLst>
       <p:ext uri="{BB962C8B-B14F-4D97-AF65-F5344CB8AC3E}">
-        <p14:creationId xmlns:p14="http://schemas.microsoft.com/office/powerpoint/2010/main" val="193399978"/>
+        <p14:creationId xmlns:p14="http://schemas.microsoft.com/office/powerpoint/2010/main" val="2480662039"/>
       </p:ext>
     </p:extLst>
   </p:cSld>
@@ -19420,231 +14976,9 @@
   <p:timing>
     <p:tnLst>
       <p:par>
-        <p:cTn id="1" dur="indefinite" restart="never" nodeType="tmRoot">
-          <p:childTnLst>
-            <p:seq concurrent="1" nextAc="seek">
-              <p:cTn id="2" dur="indefinite" nodeType="mainSeq">
-                <p:childTnLst>
-                  <p:par>
-                    <p:cTn id="3" fill="hold">
-                      <p:stCondLst>
-                        <p:cond delay="indefinite"/>
-                      </p:stCondLst>
-                      <p:childTnLst>
-                        <p:par>
-                          <p:cTn id="4" fill="hold">
-                            <p:stCondLst>
-                              <p:cond delay="0"/>
-                            </p:stCondLst>
-                            <p:childTnLst>
-                              <p:par>
-                                <p:cTn id="5" presetID="10" presetClass="entr" presetSubtype="0" fill="hold" grpId="0" nodeType="clickEffect">
-                                  <p:stCondLst>
-                                    <p:cond delay="0"/>
-                                  </p:stCondLst>
-                                  <p:childTnLst>
-                                    <p:set>
-                                      <p:cBhvr>
-                                        <p:cTn id="6" dur="1" fill="hold">
-                                          <p:stCondLst>
-                                            <p:cond delay="0"/>
-                                          </p:stCondLst>
-                                        </p:cTn>
-                                        <p:tgtEl>
-                                          <p:spTgt spid="9"/>
-                                        </p:tgtEl>
-                                        <p:attrNameLst>
-                                          <p:attrName>style.visibility</p:attrName>
-                                        </p:attrNameLst>
-                                      </p:cBhvr>
-                                      <p:to>
-                                        <p:strVal val="visible"/>
-                                      </p:to>
-                                    </p:set>
-                                    <p:animEffect transition="in" filter="fade">
-                                      <p:cBhvr>
-                                        <p:cTn id="7" dur="500"/>
-                                        <p:tgtEl>
-                                          <p:spTgt spid="9"/>
-                                        </p:tgtEl>
-                                      </p:cBhvr>
-                                    </p:animEffect>
-                                  </p:childTnLst>
-                                </p:cTn>
-                              </p:par>
-                            </p:childTnLst>
-                          </p:cTn>
-                        </p:par>
-                      </p:childTnLst>
-                    </p:cTn>
-                  </p:par>
-                  <p:par>
-                    <p:cTn id="8" fill="hold">
-                      <p:stCondLst>
-                        <p:cond delay="indefinite"/>
-                      </p:stCondLst>
-                      <p:childTnLst>
-                        <p:par>
-                          <p:cTn id="9" fill="hold">
-                            <p:stCondLst>
-                              <p:cond delay="0"/>
-                            </p:stCondLst>
-                            <p:childTnLst>
-                              <p:par>
-                                <p:cTn id="10" presetID="10" presetClass="entr" presetSubtype="0" fill="hold" nodeType="clickEffect">
-                                  <p:stCondLst>
-                                    <p:cond delay="0"/>
-                                  </p:stCondLst>
-                                  <p:childTnLst>
-                                    <p:set>
-                                      <p:cBhvr>
-                                        <p:cTn id="11" dur="1" fill="hold">
-                                          <p:stCondLst>
-                                            <p:cond delay="0"/>
-                                          </p:stCondLst>
-                                        </p:cTn>
-                                        <p:tgtEl>
-                                          <p:spTgt spid="14"/>
-                                        </p:tgtEl>
-                                        <p:attrNameLst>
-                                          <p:attrName>style.visibility</p:attrName>
-                                        </p:attrNameLst>
-                                      </p:cBhvr>
-                                      <p:to>
-                                        <p:strVal val="visible"/>
-                                      </p:to>
-                                    </p:set>
-                                    <p:animEffect transition="in" filter="fade">
-                                      <p:cBhvr>
-                                        <p:cTn id="12" dur="500"/>
-                                        <p:tgtEl>
-                                          <p:spTgt spid="14"/>
-                                        </p:tgtEl>
-                                      </p:cBhvr>
-                                    </p:animEffect>
-                                  </p:childTnLst>
-                                </p:cTn>
-                              </p:par>
-                            </p:childTnLst>
-                          </p:cTn>
-                        </p:par>
-                      </p:childTnLst>
-                    </p:cTn>
-                  </p:par>
-                  <p:par>
-                    <p:cTn id="13" fill="hold">
-                      <p:stCondLst>
-                        <p:cond delay="indefinite"/>
-                      </p:stCondLst>
-                      <p:childTnLst>
-                        <p:par>
-                          <p:cTn id="14" fill="hold">
-                            <p:stCondLst>
-                              <p:cond delay="0"/>
-                            </p:stCondLst>
-                            <p:childTnLst>
-                              <p:par>
-                                <p:cTn id="15" presetID="10" presetClass="entr" presetSubtype="0" fill="hold" grpId="0" nodeType="clickEffect">
-                                  <p:stCondLst>
-                                    <p:cond delay="0"/>
-                                  </p:stCondLst>
-                                  <p:childTnLst>
-                                    <p:set>
-                                      <p:cBhvr>
-                                        <p:cTn id="16" dur="1" fill="hold">
-                                          <p:stCondLst>
-                                            <p:cond delay="0"/>
-                                          </p:stCondLst>
-                                        </p:cTn>
-                                        <p:tgtEl>
-                                          <p:spTgt spid="10"/>
-                                        </p:tgtEl>
-                                        <p:attrNameLst>
-                                          <p:attrName>style.visibility</p:attrName>
-                                        </p:attrNameLst>
-                                      </p:cBhvr>
-                                      <p:to>
-                                        <p:strVal val="visible"/>
-                                      </p:to>
-                                    </p:set>
-                                    <p:animEffect transition="in" filter="fade">
-                                      <p:cBhvr>
-                                        <p:cTn id="17" dur="500"/>
-                                        <p:tgtEl>
-                                          <p:spTgt spid="10"/>
-                                        </p:tgtEl>
-                                      </p:cBhvr>
-                                    </p:animEffect>
-                                  </p:childTnLst>
-                                </p:cTn>
-                              </p:par>
-                              <p:par>
-                                <p:cTn id="18" presetID="10" presetClass="entr" presetSubtype="0" fill="hold" grpId="0" nodeType="withEffect">
-                                  <p:stCondLst>
-                                    <p:cond delay="0"/>
-                                  </p:stCondLst>
-                                  <p:childTnLst>
-                                    <p:set>
-                                      <p:cBhvr>
-                                        <p:cTn id="19" dur="1" fill="hold">
-                                          <p:stCondLst>
-                                            <p:cond delay="0"/>
-                                          </p:stCondLst>
-                                        </p:cTn>
-                                        <p:tgtEl>
-                                          <p:spTgt spid="11"/>
-                                        </p:tgtEl>
-                                        <p:attrNameLst>
-                                          <p:attrName>style.visibility</p:attrName>
-                                        </p:attrNameLst>
-                                      </p:cBhvr>
-                                      <p:to>
-                                        <p:strVal val="visible"/>
-                                      </p:to>
-                                    </p:set>
-                                    <p:animEffect transition="in" filter="fade">
-                                      <p:cBhvr>
-                                        <p:cTn id="20" dur="500"/>
-                                        <p:tgtEl>
-                                          <p:spTgt spid="11"/>
-                                        </p:tgtEl>
-                                      </p:cBhvr>
-                                    </p:animEffect>
-                                  </p:childTnLst>
-                                </p:cTn>
-                              </p:par>
-                            </p:childTnLst>
-                          </p:cTn>
-                        </p:par>
-                      </p:childTnLst>
-                    </p:cTn>
-                  </p:par>
-                </p:childTnLst>
-              </p:cTn>
-              <p:prevCondLst>
-                <p:cond evt="onPrev" delay="0">
-                  <p:tgtEl>
-                    <p:sldTgt/>
-                  </p:tgtEl>
-                </p:cond>
-              </p:prevCondLst>
-              <p:nextCondLst>
-                <p:cond evt="onNext" delay="0">
-                  <p:tgtEl>
-                    <p:sldTgt/>
-                  </p:tgtEl>
-                </p:cond>
-              </p:nextCondLst>
-            </p:seq>
-          </p:childTnLst>
-        </p:cTn>
+        <p:cTn id="1" dur="indefinite" restart="never" nodeType="tmRoot"/>
       </p:par>
     </p:tnLst>
-    <p:bldLst>
-      <p:bldP spid="9" grpId="0" animBg="1"/>
-      <p:bldP spid="10" grpId="0" animBg="1"/>
-      <p:bldP spid="11" grpId="0" animBg="1"/>
-    </p:bldLst>
   </p:timing>
 </p:sld>
 </file>
@@ -19692,19 +15026,7 @@
               <a:rPr lang="es-EC" sz="3200" b="1" dirty="0" smtClean="0">
                 <a:latin typeface="Century Gothic" panose="020B0502020202020204" pitchFamily="34" charset="0"/>
               </a:rPr>
-              <a:t>Estrategia - </a:t>
-            </a:r>
-            <a:r>
-              <a:rPr lang="en-US" sz="3200" dirty="0" err="1"/>
-              <a:t>OpenCage</a:t>
-            </a:r>
-            <a:r>
-              <a:rPr lang="en-US" sz="3200" dirty="0"/>
-              <a:t> Geocoding </a:t>
-            </a:r>
-            <a:r>
-              <a:rPr lang="en-US" sz="3200" dirty="0" smtClean="0"/>
-              <a:t>API</a:t>
+              <a:t>Visualizaciones</a:t>
             </a:r>
             <a:endParaRPr lang="es-EC" sz="3200" b="1" dirty="0">
               <a:latin typeface="Century Gothic" panose="020B0502020202020204" pitchFamily="34" charset="0"/>
@@ -19714,7 +15036,7 @@
       </p:sp>
       <p:pic>
         <p:nvPicPr>
-          <p:cNvPr id="3" name="Imagen 2"/>
+          <p:cNvPr id="4" name="Imagen 3"/>
           <p:cNvPicPr>
             <a:picLocks noChangeAspect="1"/>
           </p:cNvPicPr>
@@ -19728,32 +15050,8 @@
         </p:blipFill>
         <p:spPr>
           <a:xfrm>
-            <a:off x="753139" y="1723662"/>
-            <a:ext cx="6985590" cy="3928034"/>
-          </a:xfrm>
-          <a:prstGeom prst="rect">
-            <a:avLst/>
-          </a:prstGeom>
-        </p:spPr>
-      </p:pic>
-      <p:pic>
-        <p:nvPicPr>
-          <p:cNvPr id="4" name="Imagen 3"/>
-          <p:cNvPicPr>
-            <a:picLocks noChangeAspect="1"/>
-          </p:cNvPicPr>
-          <p:nvPr/>
-        </p:nvPicPr>
-        <p:blipFill>
-          <a:blip r:embed="rId3"/>
-          <a:stretch>
-            <a:fillRect/>
-          </a:stretch>
-        </p:blipFill>
-        <p:spPr>
-          <a:xfrm>
-            <a:off x="8630204" y="1311191"/>
-            <a:ext cx="2714625" cy="4752975"/>
+            <a:off x="0" y="865403"/>
+            <a:ext cx="12192000" cy="5420708"/>
           </a:xfrm>
           <a:prstGeom prst="rect">
             <a:avLst/>
@@ -19763,7 +15061,7 @@
     </p:spTree>
     <p:extLst>
       <p:ext uri="{BB962C8B-B14F-4D97-AF65-F5344CB8AC3E}">
-        <p14:creationId xmlns:p14="http://schemas.microsoft.com/office/powerpoint/2010/main" val="3181340215"/>
+        <p14:creationId xmlns:p14="http://schemas.microsoft.com/office/powerpoint/2010/main" val="3524026027"/>
       </p:ext>
     </p:extLst>
   </p:cSld>
@@ -19820,35 +15118,20 @@
           <a:lstStyle/>
           <a:p>
             <a:r>
-              <a:rPr lang="es-EC" sz="3200" b="1" dirty="0" err="1">
+              <a:rPr lang="es-EC" sz="3200" b="1" dirty="0" smtClean="0">
                 <a:latin typeface="Century Gothic" panose="020B0502020202020204" pitchFamily="34" charset="0"/>
               </a:rPr>
-              <a:t>OpenCage</a:t>
+              <a:t>Visualizaciones</a:t>
             </a:r>
-            <a:r>
-              <a:rPr lang="es-EC" sz="3200" b="1" dirty="0">
-                <a:latin typeface="Century Gothic" panose="020B0502020202020204" pitchFamily="34" charset="0"/>
-              </a:rPr>
-              <a:t> </a:t>
-            </a:r>
-            <a:r>
-              <a:rPr lang="es-EC" sz="3200" b="1" dirty="0" err="1">
-                <a:latin typeface="Century Gothic" panose="020B0502020202020204" pitchFamily="34" charset="0"/>
-              </a:rPr>
-              <a:t>Geocoding</a:t>
-            </a:r>
-            <a:r>
-              <a:rPr lang="es-EC" sz="3200" b="1" dirty="0">
-                <a:latin typeface="Century Gothic" panose="020B0502020202020204" pitchFamily="34" charset="0"/>
-              </a:rPr>
-              <a:t> API</a:t>
-            </a:r>
+            <a:endParaRPr lang="es-EC" sz="3200" b="1" dirty="0">
+              <a:latin typeface="Century Gothic" panose="020B0502020202020204" pitchFamily="34" charset="0"/>
+            </a:endParaRPr>
           </a:p>
         </p:txBody>
       </p:sp>
       <p:pic>
         <p:nvPicPr>
-          <p:cNvPr id="3" name="Imagen 2"/>
+          <p:cNvPr id="5" name="Imagen 4"/>
           <p:cNvPicPr>
             <a:picLocks noChangeAspect="1"/>
           </p:cNvPicPr>
@@ -19862,32 +15145,8 @@
         </p:blipFill>
         <p:spPr>
           <a:xfrm>
-            <a:off x="323850" y="1189740"/>
-            <a:ext cx="5772150" cy="5010150"/>
-          </a:xfrm>
-          <a:prstGeom prst="rect">
-            <a:avLst/>
-          </a:prstGeom>
-        </p:spPr>
-      </p:pic>
-      <p:pic>
-        <p:nvPicPr>
-          <p:cNvPr id="5" name="Imagen 4"/>
-          <p:cNvPicPr>
-            <a:picLocks noChangeAspect="1"/>
-          </p:cNvPicPr>
-          <p:nvPr/>
-        </p:nvPicPr>
-        <p:blipFill>
-          <a:blip r:embed="rId3"/>
-          <a:stretch>
-            <a:fillRect/>
-          </a:stretch>
-        </p:blipFill>
-        <p:spPr>
-          <a:xfrm>
-            <a:off x="6243527" y="2242252"/>
-            <a:ext cx="5829300" cy="2905125"/>
+            <a:off x="0" y="2177319"/>
+            <a:ext cx="12192000" cy="2503361"/>
           </a:xfrm>
           <a:prstGeom prst="rect">
             <a:avLst/>
@@ -19903,15 +15162,15 @@
           <p:nvPr/>
         </p:nvPicPr>
         <p:blipFill>
-          <a:blip r:embed="rId4"/>
+          <a:blip r:embed="rId3"/>
           <a:stretch>
             <a:fillRect/>
           </a:stretch>
         </p:blipFill>
         <p:spPr>
           <a:xfrm>
-            <a:off x="3209925" y="1047750"/>
-            <a:ext cx="5286375" cy="5810250"/>
+            <a:off x="2833864" y="823383"/>
+            <a:ext cx="6343650" cy="5753100"/>
           </a:xfrm>
           <a:prstGeom prst="rect">
             <a:avLst/>
@@ -19921,7 +15180,7 @@
     </p:spTree>
     <p:extLst>
       <p:ext uri="{BB962C8B-B14F-4D97-AF65-F5344CB8AC3E}">
-        <p14:creationId xmlns:p14="http://schemas.microsoft.com/office/powerpoint/2010/main" val="3071438893"/>
+        <p14:creationId xmlns:p14="http://schemas.microsoft.com/office/powerpoint/2010/main" val="1844692522"/>
       </p:ext>
     </p:extLst>
   </p:cSld>
@@ -19949,7 +15208,7 @@
                             </p:stCondLst>
                             <p:childTnLst>
                               <p:par>
-                                <p:cTn id="5" presetID="10" presetClass="entr" presetSubtype="0" fill="hold" nodeType="clickEffect">
+                                <p:cTn id="5" presetID="14" presetClass="entr" presetSubtype="10" fill="hold" nodeType="clickEffect">
                                   <p:stCondLst>
                                     <p:cond delay="0"/>
                                   </p:stCondLst>
@@ -19957,112 +15216,6 @@
                                     <p:set>
                                       <p:cBhvr>
                                         <p:cTn id="6" dur="1" fill="hold">
-                                          <p:stCondLst>
-                                            <p:cond delay="0"/>
-                                          </p:stCondLst>
-                                        </p:cTn>
-                                        <p:tgtEl>
-                                          <p:spTgt spid="3"/>
-                                        </p:tgtEl>
-                                        <p:attrNameLst>
-                                          <p:attrName>style.visibility</p:attrName>
-                                        </p:attrNameLst>
-                                      </p:cBhvr>
-                                      <p:to>
-                                        <p:strVal val="visible"/>
-                                      </p:to>
-                                    </p:set>
-                                    <p:animEffect transition="in" filter="fade">
-                                      <p:cBhvr>
-                                        <p:cTn id="7" dur="500"/>
-                                        <p:tgtEl>
-                                          <p:spTgt spid="3"/>
-                                        </p:tgtEl>
-                                      </p:cBhvr>
-                                    </p:animEffect>
-                                  </p:childTnLst>
-                                </p:cTn>
-                              </p:par>
-                            </p:childTnLst>
-                          </p:cTn>
-                        </p:par>
-                      </p:childTnLst>
-                    </p:cTn>
-                  </p:par>
-                  <p:par>
-                    <p:cTn id="8" fill="hold">
-                      <p:stCondLst>
-                        <p:cond delay="indefinite"/>
-                      </p:stCondLst>
-                      <p:childTnLst>
-                        <p:par>
-                          <p:cTn id="9" fill="hold">
-                            <p:stCondLst>
-                              <p:cond delay="0"/>
-                            </p:stCondLst>
-                            <p:childTnLst>
-                              <p:par>
-                                <p:cTn id="10" presetID="10" presetClass="entr" presetSubtype="0" fill="hold" nodeType="clickEffect">
-                                  <p:stCondLst>
-                                    <p:cond delay="0"/>
-                                  </p:stCondLst>
-                                  <p:childTnLst>
-                                    <p:set>
-                                      <p:cBhvr>
-                                        <p:cTn id="11" dur="1" fill="hold">
-                                          <p:stCondLst>
-                                            <p:cond delay="0"/>
-                                          </p:stCondLst>
-                                        </p:cTn>
-                                        <p:tgtEl>
-                                          <p:spTgt spid="5"/>
-                                        </p:tgtEl>
-                                        <p:attrNameLst>
-                                          <p:attrName>style.visibility</p:attrName>
-                                        </p:attrNameLst>
-                                      </p:cBhvr>
-                                      <p:to>
-                                        <p:strVal val="visible"/>
-                                      </p:to>
-                                    </p:set>
-                                    <p:animEffect transition="in" filter="fade">
-                                      <p:cBhvr>
-                                        <p:cTn id="12" dur="500"/>
-                                        <p:tgtEl>
-                                          <p:spTgt spid="5"/>
-                                        </p:tgtEl>
-                                      </p:cBhvr>
-                                    </p:animEffect>
-                                  </p:childTnLst>
-                                </p:cTn>
-                              </p:par>
-                            </p:childTnLst>
-                          </p:cTn>
-                        </p:par>
-                      </p:childTnLst>
-                    </p:cTn>
-                  </p:par>
-                  <p:par>
-                    <p:cTn id="13" fill="hold">
-                      <p:stCondLst>
-                        <p:cond delay="indefinite"/>
-                      </p:stCondLst>
-                      <p:childTnLst>
-                        <p:par>
-                          <p:cTn id="14" fill="hold">
-                            <p:stCondLst>
-                              <p:cond delay="0"/>
-                            </p:stCondLst>
-                            <p:childTnLst>
-                              <p:par>
-                                <p:cTn id="15" presetID="10" presetClass="entr" presetSubtype="0" fill="hold" nodeType="clickEffect">
-                                  <p:stCondLst>
-                                    <p:cond delay="0"/>
-                                  </p:stCondLst>
-                                  <p:childTnLst>
-                                    <p:set>
-                                      <p:cBhvr>
-                                        <p:cTn id="16" dur="1" fill="hold">
                                           <p:stCondLst>
                                             <p:cond delay="0"/>
                                           </p:stCondLst>
@@ -20078,9 +15231,9 @@
                                         <p:strVal val="visible"/>
                                       </p:to>
                                     </p:set>
-                                    <p:animEffect transition="in" filter="fade">
+                                    <p:animEffect transition="in" filter="randombar(horizontal)">
                                       <p:cBhvr>
-                                        <p:cTn id="17" dur="500"/>
+                                        <p:cTn id="7" dur="500"/>
                                         <p:tgtEl>
                                           <p:spTgt spid="6"/>
                                         </p:tgtEl>
@@ -20160,35 +15313,20 @@
           <a:lstStyle/>
           <a:p>
             <a:r>
-              <a:rPr lang="es-EC" sz="3200" b="1" dirty="0" err="1">
+              <a:rPr lang="es-EC" sz="3200" b="1" dirty="0" smtClean="0">
                 <a:latin typeface="Century Gothic" panose="020B0502020202020204" pitchFamily="34" charset="0"/>
               </a:rPr>
-              <a:t>OpenCage</a:t>
+              <a:t>Retos</a:t>
             </a:r>
-            <a:r>
-              <a:rPr lang="es-EC" sz="3200" b="1" dirty="0">
-                <a:latin typeface="Century Gothic" panose="020B0502020202020204" pitchFamily="34" charset="0"/>
-              </a:rPr>
-              <a:t> </a:t>
-            </a:r>
-            <a:r>
-              <a:rPr lang="es-EC" sz="3200" b="1" dirty="0" err="1">
-                <a:latin typeface="Century Gothic" panose="020B0502020202020204" pitchFamily="34" charset="0"/>
-              </a:rPr>
-              <a:t>Geocoding</a:t>
-            </a:r>
-            <a:r>
-              <a:rPr lang="es-EC" sz="3200" b="1" dirty="0">
-                <a:latin typeface="Century Gothic" panose="020B0502020202020204" pitchFamily="34" charset="0"/>
-              </a:rPr>
-              <a:t> API</a:t>
-            </a:r>
+            <a:endParaRPr lang="es-EC" sz="3200" b="1" dirty="0">
+              <a:latin typeface="Century Gothic" panose="020B0502020202020204" pitchFamily="34" charset="0"/>
+            </a:endParaRPr>
           </a:p>
         </p:txBody>
       </p:sp>
       <p:pic>
         <p:nvPicPr>
-          <p:cNvPr id="4" name="Imagen 3"/>
+          <p:cNvPr id="3" name="Imagen 2"/>
           <p:cNvPicPr>
             <a:picLocks noChangeAspect="1"/>
           </p:cNvPicPr>
@@ -20202,119 +15340,18 @@
         </p:blipFill>
         <p:spPr>
           <a:xfrm>
-            <a:off x="843848" y="1572177"/>
-            <a:ext cx="1743075" cy="4181475"/>
+            <a:off x="1252537" y="864482"/>
+            <a:ext cx="9686925" cy="5648325"/>
           </a:xfrm>
           <a:prstGeom prst="rect">
             <a:avLst/>
           </a:prstGeom>
         </p:spPr>
       </p:pic>
-      <p:pic>
-        <p:nvPicPr>
-          <p:cNvPr id="7" name="Imagen 6"/>
-          <p:cNvPicPr>
-            <a:picLocks noChangeAspect="1"/>
-          </p:cNvPicPr>
-          <p:nvPr/>
-        </p:nvPicPr>
-        <p:blipFill>
-          <a:blip r:embed="rId3"/>
-          <a:stretch>
-            <a:fillRect/>
-          </a:stretch>
-        </p:blipFill>
-        <p:spPr>
-          <a:xfrm>
-            <a:off x="6501692" y="0"/>
-            <a:ext cx="4781341" cy="6858000"/>
-          </a:xfrm>
-          <a:prstGeom prst="rect">
-            <a:avLst/>
-          </a:prstGeom>
-        </p:spPr>
-      </p:pic>
-      <p:sp>
-        <p:nvSpPr>
-          <p:cNvPr id="8" name="Flecha a la derecha con bandas 7"/>
-          <p:cNvSpPr/>
-          <p:nvPr/>
-        </p:nvSpPr>
-        <p:spPr>
-          <a:xfrm>
-            <a:off x="4125432" y="2923953"/>
-            <a:ext cx="1605516" cy="1010093"/>
-          </a:xfrm>
-          <a:prstGeom prst="stripedRightArrow">
-            <a:avLst/>
-          </a:prstGeom>
-        </p:spPr>
-        <p:style>
-          <a:lnRef idx="2">
-            <a:schemeClr val="accent5">
-              <a:shade val="50000"/>
-            </a:schemeClr>
-          </a:lnRef>
-          <a:fillRef idx="1">
-            <a:schemeClr val="accent5"/>
-          </a:fillRef>
-          <a:effectRef idx="0">
-            <a:schemeClr val="accent5"/>
-          </a:effectRef>
-          <a:fontRef idx="minor">
-            <a:schemeClr val="lt1"/>
-          </a:fontRef>
-        </p:style>
-        <p:txBody>
-          <a:bodyPr rtlCol="0" anchor="ctr"/>
-          <a:lstStyle/>
-          <a:p>
-            <a:pPr algn="ctr"/>
-            <a:endParaRPr lang="es-EC"/>
-          </a:p>
-        </p:txBody>
-      </p:sp>
-      <p:pic>
-        <p:nvPicPr>
-          <p:cNvPr id="9" name="Imagen 8"/>
-          <p:cNvPicPr>
-            <a:picLocks noChangeAspect="1"/>
-          </p:cNvPicPr>
-          <p:nvPr/>
-        </p:nvPicPr>
-        <p:blipFill>
-          <a:blip r:embed="rId4"/>
-          <a:stretch>
-            <a:fillRect/>
-          </a:stretch>
-        </p:blipFill>
-        <p:spPr>
-          <a:xfrm>
-            <a:off x="2928604" y="523689"/>
-            <a:ext cx="5200650" cy="6115050"/>
-          </a:xfrm>
-          <a:prstGeom prst="rect">
-            <a:avLst/>
-          </a:prstGeom>
-          <a:ln w="127000" cap="sq">
-            <a:solidFill>
-              <a:srgbClr val="000000"/>
-            </a:solidFill>
-            <a:miter lim="800000"/>
-          </a:ln>
-          <a:effectLst>
-            <a:outerShdw blurRad="57150" dist="50800" dir="2700000" algn="tl" rotWithShape="0">
-              <a:srgbClr val="000000">
-                <a:alpha val="40000"/>
-              </a:srgbClr>
-            </a:outerShdw>
-          </a:effectLst>
-        </p:spPr>
-      </p:pic>
     </p:spTree>
     <p:extLst>
       <p:ext uri="{BB962C8B-B14F-4D97-AF65-F5344CB8AC3E}">
-        <p14:creationId xmlns:p14="http://schemas.microsoft.com/office/powerpoint/2010/main" val="3770335846"/>
+        <p14:creationId xmlns:p14="http://schemas.microsoft.com/office/powerpoint/2010/main" val="30724569"/>
       </p:ext>
     </p:extLst>
   </p:cSld>
@@ -20324,176 +15361,9 @@
   <p:timing>
     <p:tnLst>
       <p:par>
-        <p:cTn id="1" dur="indefinite" restart="never" nodeType="tmRoot">
-          <p:childTnLst>
-            <p:seq concurrent="1" nextAc="seek">
-              <p:cTn id="2" dur="indefinite" nodeType="mainSeq">
-                <p:childTnLst>
-                  <p:par>
-                    <p:cTn id="3" fill="hold">
-                      <p:stCondLst>
-                        <p:cond delay="indefinite"/>
-                      </p:stCondLst>
-                      <p:childTnLst>
-                        <p:par>
-                          <p:cTn id="4" fill="hold">
-                            <p:stCondLst>
-                              <p:cond delay="0"/>
-                            </p:stCondLst>
-                            <p:childTnLst>
-                              <p:par>
-                                <p:cTn id="5" presetID="10" presetClass="entr" presetSubtype="0" fill="hold" grpId="0" nodeType="clickEffect">
-                                  <p:stCondLst>
-                                    <p:cond delay="0"/>
-                                  </p:stCondLst>
-                                  <p:childTnLst>
-                                    <p:set>
-                                      <p:cBhvr>
-                                        <p:cTn id="6" dur="1" fill="hold">
-                                          <p:stCondLst>
-                                            <p:cond delay="0"/>
-                                          </p:stCondLst>
-                                        </p:cTn>
-                                        <p:tgtEl>
-                                          <p:spTgt spid="8"/>
-                                        </p:tgtEl>
-                                        <p:attrNameLst>
-                                          <p:attrName>style.visibility</p:attrName>
-                                        </p:attrNameLst>
-                                      </p:cBhvr>
-                                      <p:to>
-                                        <p:strVal val="visible"/>
-                                      </p:to>
-                                    </p:set>
-                                    <p:animEffect transition="in" filter="fade">
-                                      <p:cBhvr>
-                                        <p:cTn id="7" dur="500"/>
-                                        <p:tgtEl>
-                                          <p:spTgt spid="8"/>
-                                        </p:tgtEl>
-                                      </p:cBhvr>
-                                    </p:animEffect>
-                                  </p:childTnLst>
-                                </p:cTn>
-                              </p:par>
-                              <p:par>
-                                <p:cTn id="8" presetID="10" presetClass="entr" presetSubtype="0" fill="hold" nodeType="withEffect">
-                                  <p:stCondLst>
-                                    <p:cond delay="0"/>
-                                  </p:stCondLst>
-                                  <p:childTnLst>
-                                    <p:set>
-                                      <p:cBhvr>
-                                        <p:cTn id="9" dur="1" fill="hold">
-                                          <p:stCondLst>
-                                            <p:cond delay="0"/>
-                                          </p:stCondLst>
-                                        </p:cTn>
-                                        <p:tgtEl>
-                                          <p:spTgt spid="7"/>
-                                        </p:tgtEl>
-                                        <p:attrNameLst>
-                                          <p:attrName>style.visibility</p:attrName>
-                                        </p:attrNameLst>
-                                      </p:cBhvr>
-                                      <p:to>
-                                        <p:strVal val="visible"/>
-                                      </p:to>
-                                    </p:set>
-                                    <p:animEffect transition="in" filter="fade">
-                                      <p:cBhvr>
-                                        <p:cTn id="10" dur="500"/>
-                                        <p:tgtEl>
-                                          <p:spTgt spid="7"/>
-                                        </p:tgtEl>
-                                      </p:cBhvr>
-                                    </p:animEffect>
-                                  </p:childTnLst>
-                                </p:cTn>
-                              </p:par>
-                            </p:childTnLst>
-                          </p:cTn>
-                        </p:par>
-                      </p:childTnLst>
-                    </p:cTn>
-                  </p:par>
-                  <p:par>
-                    <p:cTn id="11" fill="hold">
-                      <p:stCondLst>
-                        <p:cond delay="indefinite"/>
-                      </p:stCondLst>
-                      <p:childTnLst>
-                        <p:par>
-                          <p:cTn id="12" fill="hold">
-                            <p:stCondLst>
-                              <p:cond delay="0"/>
-                            </p:stCondLst>
-                            <p:childTnLst>
-                              <p:par>
-                                <p:cTn id="13" presetID="10" presetClass="entr" presetSubtype="0" fill="hold" nodeType="clickEffect">
-                                  <p:stCondLst>
-                                    <p:cond delay="0"/>
-                                  </p:stCondLst>
-                                  <p:childTnLst>
-                                    <p:set>
-                                      <p:cBhvr>
-                                        <p:cTn id="14" dur="1" fill="hold">
-                                          <p:stCondLst>
-                                            <p:cond delay="0"/>
-                                          </p:stCondLst>
-                                        </p:cTn>
-                                        <p:tgtEl>
-                                          <p:spTgt spid="9"/>
-                                        </p:tgtEl>
-                                        <p:attrNameLst>
-                                          <p:attrName>style.visibility</p:attrName>
-                                        </p:attrNameLst>
-                                      </p:cBhvr>
-                                      <p:to>
-                                        <p:strVal val="visible"/>
-                                      </p:to>
-                                    </p:set>
-                                    <p:animEffect transition="in" filter="fade">
-                                      <p:cBhvr>
-                                        <p:cTn id="15" dur="500"/>
-                                        <p:tgtEl>
-                                          <p:spTgt spid="9"/>
-                                        </p:tgtEl>
-                                      </p:cBhvr>
-                                    </p:animEffect>
-                                  </p:childTnLst>
-                                </p:cTn>
-                              </p:par>
-                            </p:childTnLst>
-                          </p:cTn>
-                        </p:par>
-                      </p:childTnLst>
-                    </p:cTn>
-                  </p:par>
-                </p:childTnLst>
-              </p:cTn>
-              <p:prevCondLst>
-                <p:cond evt="onPrev" delay="0">
-                  <p:tgtEl>
-                    <p:sldTgt/>
-                  </p:tgtEl>
-                </p:cond>
-              </p:prevCondLst>
-              <p:nextCondLst>
-                <p:cond evt="onNext" delay="0">
-                  <p:tgtEl>
-                    <p:sldTgt/>
-                  </p:tgtEl>
-                </p:cond>
-              </p:nextCondLst>
-            </p:seq>
-          </p:childTnLst>
-        </p:cTn>
+        <p:cTn id="1" dur="indefinite" restart="never" nodeType="tmRoot"/>
       </p:par>
     </p:tnLst>
-    <p:bldLst>
-      <p:bldP spid="8" grpId="0" animBg="1"/>
-    </p:bldLst>
   </p:timing>
 </p:sld>
 </file>
